--- a/Realisation/Tutoriel Scratch/Programmer avec Scratch_2.pptx
+++ b/Realisation/Tutoriel Scratch/Programmer avec Scratch_2.pptx
@@ -2,7 +2,7 @@
 <file path=ppt/presentation.xml><?xml version="1.0" encoding="utf-8"?>
 <p:presentation xmlns:a="http://schemas.openxmlformats.org/drawingml/2006/main" xmlns:r="http://schemas.openxmlformats.org/officeDocument/2006/relationships" xmlns:p="http://schemas.openxmlformats.org/presentationml/2006/main" saveSubsetFonts="1">
   <p:sldMasterIdLst>
-    <p:sldMasterId id="2147483648" r:id="rId1"/>
+    <p:sldMasterId id="2147483660" r:id="rId1"/>
   </p:sldMasterIdLst>
   <p:sldIdLst>
     <p:sldId id="256" r:id="rId2"/>
@@ -20,7 +20,7 @@
     <a:defPPr>
       <a:defRPr lang="en-US"/>
     </a:defPPr>
-    <a:lvl1pPr marL="0" algn="l" defTabSz="914400" rtl="0" eaLnBrk="1" latinLnBrk="0" hangingPunct="1">
+    <a:lvl1pPr marL="0" algn="l" defTabSz="457200" rtl="0" eaLnBrk="1" latinLnBrk="0" hangingPunct="1">
       <a:defRPr sz="1800" kern="1200">
         <a:solidFill>
           <a:schemeClr val="tx1"/>
@@ -30,7 +30,7 @@
         <a:cs typeface="+mn-cs"/>
       </a:defRPr>
     </a:lvl1pPr>
-    <a:lvl2pPr marL="457200" algn="l" defTabSz="914400" rtl="0" eaLnBrk="1" latinLnBrk="0" hangingPunct="1">
+    <a:lvl2pPr marL="457200" algn="l" defTabSz="457200" rtl="0" eaLnBrk="1" latinLnBrk="0" hangingPunct="1">
       <a:defRPr sz="1800" kern="1200">
         <a:solidFill>
           <a:schemeClr val="tx1"/>
@@ -40,7 +40,7 @@
         <a:cs typeface="+mn-cs"/>
       </a:defRPr>
     </a:lvl2pPr>
-    <a:lvl3pPr marL="914400" algn="l" defTabSz="914400" rtl="0" eaLnBrk="1" latinLnBrk="0" hangingPunct="1">
+    <a:lvl3pPr marL="914400" algn="l" defTabSz="457200" rtl="0" eaLnBrk="1" latinLnBrk="0" hangingPunct="1">
       <a:defRPr sz="1800" kern="1200">
         <a:solidFill>
           <a:schemeClr val="tx1"/>
@@ -50,7 +50,7 @@
         <a:cs typeface="+mn-cs"/>
       </a:defRPr>
     </a:lvl3pPr>
-    <a:lvl4pPr marL="1371600" algn="l" defTabSz="914400" rtl="0" eaLnBrk="1" latinLnBrk="0" hangingPunct="1">
+    <a:lvl4pPr marL="1371600" algn="l" defTabSz="457200" rtl="0" eaLnBrk="1" latinLnBrk="0" hangingPunct="1">
       <a:defRPr sz="1800" kern="1200">
         <a:solidFill>
           <a:schemeClr val="tx1"/>
@@ -60,7 +60,7 @@
         <a:cs typeface="+mn-cs"/>
       </a:defRPr>
     </a:lvl4pPr>
-    <a:lvl5pPr marL="1828800" algn="l" defTabSz="914400" rtl="0" eaLnBrk="1" latinLnBrk="0" hangingPunct="1">
+    <a:lvl5pPr marL="1828800" algn="l" defTabSz="457200" rtl="0" eaLnBrk="1" latinLnBrk="0" hangingPunct="1">
       <a:defRPr sz="1800" kern="1200">
         <a:solidFill>
           <a:schemeClr val="tx1"/>
@@ -70,7 +70,7 @@
         <a:cs typeface="+mn-cs"/>
       </a:defRPr>
     </a:lvl5pPr>
-    <a:lvl6pPr marL="2286000" algn="l" defTabSz="914400" rtl="0" eaLnBrk="1" latinLnBrk="0" hangingPunct="1">
+    <a:lvl6pPr marL="2286000" algn="l" defTabSz="457200" rtl="0" eaLnBrk="1" latinLnBrk="0" hangingPunct="1">
       <a:defRPr sz="1800" kern="1200">
         <a:solidFill>
           <a:schemeClr val="tx1"/>
@@ -80,7 +80,7 @@
         <a:cs typeface="+mn-cs"/>
       </a:defRPr>
     </a:lvl6pPr>
-    <a:lvl7pPr marL="2743200" algn="l" defTabSz="914400" rtl="0" eaLnBrk="1" latinLnBrk="0" hangingPunct="1">
+    <a:lvl7pPr marL="2743200" algn="l" defTabSz="457200" rtl="0" eaLnBrk="1" latinLnBrk="0" hangingPunct="1">
       <a:defRPr sz="1800" kern="1200">
         <a:solidFill>
           <a:schemeClr val="tx1"/>
@@ -90,7 +90,7 @@
         <a:cs typeface="+mn-cs"/>
       </a:defRPr>
     </a:lvl7pPr>
-    <a:lvl8pPr marL="3200400" algn="l" defTabSz="914400" rtl="0" eaLnBrk="1" latinLnBrk="0" hangingPunct="1">
+    <a:lvl8pPr marL="3200400" algn="l" defTabSz="457200" rtl="0" eaLnBrk="1" latinLnBrk="0" hangingPunct="1">
       <a:defRPr sz="1800" kern="1200">
         <a:solidFill>
           <a:schemeClr val="tx1"/>
@@ -100,7 +100,7 @@
         <a:cs typeface="+mn-cs"/>
       </a:defRPr>
     </a:lvl8pPr>
-    <a:lvl9pPr marL="3657600" algn="l" defTabSz="914400" rtl="0" eaLnBrk="1" latinLnBrk="0" hangingPunct="1">
+    <a:lvl9pPr marL="3657600" algn="l" defTabSz="457200" rtl="0" eaLnBrk="1" latinLnBrk="0" hangingPunct="1">
       <a:defRPr sz="1800" kern="1200">
         <a:solidFill>
           <a:schemeClr val="tx1"/>
@@ -111,6 +111,22 @@
       </a:defRPr>
     </a:lvl9pPr>
   </p:defaultTextStyle>
+  <p:extLst>
+    <p:ext uri="{EFAFB233-063F-42B5-8137-9DF3F51BA10A}">
+      <p15:sldGuideLst xmlns:p15="http://schemas.microsoft.com/office/powerpoint/2012/main">
+        <p15:guide id="1" orient="horz" pos="2160">
+          <p15:clr>
+            <a:srgbClr val="A4A3A4"/>
+          </p15:clr>
+        </p15:guide>
+        <p15:guide id="2" pos="2880">
+          <p15:clr>
+            <a:srgbClr val="A4A3A4"/>
+          </p15:clr>
+        </p15:guide>
+      </p15:sldGuideLst>
+    </p:ext>
+  </p:extLst>
 </p:presentation>
 </file>
 
@@ -133,7 +149,7 @@
       </p:grpSpPr>
       <p:sp>
         <p:nvSpPr>
-          <p:cNvPr id="2" name="Titre 1"/>
+          <p:cNvPr id="2" name="Title 1"/>
           <p:cNvSpPr>
             <a:spLocks noGrp="1"/>
           </p:cNvSpPr>
@@ -143,25 +159,31 @@
         </p:nvSpPr>
         <p:spPr>
           <a:xfrm>
-            <a:off x="685800" y="2130425"/>
-            <a:ext cx="7772400" cy="1470025"/>
+            <a:off x="2396319" y="802299"/>
+            <a:ext cx="5618515" cy="2541431"/>
           </a:xfrm>
         </p:spPr>
         <p:txBody>
-          <a:bodyPr/>
-          <a:lstStyle/>
-          <a:p>
-            <a:r>
-              <a:rPr lang="fr-FR" smtClean="0"/>
-              <a:t>Modifiez le style du titre</a:t>
-            </a:r>
-            <a:endParaRPr lang="en-CA"/>
-          </a:p>
-        </p:txBody>
-      </p:sp>
-      <p:sp>
-        <p:nvSpPr>
-          <p:cNvPr id="3" name="Sous-titre 2"/>
+          <a:bodyPr bIns="0" anchor="b">
+            <a:normAutofit/>
+          </a:bodyPr>
+          <a:lstStyle>
+            <a:lvl1pPr algn="l">
+              <a:defRPr sz="5400"/>
+            </a:lvl1pPr>
+          </a:lstStyle>
+          <a:p>
+            <a:r>
+              <a:rPr lang="fr-CA"/>
+              <a:t>Modifier le style du titre</a:t>
+            </a:r>
+            <a:endParaRPr lang="en-US" dirty="0"/>
+          </a:p>
+        </p:txBody>
+      </p:sp>
+      <p:sp>
+        <p:nvSpPr>
+          <p:cNvPr id="3" name="Subtitle 2"/>
           <p:cNvSpPr>
             <a:spLocks noGrp="1"/>
           </p:cNvSpPr>
@@ -171,116 +193,68 @@
         </p:nvSpPr>
         <p:spPr>
           <a:xfrm>
-            <a:off x="1371600" y="3886200"/>
-            <a:ext cx="6400800" cy="1752600"/>
+            <a:off x="2396319" y="3531205"/>
+            <a:ext cx="5618515" cy="977621"/>
           </a:xfrm>
         </p:spPr>
         <p:txBody>
-          <a:bodyPr/>
+          <a:bodyPr tIns="91440" bIns="91440">
+            <a:normAutofit/>
+          </a:bodyPr>
           <a:lstStyle>
-            <a:lvl1pPr marL="0" indent="0" algn="ctr">
-              <a:buNone/>
-              <a:defRPr>
+            <a:lvl1pPr marL="0" indent="0" algn="l">
+              <a:buNone/>
+              <a:defRPr sz="1600" b="0" cap="all" baseline="0">
                 <a:solidFill>
-                  <a:schemeClr val="tx1">
-                    <a:tint val="75000"/>
-                  </a:schemeClr>
+                  <a:schemeClr val="tx1"/>
                 </a:solidFill>
               </a:defRPr>
             </a:lvl1pPr>
-            <a:lvl2pPr marL="457200" indent="0" algn="ctr">
-              <a:buNone/>
-              <a:defRPr>
-                <a:solidFill>
-                  <a:schemeClr val="tx1">
-                    <a:tint val="75000"/>
-                  </a:schemeClr>
-                </a:solidFill>
-              </a:defRPr>
+            <a:lvl2pPr marL="342900" indent="0" algn="ctr">
+              <a:buNone/>
+              <a:defRPr sz="1500"/>
             </a:lvl2pPr>
-            <a:lvl3pPr marL="914400" indent="0" algn="ctr">
-              <a:buNone/>
-              <a:defRPr>
-                <a:solidFill>
-                  <a:schemeClr val="tx1">
-                    <a:tint val="75000"/>
-                  </a:schemeClr>
-                </a:solidFill>
-              </a:defRPr>
+            <a:lvl3pPr marL="685800" indent="0" algn="ctr">
+              <a:buNone/>
+              <a:defRPr sz="1350"/>
             </a:lvl3pPr>
-            <a:lvl4pPr marL="1371600" indent="0" algn="ctr">
-              <a:buNone/>
-              <a:defRPr>
-                <a:solidFill>
-                  <a:schemeClr val="tx1">
-                    <a:tint val="75000"/>
-                  </a:schemeClr>
-                </a:solidFill>
-              </a:defRPr>
+            <a:lvl4pPr marL="1028700" indent="0" algn="ctr">
+              <a:buNone/>
+              <a:defRPr sz="1200"/>
             </a:lvl4pPr>
-            <a:lvl5pPr marL="1828800" indent="0" algn="ctr">
-              <a:buNone/>
-              <a:defRPr>
-                <a:solidFill>
-                  <a:schemeClr val="tx1">
-                    <a:tint val="75000"/>
-                  </a:schemeClr>
-                </a:solidFill>
-              </a:defRPr>
+            <a:lvl5pPr marL="1371600" indent="0" algn="ctr">
+              <a:buNone/>
+              <a:defRPr sz="1200"/>
             </a:lvl5pPr>
-            <a:lvl6pPr marL="2286000" indent="0" algn="ctr">
-              <a:buNone/>
-              <a:defRPr>
-                <a:solidFill>
-                  <a:schemeClr val="tx1">
-                    <a:tint val="75000"/>
-                  </a:schemeClr>
-                </a:solidFill>
-              </a:defRPr>
+            <a:lvl6pPr marL="1714500" indent="0" algn="ctr">
+              <a:buNone/>
+              <a:defRPr sz="1200"/>
             </a:lvl6pPr>
-            <a:lvl7pPr marL="2743200" indent="0" algn="ctr">
-              <a:buNone/>
-              <a:defRPr>
-                <a:solidFill>
-                  <a:schemeClr val="tx1">
-                    <a:tint val="75000"/>
-                  </a:schemeClr>
-                </a:solidFill>
-              </a:defRPr>
+            <a:lvl7pPr marL="2057400" indent="0" algn="ctr">
+              <a:buNone/>
+              <a:defRPr sz="1200"/>
             </a:lvl7pPr>
-            <a:lvl8pPr marL="3200400" indent="0" algn="ctr">
-              <a:buNone/>
-              <a:defRPr>
-                <a:solidFill>
-                  <a:schemeClr val="tx1">
-                    <a:tint val="75000"/>
-                  </a:schemeClr>
-                </a:solidFill>
-              </a:defRPr>
+            <a:lvl8pPr marL="2400300" indent="0" algn="ctr">
+              <a:buNone/>
+              <a:defRPr sz="1200"/>
             </a:lvl8pPr>
-            <a:lvl9pPr marL="3657600" indent="0" algn="ctr">
-              <a:buNone/>
-              <a:defRPr>
-                <a:solidFill>
-                  <a:schemeClr val="tx1">
-                    <a:tint val="75000"/>
-                  </a:schemeClr>
-                </a:solidFill>
-              </a:defRPr>
+            <a:lvl9pPr marL="2743200" indent="0" algn="ctr">
+              <a:buNone/>
+              <a:defRPr sz="1200"/>
             </a:lvl9pPr>
           </a:lstStyle>
           <a:p>
             <a:r>
-              <a:rPr lang="fr-FR" smtClean="0"/>
-              <a:t>Modifiez le style des sous-titres du masque</a:t>
-            </a:r>
-            <a:endParaRPr lang="en-CA"/>
-          </a:p>
-        </p:txBody>
-      </p:sp>
-      <p:sp>
-        <p:nvSpPr>
-          <p:cNvPr id="4" name="Espace réservé de la date 3"/>
+              <a:rPr lang="fr-CA"/>
+              <a:t>Modifier le style des sous-titres du masque</a:t>
+            </a:r>
+            <a:endParaRPr lang="en-US" dirty="0"/>
+          </a:p>
+        </p:txBody>
+      </p:sp>
+      <p:sp>
+        <p:nvSpPr>
+          <p:cNvPr id="4" name="Date Placeholder 3"/>
           <p:cNvSpPr>
             <a:spLocks noGrp="1"/>
           </p:cNvSpPr>
@@ -295,7 +269,7 @@
           <a:p>
             <a:fld id="{1EF6F3ED-F4A4-4E74-A7EF-9E1C763E1BEE}" type="datetimeFigureOut">
               <a:rPr lang="en-CA" smtClean="0"/>
-              <a:t>2018-07-27</a:t>
+              <a:t>2023-02-04</a:t>
             </a:fld>
             <a:endParaRPr lang="en-CA"/>
           </a:p>
@@ -303,7 +277,7 @@
       </p:sp>
       <p:sp>
         <p:nvSpPr>
-          <p:cNvPr id="5" name="Espace réservé du pied de page 4"/>
+          <p:cNvPr id="5" name="Footer Placeholder 4"/>
           <p:cNvSpPr>
             <a:spLocks noGrp="1"/>
           </p:cNvSpPr>
@@ -311,7 +285,12 @@
             <p:ph type="ftr" sz="quarter" idx="11"/>
           </p:nvPr>
         </p:nvSpPr>
-        <p:spPr/>
+        <p:spPr>
+          <a:xfrm>
+            <a:off x="2396319" y="329308"/>
+            <a:ext cx="3086292" cy="309201"/>
+          </a:xfrm>
+        </p:spPr>
         <p:txBody>
           <a:bodyPr/>
           <a:lstStyle/>
@@ -322,7 +301,7 @@
       </p:sp>
       <p:sp>
         <p:nvSpPr>
-          <p:cNvPr id="6" name="Espace réservé du numéro de diapositive 5"/>
+          <p:cNvPr id="6" name="Slide Number Placeholder 5"/>
           <p:cNvSpPr>
             <a:spLocks noGrp="1"/>
           </p:cNvSpPr>
@@ -330,23 +309,59 @@
             <p:ph type="sldNum" sz="quarter" idx="12"/>
           </p:nvPr>
         </p:nvSpPr>
-        <p:spPr/>
+        <p:spPr>
+          <a:xfrm>
+            <a:off x="1434703" y="798973"/>
+            <a:ext cx="802005" cy="503578"/>
+          </a:xfrm>
+        </p:spPr>
         <p:txBody>
           <a:bodyPr/>
           <a:lstStyle/>
           <a:p>
             <a:fld id="{4770082A-6F77-48B9-898D-95522E9653E3}" type="slidenum">
               <a:rPr lang="en-CA" smtClean="0"/>
-              <a:t>‹N°›</a:t>
+              <a:t>‹n°›</a:t>
             </a:fld>
             <a:endParaRPr lang="en-CA"/>
           </a:p>
         </p:txBody>
       </p:sp>
+      <p:cxnSp>
+        <p:nvCxnSpPr>
+          <p:cNvPr id="15" name="Straight Connector 14"/>
+          <p:cNvCxnSpPr/>
+          <p:nvPr/>
+        </p:nvCxnSpPr>
+        <p:spPr>
+          <a:xfrm>
+            <a:off x="2396319" y="3528542"/>
+            <a:ext cx="5618515" cy="0"/>
+          </a:xfrm>
+          <a:prstGeom prst="line">
+            <a:avLst/>
+          </a:prstGeom>
+          <a:ln w="31750"/>
+        </p:spPr>
+        <p:style>
+          <a:lnRef idx="3">
+            <a:schemeClr val="accent1"/>
+          </a:lnRef>
+          <a:fillRef idx="0">
+            <a:schemeClr val="accent1"/>
+          </a:fillRef>
+          <a:effectRef idx="2">
+            <a:schemeClr val="accent1"/>
+          </a:effectRef>
+          <a:fontRef idx="minor">
+            <a:schemeClr val="tx1"/>
+          </a:fontRef>
+        </p:style>
+      </p:cxnSp>
     </p:spTree>
     <p:extLst>
       <p:ext uri="{BB962C8B-B14F-4D97-AF65-F5344CB8AC3E}">
-        <p14:creationId xmlns:p14="http://schemas.microsoft.com/office/powerpoint/2010/main" val="2949733455"/>
+        <p14:creationId xmlns:p14="http://schemas.microsoft.com/office/powerpoint/2010/main" val="270898468"/>
       </p:ext>
     </p:extLst>
   </p:cSld>
@@ -373,9 +388,40 @@
           <a:chExt cx="0" cy="0"/>
         </a:xfrm>
       </p:grpSpPr>
-      <p:sp>
-        <p:nvSpPr>
-          <p:cNvPr id="2" name="Titre 1"/>
+      <p:cxnSp>
+        <p:nvCxnSpPr>
+          <p:cNvPr id="33" name="Straight Connector 32"/>
+          <p:cNvCxnSpPr/>
+          <p:nvPr/>
+        </p:nvCxnSpPr>
+        <p:spPr>
+          <a:xfrm>
+            <a:off x="1443491" y="1847088"/>
+            <a:ext cx="6571343" cy="0"/>
+          </a:xfrm>
+          <a:prstGeom prst="line">
+            <a:avLst/>
+          </a:prstGeom>
+          <a:ln w="31750"/>
+        </p:spPr>
+        <p:style>
+          <a:lnRef idx="3">
+            <a:schemeClr val="accent1"/>
+          </a:lnRef>
+          <a:fillRef idx="0">
+            <a:schemeClr val="accent1"/>
+          </a:fillRef>
+          <a:effectRef idx="2">
+            <a:schemeClr val="accent1"/>
+          </a:effectRef>
+          <a:fontRef idx="minor">
+            <a:schemeClr val="tx1"/>
+          </a:fontRef>
+        </p:style>
+      </p:cxnSp>
+      <p:sp>
+        <p:nvSpPr>
+          <p:cNvPr id="2" name="Title 1"/>
           <p:cNvSpPr>
             <a:spLocks noGrp="1"/>
           </p:cNvSpPr>
@@ -389,16 +435,16 @@
           <a:lstStyle/>
           <a:p>
             <a:r>
-              <a:rPr lang="fr-FR" smtClean="0"/>
-              <a:t>Modifiez le style du titre</a:t>
-            </a:r>
-            <a:endParaRPr lang="en-CA"/>
-          </a:p>
-        </p:txBody>
-      </p:sp>
-      <p:sp>
-        <p:nvSpPr>
-          <p:cNvPr id="3" name="Espace réservé du texte vertical 2"/>
+              <a:rPr lang="fr-CA"/>
+              <a:t>Modifier le style du titre</a:t>
+            </a:r>
+            <a:endParaRPr lang="en-US" dirty="0"/>
+          </a:p>
+        </p:txBody>
+      </p:sp>
+      <p:sp>
+        <p:nvSpPr>
+          <p:cNvPr id="3" name="Vertical Text Placeholder 2"/>
           <p:cNvSpPr>
             <a:spLocks noGrp="1"/>
           </p:cNvSpPr>
@@ -413,44 +459,44 @@
           <a:p>
             <a:pPr lvl="0"/>
             <a:r>
-              <a:rPr lang="fr-FR" smtClean="0"/>
-              <a:t>Modifiez les styles du texte du masque</a:t>
+              <a:rPr lang="fr-CA"/>
+              <a:t>Cliquez pour modifier les styles du texte du masque</a:t>
             </a:r>
           </a:p>
           <a:p>
             <a:pPr lvl="1"/>
             <a:r>
-              <a:rPr lang="fr-FR" smtClean="0"/>
+              <a:rPr lang="fr-CA"/>
               <a:t>Deuxième niveau</a:t>
             </a:r>
           </a:p>
           <a:p>
             <a:pPr lvl="2"/>
             <a:r>
-              <a:rPr lang="fr-FR" smtClean="0"/>
+              <a:rPr lang="fr-CA"/>
               <a:t>Troisième niveau</a:t>
             </a:r>
           </a:p>
           <a:p>
             <a:pPr lvl="3"/>
             <a:r>
-              <a:rPr lang="fr-FR" smtClean="0"/>
+              <a:rPr lang="fr-CA"/>
               <a:t>Quatrième niveau</a:t>
             </a:r>
           </a:p>
           <a:p>
             <a:pPr lvl="4"/>
             <a:r>
-              <a:rPr lang="fr-FR" smtClean="0"/>
+              <a:rPr lang="fr-CA"/>
               <a:t>Cinquième niveau</a:t>
             </a:r>
-            <a:endParaRPr lang="en-CA"/>
-          </a:p>
-        </p:txBody>
-      </p:sp>
-      <p:sp>
-        <p:nvSpPr>
-          <p:cNvPr id="4" name="Espace réservé de la date 3"/>
+            <a:endParaRPr lang="en-US" dirty="0"/>
+          </a:p>
+        </p:txBody>
+      </p:sp>
+      <p:sp>
+        <p:nvSpPr>
+          <p:cNvPr id="4" name="Date Placeholder 3"/>
           <p:cNvSpPr>
             <a:spLocks noGrp="1"/>
           </p:cNvSpPr>
@@ -465,7 +511,7 @@
           <a:p>
             <a:fld id="{1EF6F3ED-F4A4-4E74-A7EF-9E1C763E1BEE}" type="datetimeFigureOut">
               <a:rPr lang="en-CA" smtClean="0"/>
-              <a:t>2018-07-27</a:t>
+              <a:t>2023-02-04</a:t>
             </a:fld>
             <a:endParaRPr lang="en-CA"/>
           </a:p>
@@ -473,7 +519,7 @@
       </p:sp>
       <p:sp>
         <p:nvSpPr>
-          <p:cNvPr id="5" name="Espace réservé du pied de page 4"/>
+          <p:cNvPr id="5" name="Footer Placeholder 4"/>
           <p:cNvSpPr>
             <a:spLocks noGrp="1"/>
           </p:cNvSpPr>
@@ -492,7 +538,7 @@
       </p:sp>
       <p:sp>
         <p:nvSpPr>
-          <p:cNvPr id="6" name="Espace réservé du numéro de diapositive 5"/>
+          <p:cNvPr id="6" name="Slide Number Placeholder 5"/>
           <p:cNvSpPr>
             <a:spLocks noGrp="1"/>
           </p:cNvSpPr>
@@ -507,7 +553,7 @@
           <a:p>
             <a:fld id="{4770082A-6F77-48B9-898D-95522E9653E3}" type="slidenum">
               <a:rPr lang="en-CA" smtClean="0"/>
-              <a:t>‹N°›</a:t>
+              <a:t>‹n°›</a:t>
             </a:fld>
             <a:endParaRPr lang="en-CA"/>
           </a:p>
@@ -516,7 +562,7 @@
     </p:spTree>
     <p:extLst>
       <p:ext uri="{BB962C8B-B14F-4D97-AF65-F5344CB8AC3E}">
-        <p14:creationId xmlns:p14="http://schemas.microsoft.com/office/powerpoint/2010/main" val="2740556066"/>
+        <p14:creationId xmlns:p14="http://schemas.microsoft.com/office/powerpoint/2010/main" val="2077548959"/>
       </p:ext>
     </p:extLst>
   </p:cSld>
@@ -545,7 +591,7 @@
       </p:grpSpPr>
       <p:sp>
         <p:nvSpPr>
-          <p:cNvPr id="2" name="Titre vertical 1"/>
+          <p:cNvPr id="2" name="Vertical Title 1"/>
           <p:cNvSpPr>
             <a:spLocks noGrp="1"/>
           </p:cNvSpPr>
@@ -555,25 +601,29 @@
         </p:nvSpPr>
         <p:spPr>
           <a:xfrm>
-            <a:off x="6629400" y="274638"/>
-            <a:ext cx="2057400" cy="5851525"/>
+            <a:off x="6918028" y="798974"/>
+            <a:ext cx="1103027" cy="4659889"/>
           </a:xfrm>
         </p:spPr>
         <p:txBody>
           <a:bodyPr vert="eaVert"/>
-          <a:lstStyle/>
-          <a:p>
-            <a:r>
-              <a:rPr lang="fr-FR" smtClean="0"/>
-              <a:t>Modifiez le style du titre</a:t>
-            </a:r>
-            <a:endParaRPr lang="en-CA"/>
-          </a:p>
-        </p:txBody>
-      </p:sp>
-      <p:sp>
-        <p:nvSpPr>
-          <p:cNvPr id="3" name="Espace réservé du texte vertical 2"/>
+          <a:lstStyle>
+            <a:lvl1pPr algn="l">
+              <a:defRPr/>
+            </a:lvl1pPr>
+          </a:lstStyle>
+          <a:p>
+            <a:r>
+              <a:rPr lang="fr-CA"/>
+              <a:t>Modifier le style du titre</a:t>
+            </a:r>
+            <a:endParaRPr lang="en-US" dirty="0"/>
+          </a:p>
+        </p:txBody>
+      </p:sp>
+      <p:sp>
+        <p:nvSpPr>
+          <p:cNvPr id="3" name="Vertical Text Placeholder 2"/>
           <p:cNvSpPr>
             <a:spLocks noGrp="1"/>
           </p:cNvSpPr>
@@ -583,8 +633,8 @@
         </p:nvSpPr>
         <p:spPr>
           <a:xfrm>
-            <a:off x="457200" y="274638"/>
-            <a:ext cx="6019800" cy="5851525"/>
+            <a:off x="1443491" y="798974"/>
+            <a:ext cx="5301095" cy="4659889"/>
           </a:xfrm>
         </p:spPr>
         <p:txBody>
@@ -593,44 +643,44 @@
           <a:p>
             <a:pPr lvl="0"/>
             <a:r>
-              <a:rPr lang="fr-FR" smtClean="0"/>
-              <a:t>Modifiez les styles du texte du masque</a:t>
+              <a:rPr lang="fr-CA"/>
+              <a:t>Cliquez pour modifier les styles du texte du masque</a:t>
             </a:r>
           </a:p>
           <a:p>
             <a:pPr lvl="1"/>
             <a:r>
-              <a:rPr lang="fr-FR" smtClean="0"/>
+              <a:rPr lang="fr-CA"/>
               <a:t>Deuxième niveau</a:t>
             </a:r>
           </a:p>
           <a:p>
             <a:pPr lvl="2"/>
             <a:r>
-              <a:rPr lang="fr-FR" smtClean="0"/>
+              <a:rPr lang="fr-CA"/>
               <a:t>Troisième niveau</a:t>
             </a:r>
           </a:p>
           <a:p>
             <a:pPr lvl="3"/>
             <a:r>
-              <a:rPr lang="fr-FR" smtClean="0"/>
+              <a:rPr lang="fr-CA"/>
               <a:t>Quatrième niveau</a:t>
             </a:r>
           </a:p>
           <a:p>
             <a:pPr lvl="4"/>
             <a:r>
-              <a:rPr lang="fr-FR" smtClean="0"/>
+              <a:rPr lang="fr-CA"/>
               <a:t>Cinquième niveau</a:t>
             </a:r>
-            <a:endParaRPr lang="en-CA"/>
-          </a:p>
-        </p:txBody>
-      </p:sp>
-      <p:sp>
-        <p:nvSpPr>
-          <p:cNvPr id="4" name="Espace réservé de la date 3"/>
+            <a:endParaRPr lang="en-US" dirty="0"/>
+          </a:p>
+        </p:txBody>
+      </p:sp>
+      <p:sp>
+        <p:nvSpPr>
+          <p:cNvPr id="4" name="Date Placeholder 3"/>
           <p:cNvSpPr>
             <a:spLocks noGrp="1"/>
           </p:cNvSpPr>
@@ -645,7 +695,7 @@
           <a:p>
             <a:fld id="{1EF6F3ED-F4A4-4E74-A7EF-9E1C763E1BEE}" type="datetimeFigureOut">
               <a:rPr lang="en-CA" smtClean="0"/>
-              <a:t>2018-07-27</a:t>
+              <a:t>2023-02-04</a:t>
             </a:fld>
             <a:endParaRPr lang="en-CA"/>
           </a:p>
@@ -653,7 +703,7 @@
       </p:sp>
       <p:sp>
         <p:nvSpPr>
-          <p:cNvPr id="5" name="Espace réservé du pied de page 4"/>
+          <p:cNvPr id="5" name="Footer Placeholder 4"/>
           <p:cNvSpPr>
             <a:spLocks noGrp="1"/>
           </p:cNvSpPr>
@@ -672,7 +722,7 @@
       </p:sp>
       <p:sp>
         <p:nvSpPr>
-          <p:cNvPr id="6" name="Espace réservé du numéro de diapositive 5"/>
+          <p:cNvPr id="6" name="Slide Number Placeholder 5"/>
           <p:cNvSpPr>
             <a:spLocks noGrp="1"/>
           </p:cNvSpPr>
@@ -687,16 +737,47 @@
           <a:p>
             <a:fld id="{4770082A-6F77-48B9-898D-95522E9653E3}" type="slidenum">
               <a:rPr lang="en-CA" smtClean="0"/>
-              <a:t>‹N°›</a:t>
+              <a:t>‹n°›</a:t>
             </a:fld>
             <a:endParaRPr lang="en-CA"/>
           </a:p>
         </p:txBody>
       </p:sp>
+      <p:cxnSp>
+        <p:nvCxnSpPr>
+          <p:cNvPr id="15" name="Straight Connector 14"/>
+          <p:cNvCxnSpPr/>
+          <p:nvPr/>
+        </p:nvCxnSpPr>
+        <p:spPr>
+          <a:xfrm>
+            <a:off x="6918028" y="798974"/>
+            <a:ext cx="0" cy="4659889"/>
+          </a:xfrm>
+          <a:prstGeom prst="line">
+            <a:avLst/>
+          </a:prstGeom>
+          <a:ln w="31750"/>
+        </p:spPr>
+        <p:style>
+          <a:lnRef idx="3">
+            <a:schemeClr val="accent1"/>
+          </a:lnRef>
+          <a:fillRef idx="0">
+            <a:schemeClr val="accent1"/>
+          </a:fillRef>
+          <a:effectRef idx="2">
+            <a:schemeClr val="accent1"/>
+          </a:effectRef>
+          <a:fontRef idx="minor">
+            <a:schemeClr val="tx1"/>
+          </a:fontRef>
+        </p:style>
+      </p:cxnSp>
     </p:spTree>
     <p:extLst>
       <p:ext uri="{BB962C8B-B14F-4D97-AF65-F5344CB8AC3E}">
-        <p14:creationId xmlns:p14="http://schemas.microsoft.com/office/powerpoint/2010/main" val="3867194195"/>
+        <p14:creationId xmlns:p14="http://schemas.microsoft.com/office/powerpoint/2010/main" val="470249598"/>
       </p:ext>
     </p:extLst>
   </p:cSld>
@@ -725,7 +806,7 @@
       </p:grpSpPr>
       <p:sp>
         <p:nvSpPr>
-          <p:cNvPr id="2" name="Titre 1"/>
+          <p:cNvPr id="2" name="Title 1"/>
           <p:cNvSpPr>
             <a:spLocks noGrp="1"/>
           </p:cNvSpPr>
@@ -739,16 +820,16 @@
           <a:lstStyle/>
           <a:p>
             <a:r>
-              <a:rPr lang="fr-FR" smtClean="0"/>
-              <a:t>Modifiez le style du titre</a:t>
-            </a:r>
-            <a:endParaRPr lang="en-CA"/>
-          </a:p>
-        </p:txBody>
-      </p:sp>
-      <p:sp>
-        <p:nvSpPr>
-          <p:cNvPr id="3" name="Espace réservé du contenu 2"/>
+              <a:rPr lang="fr-CA"/>
+              <a:t>Modifier le style du titre</a:t>
+            </a:r>
+            <a:endParaRPr lang="en-US" dirty="0"/>
+          </a:p>
+        </p:txBody>
+      </p:sp>
+      <p:sp>
+        <p:nvSpPr>
+          <p:cNvPr id="3" name="Content Placeholder 2"/>
           <p:cNvSpPr>
             <a:spLocks noGrp="1"/>
           </p:cNvSpPr>
@@ -758,49 +839,49 @@
         </p:nvSpPr>
         <p:spPr/>
         <p:txBody>
-          <a:bodyPr/>
+          <a:bodyPr anchor="t"/>
           <a:lstStyle/>
           <a:p>
             <a:pPr lvl="0"/>
             <a:r>
-              <a:rPr lang="fr-FR" smtClean="0"/>
-              <a:t>Modifiez les styles du texte du masque</a:t>
+              <a:rPr lang="fr-CA"/>
+              <a:t>Cliquez pour modifier les styles du texte du masque</a:t>
             </a:r>
           </a:p>
           <a:p>
             <a:pPr lvl="1"/>
             <a:r>
-              <a:rPr lang="fr-FR" smtClean="0"/>
+              <a:rPr lang="fr-CA"/>
               <a:t>Deuxième niveau</a:t>
             </a:r>
           </a:p>
           <a:p>
             <a:pPr lvl="2"/>
             <a:r>
-              <a:rPr lang="fr-FR" smtClean="0"/>
+              <a:rPr lang="fr-CA"/>
               <a:t>Troisième niveau</a:t>
             </a:r>
           </a:p>
           <a:p>
             <a:pPr lvl="3"/>
             <a:r>
-              <a:rPr lang="fr-FR" smtClean="0"/>
+              <a:rPr lang="fr-CA"/>
               <a:t>Quatrième niveau</a:t>
             </a:r>
           </a:p>
           <a:p>
             <a:pPr lvl="4"/>
             <a:r>
-              <a:rPr lang="fr-FR" smtClean="0"/>
+              <a:rPr lang="fr-CA"/>
               <a:t>Cinquième niveau</a:t>
             </a:r>
-            <a:endParaRPr lang="en-CA"/>
-          </a:p>
-        </p:txBody>
-      </p:sp>
-      <p:sp>
-        <p:nvSpPr>
-          <p:cNvPr id="4" name="Espace réservé de la date 3"/>
+            <a:endParaRPr lang="en-US" dirty="0"/>
+          </a:p>
+        </p:txBody>
+      </p:sp>
+      <p:sp>
+        <p:nvSpPr>
+          <p:cNvPr id="4" name="Date Placeholder 3"/>
           <p:cNvSpPr>
             <a:spLocks noGrp="1"/>
           </p:cNvSpPr>
@@ -815,7 +896,7 @@
           <a:p>
             <a:fld id="{1EF6F3ED-F4A4-4E74-A7EF-9E1C763E1BEE}" type="datetimeFigureOut">
               <a:rPr lang="en-CA" smtClean="0"/>
-              <a:t>2018-07-27</a:t>
+              <a:t>2023-02-04</a:t>
             </a:fld>
             <a:endParaRPr lang="en-CA"/>
           </a:p>
@@ -823,7 +904,7 @@
       </p:sp>
       <p:sp>
         <p:nvSpPr>
-          <p:cNvPr id="5" name="Espace réservé du pied de page 4"/>
+          <p:cNvPr id="5" name="Footer Placeholder 4"/>
           <p:cNvSpPr>
             <a:spLocks noGrp="1"/>
           </p:cNvSpPr>
@@ -842,7 +923,7 @@
       </p:sp>
       <p:sp>
         <p:nvSpPr>
-          <p:cNvPr id="6" name="Espace réservé du numéro de diapositive 5"/>
+          <p:cNvPr id="6" name="Slide Number Placeholder 5"/>
           <p:cNvSpPr>
             <a:spLocks noGrp="1"/>
           </p:cNvSpPr>
@@ -857,16 +938,47 @@
           <a:p>
             <a:fld id="{4770082A-6F77-48B9-898D-95522E9653E3}" type="slidenum">
               <a:rPr lang="en-CA" smtClean="0"/>
-              <a:t>‹N°›</a:t>
+              <a:t>‹n°›</a:t>
             </a:fld>
             <a:endParaRPr lang="en-CA"/>
           </a:p>
         </p:txBody>
       </p:sp>
+      <p:cxnSp>
+        <p:nvCxnSpPr>
+          <p:cNvPr id="33" name="Straight Connector 32"/>
+          <p:cNvCxnSpPr/>
+          <p:nvPr/>
+        </p:nvCxnSpPr>
+        <p:spPr>
+          <a:xfrm>
+            <a:off x="1443491" y="1847088"/>
+            <a:ext cx="6571343" cy="0"/>
+          </a:xfrm>
+          <a:prstGeom prst="line">
+            <a:avLst/>
+          </a:prstGeom>
+          <a:ln w="31750"/>
+        </p:spPr>
+        <p:style>
+          <a:lnRef idx="3">
+            <a:schemeClr val="accent1"/>
+          </a:lnRef>
+          <a:fillRef idx="0">
+            <a:schemeClr val="accent1"/>
+          </a:fillRef>
+          <a:effectRef idx="2">
+            <a:schemeClr val="accent1"/>
+          </a:effectRef>
+          <a:fontRef idx="minor">
+            <a:schemeClr val="tx1"/>
+          </a:fontRef>
+        </p:style>
+      </p:cxnSp>
     </p:spTree>
     <p:extLst>
       <p:ext uri="{BB962C8B-B14F-4D97-AF65-F5344CB8AC3E}">
-        <p14:creationId xmlns:p14="http://schemas.microsoft.com/office/powerpoint/2010/main" val="4174377981"/>
+        <p14:creationId xmlns:p14="http://schemas.microsoft.com/office/powerpoint/2010/main" val="1515664405"/>
       </p:ext>
     </p:extLst>
   </p:cSld>
@@ -895,7 +1007,7 @@
       </p:grpSpPr>
       <p:sp>
         <p:nvSpPr>
-          <p:cNvPr id="2" name="Titre 1"/>
+          <p:cNvPr id="2" name="Title 1"/>
           <p:cNvSpPr>
             <a:spLocks noGrp="1"/>
           </p:cNvSpPr>
@@ -905,29 +1017,31 @@
         </p:nvSpPr>
         <p:spPr>
           <a:xfrm>
-            <a:off x="722313" y="4406900"/>
-            <a:ext cx="7772400" cy="1362075"/>
+            <a:off x="1443491" y="1756130"/>
+            <a:ext cx="5617002" cy="1887950"/>
           </a:xfrm>
         </p:spPr>
         <p:txBody>
-          <a:bodyPr anchor="t"/>
+          <a:bodyPr anchor="b">
+            <a:normAutofit/>
+          </a:bodyPr>
           <a:lstStyle>
             <a:lvl1pPr algn="l">
-              <a:defRPr sz="4000" b="1" cap="all"/>
+              <a:defRPr sz="3200"/>
             </a:lvl1pPr>
           </a:lstStyle>
           <a:p>
             <a:r>
-              <a:rPr lang="fr-FR" smtClean="0"/>
-              <a:t>Modifiez le style du titre</a:t>
-            </a:r>
-            <a:endParaRPr lang="en-CA"/>
-          </a:p>
-        </p:txBody>
-      </p:sp>
-      <p:sp>
-        <p:nvSpPr>
-          <p:cNvPr id="3" name="Espace réservé du texte 2"/>
+              <a:rPr lang="fr-CA"/>
+              <a:t>Modifier le style du titre</a:t>
+            </a:r>
+            <a:endParaRPr lang="en-US" dirty="0"/>
+          </a:p>
+        </p:txBody>
+      </p:sp>
+      <p:sp>
+        <p:nvSpPr>
+          <p:cNvPr id="3" name="Text Placeholder 2"/>
           <p:cNvSpPr>
             <a:spLocks noGrp="1"/>
           </p:cNvSpPr>
@@ -937,26 +1051,26 @@
         </p:nvSpPr>
         <p:spPr>
           <a:xfrm>
-            <a:off x="722313" y="2906713"/>
-            <a:ext cx="7772400" cy="1500187"/>
+            <a:off x="1443492" y="3806196"/>
+            <a:ext cx="5617002" cy="1012929"/>
           </a:xfrm>
         </p:spPr>
         <p:txBody>
-          <a:bodyPr anchor="b"/>
+          <a:bodyPr tIns="91440">
+            <a:normAutofit/>
+          </a:bodyPr>
           <a:lstStyle>
-            <a:lvl1pPr marL="0" indent="0">
-              <a:buNone/>
-              <a:defRPr sz="2000">
+            <a:lvl1pPr marL="0" indent="0" algn="l">
+              <a:buNone/>
+              <a:defRPr sz="1800">
                 <a:solidFill>
-                  <a:schemeClr val="tx1">
-                    <a:tint val="75000"/>
-                  </a:schemeClr>
+                  <a:schemeClr val="tx1"/>
                 </a:solidFill>
               </a:defRPr>
             </a:lvl1pPr>
-            <a:lvl2pPr marL="457200" indent="0">
-              <a:buNone/>
-              <a:defRPr sz="1800">
+            <a:lvl2pPr marL="342900" indent="0">
+              <a:buNone/>
+              <a:defRPr sz="1500">
                 <a:solidFill>
                   <a:schemeClr val="tx1">
                     <a:tint val="75000"/>
@@ -964,9 +1078,9 @@
                 </a:solidFill>
               </a:defRPr>
             </a:lvl2pPr>
-            <a:lvl3pPr marL="914400" indent="0">
-              <a:buNone/>
-              <a:defRPr sz="1600">
+            <a:lvl3pPr marL="685800" indent="0">
+              <a:buNone/>
+              <a:defRPr sz="1350">
                 <a:solidFill>
                   <a:schemeClr val="tx1">
                     <a:tint val="75000"/>
@@ -974,9 +1088,9 @@
                 </a:solidFill>
               </a:defRPr>
             </a:lvl3pPr>
-            <a:lvl4pPr marL="1371600" indent="0">
-              <a:buNone/>
-              <a:defRPr sz="1400">
+            <a:lvl4pPr marL="1028700" indent="0">
+              <a:buNone/>
+              <a:defRPr sz="1200">
                 <a:solidFill>
                   <a:schemeClr val="tx1">
                     <a:tint val="75000"/>
@@ -984,9 +1098,9 @@
                 </a:solidFill>
               </a:defRPr>
             </a:lvl4pPr>
-            <a:lvl5pPr marL="1828800" indent="0">
-              <a:buNone/>
-              <a:defRPr sz="1400">
+            <a:lvl5pPr marL="1371600" indent="0">
+              <a:buNone/>
+              <a:defRPr sz="1200">
                 <a:solidFill>
                   <a:schemeClr val="tx1">
                     <a:tint val="75000"/>
@@ -994,9 +1108,9 @@
                 </a:solidFill>
               </a:defRPr>
             </a:lvl5pPr>
-            <a:lvl6pPr marL="2286000" indent="0">
-              <a:buNone/>
-              <a:defRPr sz="1400">
+            <a:lvl6pPr marL="1714500" indent="0">
+              <a:buNone/>
+              <a:defRPr sz="1200">
                 <a:solidFill>
                   <a:schemeClr val="tx1">
                     <a:tint val="75000"/>
@@ -1004,9 +1118,9 @@
                 </a:solidFill>
               </a:defRPr>
             </a:lvl6pPr>
-            <a:lvl7pPr marL="2743200" indent="0">
-              <a:buNone/>
-              <a:defRPr sz="1400">
+            <a:lvl7pPr marL="2057400" indent="0">
+              <a:buNone/>
+              <a:defRPr sz="1200">
                 <a:solidFill>
                   <a:schemeClr val="tx1">
                     <a:tint val="75000"/>
@@ -1014,9 +1128,9 @@
                 </a:solidFill>
               </a:defRPr>
             </a:lvl7pPr>
-            <a:lvl8pPr marL="3200400" indent="0">
-              <a:buNone/>
-              <a:defRPr sz="1400">
+            <a:lvl8pPr marL="2400300" indent="0">
+              <a:buNone/>
+              <a:defRPr sz="1200">
                 <a:solidFill>
                   <a:schemeClr val="tx1">
                     <a:tint val="75000"/>
@@ -1024,9 +1138,9 @@
                 </a:solidFill>
               </a:defRPr>
             </a:lvl8pPr>
-            <a:lvl9pPr marL="3657600" indent="0">
-              <a:buNone/>
-              <a:defRPr sz="1400">
+            <a:lvl9pPr marL="2743200" indent="0">
+              <a:buNone/>
+              <a:defRPr sz="1200">
                 <a:solidFill>
                   <a:schemeClr val="tx1">
                     <a:tint val="75000"/>
@@ -1038,15 +1152,15 @@
           <a:p>
             <a:pPr lvl="0"/>
             <a:r>
-              <a:rPr lang="fr-FR" smtClean="0"/>
-              <a:t>Modifiez les styles du texte du masque</a:t>
-            </a:r>
-          </a:p>
-        </p:txBody>
-      </p:sp>
-      <p:sp>
-        <p:nvSpPr>
-          <p:cNvPr id="4" name="Espace réservé de la date 3"/>
+              <a:rPr lang="fr-CA"/>
+              <a:t>Cliquez pour modifier les styles du texte du masque</a:t>
+            </a:r>
+          </a:p>
+        </p:txBody>
+      </p:sp>
+      <p:sp>
+        <p:nvSpPr>
+          <p:cNvPr id="4" name="Date Placeholder 3"/>
           <p:cNvSpPr>
             <a:spLocks noGrp="1"/>
           </p:cNvSpPr>
@@ -1061,7 +1175,7 @@
           <a:p>
             <a:fld id="{1EF6F3ED-F4A4-4E74-A7EF-9E1C763E1BEE}" type="datetimeFigureOut">
               <a:rPr lang="en-CA" smtClean="0"/>
-              <a:t>2018-07-27</a:t>
+              <a:t>2023-02-04</a:t>
             </a:fld>
             <a:endParaRPr lang="en-CA"/>
           </a:p>
@@ -1069,7 +1183,7 @@
       </p:sp>
       <p:sp>
         <p:nvSpPr>
-          <p:cNvPr id="5" name="Espace réservé du pied de page 4"/>
+          <p:cNvPr id="5" name="Footer Placeholder 4"/>
           <p:cNvSpPr>
             <a:spLocks noGrp="1"/>
           </p:cNvSpPr>
@@ -1088,7 +1202,7 @@
       </p:sp>
       <p:sp>
         <p:nvSpPr>
-          <p:cNvPr id="6" name="Espace réservé du numéro de diapositive 5"/>
+          <p:cNvPr id="6" name="Slide Number Placeholder 5"/>
           <p:cNvSpPr>
             <a:spLocks noGrp="1"/>
           </p:cNvSpPr>
@@ -1103,16 +1217,47 @@
           <a:p>
             <a:fld id="{4770082A-6F77-48B9-898D-95522E9653E3}" type="slidenum">
               <a:rPr lang="en-CA" smtClean="0"/>
-              <a:t>‹N°›</a:t>
+              <a:t>‹n°›</a:t>
             </a:fld>
             <a:endParaRPr lang="en-CA"/>
           </a:p>
         </p:txBody>
       </p:sp>
+      <p:cxnSp>
+        <p:nvCxnSpPr>
+          <p:cNvPr id="15" name="Straight Connector 14"/>
+          <p:cNvCxnSpPr/>
+          <p:nvPr/>
+        </p:nvCxnSpPr>
+        <p:spPr>
+          <a:xfrm>
+            <a:off x="1443491" y="3804985"/>
+            <a:ext cx="5617002" cy="0"/>
+          </a:xfrm>
+          <a:prstGeom prst="line">
+            <a:avLst/>
+          </a:prstGeom>
+          <a:ln w="31750"/>
+        </p:spPr>
+        <p:style>
+          <a:lnRef idx="3">
+            <a:schemeClr val="accent1"/>
+          </a:lnRef>
+          <a:fillRef idx="0">
+            <a:schemeClr val="accent1"/>
+          </a:fillRef>
+          <a:effectRef idx="2">
+            <a:schemeClr val="accent1"/>
+          </a:effectRef>
+          <a:fontRef idx="minor">
+            <a:schemeClr val="tx1"/>
+          </a:fontRef>
+        </p:style>
+      </p:cxnSp>
     </p:spTree>
     <p:extLst>
       <p:ext uri="{BB962C8B-B14F-4D97-AF65-F5344CB8AC3E}">
-        <p14:creationId xmlns:p14="http://schemas.microsoft.com/office/powerpoint/2010/main" val="2608295117"/>
+        <p14:creationId xmlns:p14="http://schemas.microsoft.com/office/powerpoint/2010/main" val="3406950131"/>
       </p:ext>
     </p:extLst>
   </p:cSld>
@@ -1141,200 +1286,149 @@
       </p:grpSpPr>
       <p:sp>
         <p:nvSpPr>
-          <p:cNvPr id="2" name="Titre 1"/>
+          <p:cNvPr id="2" name="Title 1"/>
           <p:cNvSpPr>
             <a:spLocks noGrp="1"/>
           </p:cNvSpPr>
           <p:nvPr>
             <p:ph type="title"/>
-          </p:nvPr>
-        </p:nvSpPr>
-        <p:spPr/>
-        <p:txBody>
-          <a:bodyPr/>
-          <a:lstStyle/>
-          <a:p>
-            <a:r>
-              <a:rPr lang="fr-FR" smtClean="0"/>
-              <a:t>Modifiez le style du titre</a:t>
-            </a:r>
-            <a:endParaRPr lang="en-CA"/>
-          </a:p>
-        </p:txBody>
-      </p:sp>
-      <p:sp>
-        <p:nvSpPr>
-          <p:cNvPr id="3" name="Espace réservé du contenu 2"/>
-          <p:cNvSpPr>
-            <a:spLocks noGrp="1"/>
-          </p:cNvSpPr>
-          <p:nvPr>
-            <p:ph sz="half" idx="1"/>
           </p:nvPr>
         </p:nvSpPr>
         <p:spPr>
           <a:xfrm>
-            <a:off x="457200" y="1600200"/>
-            <a:ext cx="4038600" cy="4525963"/>
+            <a:off x="1443491" y="804890"/>
+            <a:ext cx="6571343" cy="1059305"/>
           </a:xfrm>
         </p:spPr>
         <p:txBody>
           <a:bodyPr/>
-          <a:lstStyle>
-            <a:lvl1pPr>
-              <a:defRPr sz="2800"/>
-            </a:lvl1pPr>
-            <a:lvl2pPr>
-              <a:defRPr sz="2400"/>
-            </a:lvl2pPr>
-            <a:lvl3pPr>
-              <a:defRPr sz="2000"/>
-            </a:lvl3pPr>
-            <a:lvl4pPr>
-              <a:defRPr sz="1800"/>
-            </a:lvl4pPr>
-            <a:lvl5pPr>
-              <a:defRPr sz="1800"/>
-            </a:lvl5pPr>
-            <a:lvl6pPr>
-              <a:defRPr sz="1800"/>
-            </a:lvl6pPr>
-            <a:lvl7pPr>
-              <a:defRPr sz="1800"/>
-            </a:lvl7pPr>
-            <a:lvl8pPr>
-              <a:defRPr sz="1800"/>
-            </a:lvl8pPr>
-            <a:lvl9pPr>
-              <a:defRPr sz="1800"/>
-            </a:lvl9pPr>
-          </a:lstStyle>
-          <a:p>
-            <a:pPr lvl="0"/>
-            <a:r>
-              <a:rPr lang="fr-FR" smtClean="0"/>
-              <a:t>Modifiez les styles du texte du masque</a:t>
-            </a:r>
-          </a:p>
-          <a:p>
-            <a:pPr lvl="1"/>
-            <a:r>
-              <a:rPr lang="fr-FR" smtClean="0"/>
-              <a:t>Deuxième niveau</a:t>
-            </a:r>
-          </a:p>
-          <a:p>
-            <a:pPr lvl="2"/>
-            <a:r>
-              <a:rPr lang="fr-FR" smtClean="0"/>
-              <a:t>Troisième niveau</a:t>
-            </a:r>
-          </a:p>
-          <a:p>
-            <a:pPr lvl="3"/>
-            <a:r>
-              <a:rPr lang="fr-FR" smtClean="0"/>
-              <a:t>Quatrième niveau</a:t>
-            </a:r>
-          </a:p>
-          <a:p>
-            <a:pPr lvl="4"/>
-            <a:r>
-              <a:rPr lang="fr-FR" smtClean="0"/>
-              <a:t>Cinquième niveau</a:t>
-            </a:r>
-            <a:endParaRPr lang="en-CA"/>
-          </a:p>
-        </p:txBody>
-      </p:sp>
-      <p:sp>
-        <p:nvSpPr>
-          <p:cNvPr id="4" name="Espace réservé du contenu 3"/>
-          <p:cNvSpPr>
-            <a:spLocks noGrp="1"/>
-          </p:cNvSpPr>
-          <p:nvPr>
-            <p:ph sz="half" idx="2"/>
+          <a:lstStyle/>
+          <a:p>
+            <a:r>
+              <a:rPr lang="fr-CA"/>
+              <a:t>Modifier le style du titre</a:t>
+            </a:r>
+            <a:endParaRPr lang="en-US" dirty="0"/>
+          </a:p>
+        </p:txBody>
+      </p:sp>
+      <p:sp>
+        <p:nvSpPr>
+          <p:cNvPr id="3" name="Content Placeholder 2"/>
+          <p:cNvSpPr>
+            <a:spLocks noGrp="1"/>
+          </p:cNvSpPr>
+          <p:nvPr>
+            <p:ph sz="half" idx="1"/>
           </p:nvPr>
         </p:nvSpPr>
         <p:spPr>
           <a:xfrm>
-            <a:off x="4648200" y="1600200"/>
-            <a:ext cx="4038600" cy="4525963"/>
+            <a:off x="1443490" y="2013936"/>
+            <a:ext cx="3125871" cy="3437560"/>
           </a:xfrm>
         </p:spPr>
         <p:txBody>
           <a:bodyPr/>
-          <a:lstStyle>
-            <a:lvl1pPr>
-              <a:defRPr sz="2800"/>
-            </a:lvl1pPr>
-            <a:lvl2pPr>
-              <a:defRPr sz="2400"/>
-            </a:lvl2pPr>
-            <a:lvl3pPr>
-              <a:defRPr sz="2000"/>
-            </a:lvl3pPr>
-            <a:lvl4pPr>
-              <a:defRPr sz="1800"/>
-            </a:lvl4pPr>
-            <a:lvl5pPr>
-              <a:defRPr sz="1800"/>
-            </a:lvl5pPr>
-            <a:lvl6pPr>
-              <a:defRPr sz="1800"/>
-            </a:lvl6pPr>
-            <a:lvl7pPr>
-              <a:defRPr sz="1800"/>
-            </a:lvl7pPr>
-            <a:lvl8pPr>
-              <a:defRPr sz="1800"/>
-            </a:lvl8pPr>
-            <a:lvl9pPr>
-              <a:defRPr sz="1800"/>
-            </a:lvl9pPr>
-          </a:lstStyle>
+          <a:lstStyle/>
           <a:p>
             <a:pPr lvl="0"/>
             <a:r>
-              <a:rPr lang="fr-FR" smtClean="0"/>
-              <a:t>Modifiez les styles du texte du masque</a:t>
+              <a:rPr lang="fr-CA"/>
+              <a:t>Cliquez pour modifier les styles du texte du masque</a:t>
             </a:r>
           </a:p>
           <a:p>
             <a:pPr lvl="1"/>
             <a:r>
-              <a:rPr lang="fr-FR" smtClean="0"/>
+              <a:rPr lang="fr-CA"/>
               <a:t>Deuxième niveau</a:t>
             </a:r>
           </a:p>
           <a:p>
             <a:pPr lvl="2"/>
             <a:r>
-              <a:rPr lang="fr-FR" smtClean="0"/>
+              <a:rPr lang="fr-CA"/>
               <a:t>Troisième niveau</a:t>
             </a:r>
           </a:p>
           <a:p>
             <a:pPr lvl="3"/>
             <a:r>
-              <a:rPr lang="fr-FR" smtClean="0"/>
+              <a:rPr lang="fr-CA"/>
               <a:t>Quatrième niveau</a:t>
             </a:r>
           </a:p>
           <a:p>
             <a:pPr lvl="4"/>
             <a:r>
-              <a:rPr lang="fr-FR" smtClean="0"/>
+              <a:rPr lang="fr-CA"/>
               <a:t>Cinquième niveau</a:t>
             </a:r>
-            <a:endParaRPr lang="en-CA"/>
-          </a:p>
-        </p:txBody>
-      </p:sp>
-      <p:sp>
-        <p:nvSpPr>
-          <p:cNvPr id="5" name="Espace réservé de la date 4"/>
+            <a:endParaRPr lang="en-US" dirty="0"/>
+          </a:p>
+        </p:txBody>
+      </p:sp>
+      <p:sp>
+        <p:nvSpPr>
+          <p:cNvPr id="4" name="Content Placeholder 3"/>
+          <p:cNvSpPr>
+            <a:spLocks noGrp="1"/>
+          </p:cNvSpPr>
+          <p:nvPr>
+            <p:ph sz="half" idx="2"/>
+          </p:nvPr>
+        </p:nvSpPr>
+        <p:spPr>
+          <a:xfrm>
+            <a:off x="4889182" y="2013936"/>
+            <a:ext cx="3125652" cy="3437559"/>
+          </a:xfrm>
+        </p:spPr>
+        <p:txBody>
+          <a:bodyPr/>
+          <a:lstStyle/>
+          <a:p>
+            <a:pPr lvl="0"/>
+            <a:r>
+              <a:rPr lang="fr-CA"/>
+              <a:t>Cliquez pour modifier les styles du texte du masque</a:t>
+            </a:r>
+          </a:p>
+          <a:p>
+            <a:pPr lvl="1"/>
+            <a:r>
+              <a:rPr lang="fr-CA"/>
+              <a:t>Deuxième niveau</a:t>
+            </a:r>
+          </a:p>
+          <a:p>
+            <a:pPr lvl="2"/>
+            <a:r>
+              <a:rPr lang="fr-CA"/>
+              <a:t>Troisième niveau</a:t>
+            </a:r>
+          </a:p>
+          <a:p>
+            <a:pPr lvl="3"/>
+            <a:r>
+              <a:rPr lang="fr-CA"/>
+              <a:t>Quatrième niveau</a:t>
+            </a:r>
+          </a:p>
+          <a:p>
+            <a:pPr lvl="4"/>
+            <a:r>
+              <a:rPr lang="fr-CA"/>
+              <a:t>Cinquième niveau</a:t>
+            </a:r>
+            <a:endParaRPr lang="en-US" dirty="0"/>
+          </a:p>
+        </p:txBody>
+      </p:sp>
+      <p:sp>
+        <p:nvSpPr>
+          <p:cNvPr id="5" name="Date Placeholder 4"/>
           <p:cNvSpPr>
             <a:spLocks noGrp="1"/>
           </p:cNvSpPr>
@@ -1349,7 +1443,7 @@
           <a:p>
             <a:fld id="{1EF6F3ED-F4A4-4E74-A7EF-9E1C763E1BEE}" type="datetimeFigureOut">
               <a:rPr lang="en-CA" smtClean="0"/>
-              <a:t>2018-07-27</a:t>
+              <a:t>2023-02-04</a:t>
             </a:fld>
             <a:endParaRPr lang="en-CA"/>
           </a:p>
@@ -1357,7 +1451,7 @@
       </p:sp>
       <p:sp>
         <p:nvSpPr>
-          <p:cNvPr id="6" name="Espace réservé du pied de page 5"/>
+          <p:cNvPr id="6" name="Footer Placeholder 5"/>
           <p:cNvSpPr>
             <a:spLocks noGrp="1"/>
           </p:cNvSpPr>
@@ -1376,7 +1470,7 @@
       </p:sp>
       <p:sp>
         <p:nvSpPr>
-          <p:cNvPr id="7" name="Espace réservé du numéro de diapositive 6"/>
+          <p:cNvPr id="7" name="Slide Number Placeholder 6"/>
           <p:cNvSpPr>
             <a:spLocks noGrp="1"/>
           </p:cNvSpPr>
@@ -1391,16 +1485,47 @@
           <a:p>
             <a:fld id="{4770082A-6F77-48B9-898D-95522E9653E3}" type="slidenum">
               <a:rPr lang="en-CA" smtClean="0"/>
-              <a:t>‹N°›</a:t>
+              <a:t>‹n°›</a:t>
             </a:fld>
             <a:endParaRPr lang="en-CA"/>
           </a:p>
         </p:txBody>
       </p:sp>
+      <p:cxnSp>
+        <p:nvCxnSpPr>
+          <p:cNvPr id="33" name="Straight Connector 32"/>
+          <p:cNvCxnSpPr/>
+          <p:nvPr/>
+        </p:nvCxnSpPr>
+        <p:spPr>
+          <a:xfrm>
+            <a:off x="1443491" y="1847088"/>
+            <a:ext cx="6571343" cy="0"/>
+          </a:xfrm>
+          <a:prstGeom prst="line">
+            <a:avLst/>
+          </a:prstGeom>
+          <a:ln w="31750"/>
+        </p:spPr>
+        <p:style>
+          <a:lnRef idx="3">
+            <a:schemeClr val="accent1"/>
+          </a:lnRef>
+          <a:fillRef idx="0">
+            <a:schemeClr val="accent1"/>
+          </a:fillRef>
+          <a:effectRef idx="2">
+            <a:schemeClr val="accent1"/>
+          </a:effectRef>
+          <a:fontRef idx="minor">
+            <a:schemeClr val="tx1"/>
+          </a:fontRef>
+        </p:style>
+      </p:cxnSp>
     </p:spTree>
     <p:extLst>
       <p:ext uri="{BB962C8B-B14F-4D97-AF65-F5344CB8AC3E}">
-        <p14:creationId xmlns:p14="http://schemas.microsoft.com/office/powerpoint/2010/main" val="1167758244"/>
+        <p14:creationId xmlns:p14="http://schemas.microsoft.com/office/powerpoint/2010/main" val="3882409677"/>
       </p:ext>
     </p:extLst>
   </p:cSld>
@@ -1427,101 +1552,142 @@
           <a:chExt cx="0" cy="0"/>
         </a:xfrm>
       </p:grpSpPr>
-      <p:sp>
-        <p:nvSpPr>
-          <p:cNvPr id="2" name="Titre 1"/>
-          <p:cNvSpPr>
-            <a:spLocks noGrp="1"/>
-          </p:cNvSpPr>
-          <p:nvPr>
-            <p:ph type="title"/>
-          </p:nvPr>
-        </p:nvSpPr>
-        <p:spPr/>
-        <p:txBody>
-          <a:bodyPr/>
-          <a:lstStyle>
-            <a:lvl1pPr>
-              <a:defRPr/>
-            </a:lvl1pPr>
-          </a:lstStyle>
-          <a:p>
-            <a:r>
-              <a:rPr lang="fr-FR" smtClean="0"/>
-              <a:t>Modifiez le style du titre</a:t>
-            </a:r>
-            <a:endParaRPr lang="en-CA"/>
-          </a:p>
-        </p:txBody>
-      </p:sp>
-      <p:sp>
-        <p:nvSpPr>
-          <p:cNvPr id="3" name="Espace réservé du texte 2"/>
-          <p:cNvSpPr>
-            <a:spLocks noGrp="1"/>
-          </p:cNvSpPr>
-          <p:nvPr>
-            <p:ph type="body" idx="1"/>
-          </p:nvPr>
-        </p:nvSpPr>
+      <p:cxnSp>
+        <p:nvCxnSpPr>
+          <p:cNvPr id="36" name="Straight Connector 35"/>
+          <p:cNvCxnSpPr/>
+          <p:nvPr/>
+        </p:nvCxnSpPr>
         <p:spPr>
           <a:xfrm>
-            <a:off x="457200" y="1535113"/>
-            <a:ext cx="4040188" cy="639762"/>
+            <a:off x="1443491" y="1847088"/>
+            <a:ext cx="6571343" cy="0"/>
+          </a:xfrm>
+          <a:prstGeom prst="line">
+            <a:avLst/>
+          </a:prstGeom>
+          <a:ln w="31750"/>
+        </p:spPr>
+        <p:style>
+          <a:lnRef idx="3">
+            <a:schemeClr val="accent1"/>
+          </a:lnRef>
+          <a:fillRef idx="0">
+            <a:schemeClr val="accent1"/>
+          </a:fillRef>
+          <a:effectRef idx="2">
+            <a:schemeClr val="accent1"/>
+          </a:effectRef>
+          <a:fontRef idx="minor">
+            <a:schemeClr val="tx1"/>
+          </a:fontRef>
+        </p:style>
+      </p:cxnSp>
+      <p:sp>
+        <p:nvSpPr>
+          <p:cNvPr id="2" name="Title 1"/>
+          <p:cNvSpPr>
+            <a:spLocks noGrp="1"/>
+          </p:cNvSpPr>
+          <p:nvPr>
+            <p:ph type="title"/>
+          </p:nvPr>
+        </p:nvSpPr>
+        <p:spPr>
+          <a:xfrm>
+            <a:off x="1443491" y="804164"/>
+            <a:ext cx="6571344" cy="1056319"/>
           </a:xfrm>
         </p:spPr>
         <p:txBody>
-          <a:bodyPr anchor="b"/>
+          <a:bodyPr/>
+          <a:lstStyle/>
+          <a:p>
+            <a:r>
+              <a:rPr lang="fr-CA"/>
+              <a:t>Modifier le style du titre</a:t>
+            </a:r>
+            <a:endParaRPr lang="en-US" dirty="0"/>
+          </a:p>
+        </p:txBody>
+      </p:sp>
+      <p:sp>
+        <p:nvSpPr>
+          <p:cNvPr id="3" name="Text Placeholder 2"/>
+          <p:cNvSpPr>
+            <a:spLocks noGrp="1"/>
+          </p:cNvSpPr>
+          <p:nvPr>
+            <p:ph type="body" idx="1"/>
+          </p:nvPr>
+        </p:nvSpPr>
+        <p:spPr>
+          <a:xfrm>
+            <a:off x="1443491" y="2019550"/>
+            <a:ext cx="3125766" cy="801943"/>
+          </a:xfrm>
+        </p:spPr>
+        <p:txBody>
+          <a:bodyPr anchor="b">
+            <a:normAutofit/>
+          </a:bodyPr>
           <a:lstStyle>
             <a:lvl1pPr marL="0" indent="0">
-              <a:buNone/>
-              <a:defRPr sz="2400" b="1"/>
+              <a:lnSpc>
+                <a:spcPct val="100000"/>
+              </a:lnSpc>
+              <a:buNone/>
+              <a:defRPr sz="2200" b="0" cap="all" baseline="0">
+                <a:solidFill>
+                  <a:schemeClr val="accent1"/>
+                </a:solidFill>
+              </a:defRPr>
             </a:lvl1pPr>
-            <a:lvl2pPr marL="457200" indent="0">
-              <a:buNone/>
-              <a:defRPr sz="2000" b="1"/>
+            <a:lvl2pPr marL="342900" indent="0">
+              <a:buNone/>
+              <a:defRPr sz="1500" b="1"/>
             </a:lvl2pPr>
-            <a:lvl3pPr marL="914400" indent="0">
-              <a:buNone/>
-              <a:defRPr sz="1800" b="1"/>
+            <a:lvl3pPr marL="685800" indent="0">
+              <a:buNone/>
+              <a:defRPr sz="1350" b="1"/>
             </a:lvl3pPr>
-            <a:lvl4pPr marL="1371600" indent="0">
-              <a:buNone/>
-              <a:defRPr sz="1600" b="1"/>
+            <a:lvl4pPr marL="1028700" indent="0">
+              <a:buNone/>
+              <a:defRPr sz="1200" b="1"/>
             </a:lvl4pPr>
-            <a:lvl5pPr marL="1828800" indent="0">
-              <a:buNone/>
-              <a:defRPr sz="1600" b="1"/>
+            <a:lvl5pPr marL="1371600" indent="0">
+              <a:buNone/>
+              <a:defRPr sz="1200" b="1"/>
             </a:lvl5pPr>
-            <a:lvl6pPr marL="2286000" indent="0">
-              <a:buNone/>
-              <a:defRPr sz="1600" b="1"/>
+            <a:lvl6pPr marL="1714500" indent="0">
+              <a:buNone/>
+              <a:defRPr sz="1200" b="1"/>
             </a:lvl6pPr>
-            <a:lvl7pPr marL="2743200" indent="0">
-              <a:buNone/>
-              <a:defRPr sz="1600" b="1"/>
+            <a:lvl7pPr marL="2057400" indent="0">
+              <a:buNone/>
+              <a:defRPr sz="1200" b="1"/>
             </a:lvl7pPr>
-            <a:lvl8pPr marL="3200400" indent="0">
-              <a:buNone/>
-              <a:defRPr sz="1600" b="1"/>
+            <a:lvl8pPr marL="2400300" indent="0">
+              <a:buNone/>
+              <a:defRPr sz="1200" b="1"/>
             </a:lvl8pPr>
-            <a:lvl9pPr marL="3657600" indent="0">
-              <a:buNone/>
-              <a:defRPr sz="1600" b="1"/>
+            <a:lvl9pPr marL="2743200" indent="0">
+              <a:buNone/>
+              <a:defRPr sz="1200" b="1"/>
             </a:lvl9pPr>
           </a:lstStyle>
           <a:p>
             <a:pPr lvl="0"/>
             <a:r>
-              <a:rPr lang="fr-FR" smtClean="0"/>
-              <a:t>Modifiez les styles du texte du masque</a:t>
-            </a:r>
-          </a:p>
-        </p:txBody>
-      </p:sp>
-      <p:sp>
-        <p:nvSpPr>
-          <p:cNvPr id="4" name="Espace réservé du contenu 3"/>
+              <a:rPr lang="fr-CA"/>
+              <a:t>Cliquez pour modifier les styles du texte du masque</a:t>
+            </a:r>
+          </a:p>
+        </p:txBody>
+      </p:sp>
+      <p:sp>
+        <p:nvSpPr>
+          <p:cNvPr id="4" name="Content Placeholder 3"/>
           <p:cNvSpPr>
             <a:spLocks noGrp="1"/>
           </p:cNvSpPr>
@@ -1531,232 +1697,185 @@
         </p:nvSpPr>
         <p:spPr>
           <a:xfrm>
-            <a:off x="457200" y="2174875"/>
-            <a:ext cx="4040188" cy="3951288"/>
+            <a:off x="1443491" y="2824270"/>
+            <a:ext cx="3125766" cy="2644457"/>
           </a:xfrm>
         </p:spPr>
         <p:txBody>
           <a:bodyPr/>
+          <a:lstStyle/>
+          <a:p>
+            <a:pPr lvl="0"/>
+            <a:r>
+              <a:rPr lang="fr-CA"/>
+              <a:t>Cliquez pour modifier les styles du texte du masque</a:t>
+            </a:r>
+          </a:p>
+          <a:p>
+            <a:pPr lvl="1"/>
+            <a:r>
+              <a:rPr lang="fr-CA"/>
+              <a:t>Deuxième niveau</a:t>
+            </a:r>
+          </a:p>
+          <a:p>
+            <a:pPr lvl="2"/>
+            <a:r>
+              <a:rPr lang="fr-CA"/>
+              <a:t>Troisième niveau</a:t>
+            </a:r>
+          </a:p>
+          <a:p>
+            <a:pPr lvl="3"/>
+            <a:r>
+              <a:rPr lang="fr-CA"/>
+              <a:t>Quatrième niveau</a:t>
+            </a:r>
+          </a:p>
+          <a:p>
+            <a:pPr lvl="4"/>
+            <a:r>
+              <a:rPr lang="fr-CA"/>
+              <a:t>Cinquième niveau</a:t>
+            </a:r>
+            <a:endParaRPr lang="en-US" dirty="0"/>
+          </a:p>
+        </p:txBody>
+      </p:sp>
+      <p:sp>
+        <p:nvSpPr>
+          <p:cNvPr id="5" name="Text Placeholder 4"/>
+          <p:cNvSpPr>
+            <a:spLocks noGrp="1"/>
+          </p:cNvSpPr>
+          <p:nvPr>
+            <p:ph type="body" sz="quarter" idx="3"/>
+          </p:nvPr>
+        </p:nvSpPr>
+        <p:spPr>
+          <a:xfrm>
+            <a:off x="4889182" y="2023004"/>
+            <a:ext cx="3125652" cy="802237"/>
+          </a:xfrm>
+        </p:spPr>
+        <p:txBody>
+          <a:bodyPr anchor="b">
+            <a:normAutofit/>
+          </a:bodyPr>
           <a:lstStyle>
-            <a:lvl1pPr>
-              <a:defRPr sz="2400"/>
+            <a:lvl1pPr marL="0" indent="0">
+              <a:lnSpc>
+                <a:spcPct val="100000"/>
+              </a:lnSpc>
+              <a:buNone/>
+              <a:defRPr sz="2200" b="0" cap="all" baseline="0">
+                <a:solidFill>
+                  <a:schemeClr val="accent1"/>
+                </a:solidFill>
+              </a:defRPr>
             </a:lvl1pPr>
-            <a:lvl2pPr>
-              <a:defRPr sz="2000"/>
+            <a:lvl2pPr marL="342900" indent="0">
+              <a:buNone/>
+              <a:defRPr sz="1500" b="1"/>
             </a:lvl2pPr>
-            <a:lvl3pPr>
-              <a:defRPr sz="1800"/>
+            <a:lvl3pPr marL="685800" indent="0">
+              <a:buNone/>
+              <a:defRPr sz="1350" b="1"/>
             </a:lvl3pPr>
-            <a:lvl4pPr>
-              <a:defRPr sz="1600"/>
+            <a:lvl4pPr marL="1028700" indent="0">
+              <a:buNone/>
+              <a:defRPr sz="1200" b="1"/>
             </a:lvl4pPr>
-            <a:lvl5pPr>
-              <a:defRPr sz="1600"/>
+            <a:lvl5pPr marL="1371600" indent="0">
+              <a:buNone/>
+              <a:defRPr sz="1200" b="1"/>
             </a:lvl5pPr>
-            <a:lvl6pPr>
-              <a:defRPr sz="1600"/>
+            <a:lvl6pPr marL="1714500" indent="0">
+              <a:buNone/>
+              <a:defRPr sz="1200" b="1"/>
             </a:lvl6pPr>
-            <a:lvl7pPr>
-              <a:defRPr sz="1600"/>
+            <a:lvl7pPr marL="2057400" indent="0">
+              <a:buNone/>
+              <a:defRPr sz="1200" b="1"/>
             </a:lvl7pPr>
-            <a:lvl8pPr>
-              <a:defRPr sz="1600"/>
+            <a:lvl8pPr marL="2400300" indent="0">
+              <a:buNone/>
+              <a:defRPr sz="1200" b="1"/>
             </a:lvl8pPr>
-            <a:lvl9pPr>
-              <a:defRPr sz="1600"/>
+            <a:lvl9pPr marL="2743200" indent="0">
+              <a:buNone/>
+              <a:defRPr sz="1200" b="1"/>
             </a:lvl9pPr>
           </a:lstStyle>
           <a:p>
             <a:pPr lvl="0"/>
             <a:r>
-              <a:rPr lang="fr-FR" smtClean="0"/>
-              <a:t>Modifiez les styles du texte du masque</a:t>
-            </a:r>
-          </a:p>
-          <a:p>
-            <a:pPr lvl="1"/>
-            <a:r>
-              <a:rPr lang="fr-FR" smtClean="0"/>
-              <a:t>Deuxième niveau</a:t>
-            </a:r>
-          </a:p>
-          <a:p>
-            <a:pPr lvl="2"/>
-            <a:r>
-              <a:rPr lang="fr-FR" smtClean="0"/>
-              <a:t>Troisième niveau</a:t>
-            </a:r>
-          </a:p>
-          <a:p>
-            <a:pPr lvl="3"/>
-            <a:r>
-              <a:rPr lang="fr-FR" smtClean="0"/>
-              <a:t>Quatrième niveau</a:t>
-            </a:r>
-          </a:p>
-          <a:p>
-            <a:pPr lvl="4"/>
-            <a:r>
-              <a:rPr lang="fr-FR" smtClean="0"/>
-              <a:t>Cinquième niveau</a:t>
-            </a:r>
-            <a:endParaRPr lang="en-CA"/>
-          </a:p>
-        </p:txBody>
-      </p:sp>
-      <p:sp>
-        <p:nvSpPr>
-          <p:cNvPr id="5" name="Espace réservé du texte 4"/>
-          <p:cNvSpPr>
-            <a:spLocks noGrp="1"/>
-          </p:cNvSpPr>
-          <p:nvPr>
-            <p:ph type="body" sz="quarter" idx="3"/>
+              <a:rPr lang="fr-CA"/>
+              <a:t>Cliquez pour modifier les styles du texte du masque</a:t>
+            </a:r>
+          </a:p>
+        </p:txBody>
+      </p:sp>
+      <p:sp>
+        <p:nvSpPr>
+          <p:cNvPr id="6" name="Content Placeholder 5"/>
+          <p:cNvSpPr>
+            <a:spLocks noGrp="1"/>
+          </p:cNvSpPr>
+          <p:nvPr>
+            <p:ph sz="quarter" idx="4"/>
           </p:nvPr>
         </p:nvSpPr>
         <p:spPr>
           <a:xfrm>
-            <a:off x="4645025" y="1535113"/>
-            <a:ext cx="4041775" cy="639762"/>
+            <a:off x="4889182" y="2821491"/>
+            <a:ext cx="3125652" cy="2637371"/>
           </a:xfrm>
         </p:spPr>
         <p:txBody>
-          <a:bodyPr anchor="b"/>
-          <a:lstStyle>
-            <a:lvl1pPr marL="0" indent="0">
-              <a:buNone/>
-              <a:defRPr sz="2400" b="1"/>
-            </a:lvl1pPr>
-            <a:lvl2pPr marL="457200" indent="0">
-              <a:buNone/>
-              <a:defRPr sz="2000" b="1"/>
-            </a:lvl2pPr>
-            <a:lvl3pPr marL="914400" indent="0">
-              <a:buNone/>
-              <a:defRPr sz="1800" b="1"/>
-            </a:lvl3pPr>
-            <a:lvl4pPr marL="1371600" indent="0">
-              <a:buNone/>
-              <a:defRPr sz="1600" b="1"/>
-            </a:lvl4pPr>
-            <a:lvl5pPr marL="1828800" indent="0">
-              <a:buNone/>
-              <a:defRPr sz="1600" b="1"/>
-            </a:lvl5pPr>
-            <a:lvl6pPr marL="2286000" indent="0">
-              <a:buNone/>
-              <a:defRPr sz="1600" b="1"/>
-            </a:lvl6pPr>
-            <a:lvl7pPr marL="2743200" indent="0">
-              <a:buNone/>
-              <a:defRPr sz="1600" b="1"/>
-            </a:lvl7pPr>
-            <a:lvl8pPr marL="3200400" indent="0">
-              <a:buNone/>
-              <a:defRPr sz="1600" b="1"/>
-            </a:lvl8pPr>
-            <a:lvl9pPr marL="3657600" indent="0">
-              <a:buNone/>
-              <a:defRPr sz="1600" b="1"/>
-            </a:lvl9pPr>
-          </a:lstStyle>
+          <a:bodyPr/>
+          <a:lstStyle/>
           <a:p>
             <a:pPr lvl="0"/>
             <a:r>
-              <a:rPr lang="fr-FR" smtClean="0"/>
-              <a:t>Modifiez les styles du texte du masque</a:t>
-            </a:r>
-          </a:p>
-        </p:txBody>
-      </p:sp>
-      <p:sp>
-        <p:nvSpPr>
-          <p:cNvPr id="6" name="Espace réservé du contenu 5"/>
-          <p:cNvSpPr>
-            <a:spLocks noGrp="1"/>
-          </p:cNvSpPr>
-          <p:nvPr>
-            <p:ph sz="quarter" idx="4"/>
-          </p:nvPr>
-        </p:nvSpPr>
-        <p:spPr>
-          <a:xfrm>
-            <a:off x="4645025" y="2174875"/>
-            <a:ext cx="4041775" cy="3951288"/>
-          </a:xfrm>
-        </p:spPr>
-        <p:txBody>
-          <a:bodyPr/>
-          <a:lstStyle>
-            <a:lvl1pPr>
-              <a:defRPr sz="2400"/>
-            </a:lvl1pPr>
-            <a:lvl2pPr>
-              <a:defRPr sz="2000"/>
-            </a:lvl2pPr>
-            <a:lvl3pPr>
-              <a:defRPr sz="1800"/>
-            </a:lvl3pPr>
-            <a:lvl4pPr>
-              <a:defRPr sz="1600"/>
-            </a:lvl4pPr>
-            <a:lvl5pPr>
-              <a:defRPr sz="1600"/>
-            </a:lvl5pPr>
-            <a:lvl6pPr>
-              <a:defRPr sz="1600"/>
-            </a:lvl6pPr>
-            <a:lvl7pPr>
-              <a:defRPr sz="1600"/>
-            </a:lvl7pPr>
-            <a:lvl8pPr>
-              <a:defRPr sz="1600"/>
-            </a:lvl8pPr>
-            <a:lvl9pPr>
-              <a:defRPr sz="1600"/>
-            </a:lvl9pPr>
-          </a:lstStyle>
-          <a:p>
-            <a:pPr lvl="0"/>
-            <a:r>
-              <a:rPr lang="fr-FR" smtClean="0"/>
-              <a:t>Modifiez les styles du texte du masque</a:t>
+              <a:rPr lang="fr-CA"/>
+              <a:t>Cliquez pour modifier les styles du texte du masque</a:t>
             </a:r>
           </a:p>
           <a:p>
             <a:pPr lvl="1"/>
             <a:r>
-              <a:rPr lang="fr-FR" smtClean="0"/>
+              <a:rPr lang="fr-CA"/>
               <a:t>Deuxième niveau</a:t>
             </a:r>
           </a:p>
           <a:p>
             <a:pPr lvl="2"/>
             <a:r>
-              <a:rPr lang="fr-FR" smtClean="0"/>
+              <a:rPr lang="fr-CA"/>
               <a:t>Troisième niveau</a:t>
             </a:r>
           </a:p>
           <a:p>
             <a:pPr lvl="3"/>
             <a:r>
-              <a:rPr lang="fr-FR" smtClean="0"/>
+              <a:rPr lang="fr-CA"/>
               <a:t>Quatrième niveau</a:t>
             </a:r>
           </a:p>
           <a:p>
             <a:pPr lvl="4"/>
             <a:r>
-              <a:rPr lang="fr-FR" smtClean="0"/>
+              <a:rPr lang="fr-CA"/>
               <a:t>Cinquième niveau</a:t>
             </a:r>
-            <a:endParaRPr lang="en-CA"/>
-          </a:p>
-        </p:txBody>
-      </p:sp>
-      <p:sp>
-        <p:nvSpPr>
-          <p:cNvPr id="7" name="Espace réservé de la date 6"/>
+            <a:endParaRPr lang="en-US" dirty="0"/>
+          </a:p>
+        </p:txBody>
+      </p:sp>
+      <p:sp>
+        <p:nvSpPr>
+          <p:cNvPr id="7" name="Date Placeholder 6"/>
           <p:cNvSpPr>
             <a:spLocks noGrp="1"/>
           </p:cNvSpPr>
@@ -1771,7 +1890,7 @@
           <a:p>
             <a:fld id="{1EF6F3ED-F4A4-4E74-A7EF-9E1C763E1BEE}" type="datetimeFigureOut">
               <a:rPr lang="en-CA" smtClean="0"/>
-              <a:t>2018-07-27</a:t>
+              <a:t>2023-02-04</a:t>
             </a:fld>
             <a:endParaRPr lang="en-CA"/>
           </a:p>
@@ -1779,7 +1898,7 @@
       </p:sp>
       <p:sp>
         <p:nvSpPr>
-          <p:cNvPr id="8" name="Espace réservé du pied de page 7"/>
+          <p:cNvPr id="8" name="Footer Placeholder 7"/>
           <p:cNvSpPr>
             <a:spLocks noGrp="1"/>
           </p:cNvSpPr>
@@ -1798,7 +1917,7 @@
       </p:sp>
       <p:sp>
         <p:nvSpPr>
-          <p:cNvPr id="9" name="Espace réservé du numéro de diapositive 8"/>
+          <p:cNvPr id="9" name="Slide Number Placeholder 8"/>
           <p:cNvSpPr>
             <a:spLocks noGrp="1"/>
           </p:cNvSpPr>
@@ -1813,7 +1932,7 @@
           <a:p>
             <a:fld id="{4770082A-6F77-48B9-898D-95522E9653E3}" type="slidenum">
               <a:rPr lang="en-CA" smtClean="0"/>
-              <a:t>‹N°›</a:t>
+              <a:t>‹n°›</a:t>
             </a:fld>
             <a:endParaRPr lang="en-CA"/>
           </a:p>
@@ -1822,7 +1941,7 @@
     </p:spTree>
     <p:extLst>
       <p:ext uri="{BB962C8B-B14F-4D97-AF65-F5344CB8AC3E}">
-        <p14:creationId xmlns:p14="http://schemas.microsoft.com/office/powerpoint/2010/main" val="1736017604"/>
+        <p14:creationId xmlns:p14="http://schemas.microsoft.com/office/powerpoint/2010/main" val="2951524995"/>
       </p:ext>
     </p:extLst>
   </p:cSld>
@@ -1849,9 +1968,40 @@
           <a:chExt cx="0" cy="0"/>
         </a:xfrm>
       </p:grpSpPr>
-      <p:sp>
-        <p:nvSpPr>
-          <p:cNvPr id="2" name="Titre 1"/>
+      <p:cxnSp>
+        <p:nvCxnSpPr>
+          <p:cNvPr id="32" name="Straight Connector 31"/>
+          <p:cNvCxnSpPr/>
+          <p:nvPr/>
+        </p:nvCxnSpPr>
+        <p:spPr>
+          <a:xfrm>
+            <a:off x="1443491" y="1847088"/>
+            <a:ext cx="6571343" cy="0"/>
+          </a:xfrm>
+          <a:prstGeom prst="line">
+            <a:avLst/>
+          </a:prstGeom>
+          <a:ln w="31750"/>
+        </p:spPr>
+        <p:style>
+          <a:lnRef idx="3">
+            <a:schemeClr val="accent1"/>
+          </a:lnRef>
+          <a:fillRef idx="0">
+            <a:schemeClr val="accent1"/>
+          </a:fillRef>
+          <a:effectRef idx="2">
+            <a:schemeClr val="accent1"/>
+          </a:effectRef>
+          <a:fontRef idx="minor">
+            <a:schemeClr val="tx1"/>
+          </a:fontRef>
+        </p:style>
+      </p:cxnSp>
+      <p:sp>
+        <p:nvSpPr>
+          <p:cNvPr id="2" name="Title 1"/>
           <p:cNvSpPr>
             <a:spLocks noGrp="1"/>
           </p:cNvSpPr>
@@ -1865,16 +2015,16 @@
           <a:lstStyle/>
           <a:p>
             <a:r>
-              <a:rPr lang="fr-FR" smtClean="0"/>
-              <a:t>Modifiez le style du titre</a:t>
-            </a:r>
-            <a:endParaRPr lang="en-CA"/>
-          </a:p>
-        </p:txBody>
-      </p:sp>
-      <p:sp>
-        <p:nvSpPr>
-          <p:cNvPr id="3" name="Espace réservé de la date 2"/>
+              <a:rPr lang="fr-CA"/>
+              <a:t>Modifier le style du titre</a:t>
+            </a:r>
+            <a:endParaRPr lang="en-US" dirty="0"/>
+          </a:p>
+        </p:txBody>
+      </p:sp>
+      <p:sp>
+        <p:nvSpPr>
+          <p:cNvPr id="3" name="Date Placeholder 2"/>
           <p:cNvSpPr>
             <a:spLocks noGrp="1"/>
           </p:cNvSpPr>
@@ -1889,7 +2039,7 @@
           <a:p>
             <a:fld id="{1EF6F3ED-F4A4-4E74-A7EF-9E1C763E1BEE}" type="datetimeFigureOut">
               <a:rPr lang="en-CA" smtClean="0"/>
-              <a:t>2018-07-27</a:t>
+              <a:t>2023-02-04</a:t>
             </a:fld>
             <a:endParaRPr lang="en-CA"/>
           </a:p>
@@ -1897,7 +2047,7 @@
       </p:sp>
       <p:sp>
         <p:nvSpPr>
-          <p:cNvPr id="4" name="Espace réservé du pied de page 3"/>
+          <p:cNvPr id="4" name="Footer Placeholder 3"/>
           <p:cNvSpPr>
             <a:spLocks noGrp="1"/>
           </p:cNvSpPr>
@@ -1916,7 +2066,7 @@
       </p:sp>
       <p:sp>
         <p:nvSpPr>
-          <p:cNvPr id="5" name="Espace réservé du numéro de diapositive 4"/>
+          <p:cNvPr id="5" name="Slide Number Placeholder 4"/>
           <p:cNvSpPr>
             <a:spLocks noGrp="1"/>
           </p:cNvSpPr>
@@ -1931,7 +2081,7 @@
           <a:p>
             <a:fld id="{4770082A-6F77-48B9-898D-95522E9653E3}" type="slidenum">
               <a:rPr lang="en-CA" smtClean="0"/>
-              <a:t>‹N°›</a:t>
+              <a:t>‹n°›</a:t>
             </a:fld>
             <a:endParaRPr lang="en-CA"/>
           </a:p>
@@ -1940,7 +2090,7 @@
     </p:spTree>
     <p:extLst>
       <p:ext uri="{BB962C8B-B14F-4D97-AF65-F5344CB8AC3E}">
-        <p14:creationId xmlns:p14="http://schemas.microsoft.com/office/powerpoint/2010/main" val="1495813820"/>
+        <p14:creationId xmlns:p14="http://schemas.microsoft.com/office/powerpoint/2010/main" val="2746438238"/>
       </p:ext>
     </p:extLst>
   </p:cSld>
@@ -1969,7 +2119,7 @@
       </p:grpSpPr>
       <p:sp>
         <p:nvSpPr>
-          <p:cNvPr id="2" name="Espace réservé de la date 1"/>
+          <p:cNvPr id="2" name="Date Placeholder 1"/>
           <p:cNvSpPr>
             <a:spLocks noGrp="1"/>
           </p:cNvSpPr>
@@ -1984,7 +2134,7 @@
           <a:p>
             <a:fld id="{1EF6F3ED-F4A4-4E74-A7EF-9E1C763E1BEE}" type="datetimeFigureOut">
               <a:rPr lang="en-CA" smtClean="0"/>
-              <a:t>2018-07-27</a:t>
+              <a:t>2023-02-04</a:t>
             </a:fld>
             <a:endParaRPr lang="en-CA"/>
           </a:p>
@@ -1992,7 +2142,7 @@
       </p:sp>
       <p:sp>
         <p:nvSpPr>
-          <p:cNvPr id="3" name="Espace réservé du pied de page 2"/>
+          <p:cNvPr id="3" name="Footer Placeholder 2"/>
           <p:cNvSpPr>
             <a:spLocks noGrp="1"/>
           </p:cNvSpPr>
@@ -2011,7 +2161,7 @@
       </p:sp>
       <p:sp>
         <p:nvSpPr>
-          <p:cNvPr id="4" name="Espace réservé du numéro de diapositive 3"/>
+          <p:cNvPr id="4" name="Slide Number Placeholder 3"/>
           <p:cNvSpPr>
             <a:spLocks noGrp="1"/>
           </p:cNvSpPr>
@@ -2026,7 +2176,7 @@
           <a:p>
             <a:fld id="{4770082A-6F77-48B9-898D-95522E9653E3}" type="slidenum">
               <a:rPr lang="en-CA" smtClean="0"/>
-              <a:t>‹N°›</a:t>
+              <a:t>‹n°›</a:t>
             </a:fld>
             <a:endParaRPr lang="en-CA"/>
           </a:p>
@@ -2035,7 +2185,7 @@
     </p:spTree>
     <p:extLst>
       <p:ext uri="{BB962C8B-B14F-4D97-AF65-F5344CB8AC3E}">
-        <p14:creationId xmlns:p14="http://schemas.microsoft.com/office/powerpoint/2010/main" val="1519092965"/>
+        <p14:creationId xmlns:p14="http://schemas.microsoft.com/office/powerpoint/2010/main" val="1599459705"/>
       </p:ext>
     </p:extLst>
   </p:cSld>
@@ -2064,7 +2214,7 @@
       </p:grpSpPr>
       <p:sp>
         <p:nvSpPr>
-          <p:cNvPr id="2" name="Titre 1"/>
+          <p:cNvPr id="2" name="Title 1"/>
           <p:cNvSpPr>
             <a:spLocks noGrp="1"/>
           </p:cNvSpPr>
@@ -2074,29 +2224,31 @@
         </p:nvSpPr>
         <p:spPr>
           <a:xfrm>
-            <a:off x="457200" y="273050"/>
-            <a:ext cx="3008313" cy="1162050"/>
+            <a:off x="1439042" y="798973"/>
+            <a:ext cx="2425950" cy="2247117"/>
           </a:xfrm>
         </p:spPr>
         <p:txBody>
-          <a:bodyPr anchor="b"/>
+          <a:bodyPr anchor="b">
+            <a:normAutofit/>
+          </a:bodyPr>
           <a:lstStyle>
             <a:lvl1pPr algn="l">
-              <a:defRPr sz="2000" b="1"/>
+              <a:defRPr sz="2400"/>
             </a:lvl1pPr>
           </a:lstStyle>
           <a:p>
             <a:r>
-              <a:rPr lang="fr-FR" smtClean="0"/>
-              <a:t>Modifiez le style du titre</a:t>
-            </a:r>
-            <a:endParaRPr lang="en-CA"/>
-          </a:p>
-        </p:txBody>
-      </p:sp>
-      <p:sp>
-        <p:nvSpPr>
-          <p:cNvPr id="3" name="Espace réservé du contenu 2"/>
+              <a:rPr lang="fr-CA"/>
+              <a:t>Modifier le style du titre</a:t>
+            </a:r>
+            <a:endParaRPr lang="en-US" dirty="0"/>
+          </a:p>
+        </p:txBody>
+      </p:sp>
+      <p:sp>
+        <p:nvSpPr>
+          <p:cNvPr id="3" name="Content Placeholder 2"/>
           <p:cNvSpPr>
             <a:spLocks noGrp="1"/>
           </p:cNvSpPr>
@@ -2106,213 +2258,218 @@
         </p:nvSpPr>
         <p:spPr>
           <a:xfrm>
-            <a:off x="3575050" y="273050"/>
-            <a:ext cx="5111750" cy="5853113"/>
+            <a:off x="4186656" y="798974"/>
+            <a:ext cx="3828178" cy="4658826"/>
           </a:xfrm>
         </p:spPr>
         <p:txBody>
-          <a:bodyPr/>
+          <a:bodyPr anchor="ctr"/>
+          <a:lstStyle/>
+          <a:p>
+            <a:pPr lvl="0"/>
+            <a:r>
+              <a:rPr lang="fr-CA"/>
+              <a:t>Cliquez pour modifier les styles du texte du masque</a:t>
+            </a:r>
+          </a:p>
+          <a:p>
+            <a:pPr lvl="1"/>
+            <a:r>
+              <a:rPr lang="fr-CA"/>
+              <a:t>Deuxième niveau</a:t>
+            </a:r>
+          </a:p>
+          <a:p>
+            <a:pPr lvl="2"/>
+            <a:r>
+              <a:rPr lang="fr-CA"/>
+              <a:t>Troisième niveau</a:t>
+            </a:r>
+          </a:p>
+          <a:p>
+            <a:pPr lvl="3"/>
+            <a:r>
+              <a:rPr lang="fr-CA"/>
+              <a:t>Quatrième niveau</a:t>
+            </a:r>
+          </a:p>
+          <a:p>
+            <a:pPr lvl="4"/>
+            <a:r>
+              <a:rPr lang="fr-CA"/>
+              <a:t>Cinquième niveau</a:t>
+            </a:r>
+            <a:endParaRPr lang="en-US" dirty="0"/>
+          </a:p>
+        </p:txBody>
+      </p:sp>
+      <p:sp>
+        <p:nvSpPr>
+          <p:cNvPr id="4" name="Text Placeholder 3"/>
+          <p:cNvSpPr>
+            <a:spLocks noGrp="1"/>
+          </p:cNvSpPr>
+          <p:nvPr>
+            <p:ph type="body" sz="half" idx="2"/>
+          </p:nvPr>
+        </p:nvSpPr>
+        <p:spPr>
+          <a:xfrm>
+            <a:off x="1439042" y="3205492"/>
+            <a:ext cx="2427369" cy="2248181"/>
+          </a:xfrm>
+        </p:spPr>
+        <p:txBody>
+          <a:bodyPr>
+            <a:normAutofit/>
+          </a:bodyPr>
           <a:lstStyle>
-            <a:lvl1pPr>
-              <a:defRPr sz="3200"/>
+            <a:lvl1pPr marL="0" indent="0" algn="l">
+              <a:buNone/>
+              <a:defRPr sz="1600"/>
             </a:lvl1pPr>
-            <a:lvl2pPr>
-              <a:defRPr sz="2800"/>
+            <a:lvl2pPr marL="342900" indent="0">
+              <a:buNone/>
+              <a:defRPr sz="1050"/>
             </a:lvl2pPr>
-            <a:lvl3pPr>
-              <a:defRPr sz="2400"/>
+            <a:lvl3pPr marL="685800" indent="0">
+              <a:buNone/>
+              <a:defRPr sz="900"/>
             </a:lvl3pPr>
-            <a:lvl4pPr>
-              <a:defRPr sz="2000"/>
+            <a:lvl4pPr marL="1028700" indent="0">
+              <a:buNone/>
+              <a:defRPr sz="750"/>
             </a:lvl4pPr>
-            <a:lvl5pPr>
-              <a:defRPr sz="2000"/>
+            <a:lvl5pPr marL="1371600" indent="0">
+              <a:buNone/>
+              <a:defRPr sz="750"/>
             </a:lvl5pPr>
-            <a:lvl6pPr>
-              <a:defRPr sz="2000"/>
+            <a:lvl6pPr marL="1714500" indent="0">
+              <a:buNone/>
+              <a:defRPr sz="750"/>
             </a:lvl6pPr>
-            <a:lvl7pPr>
-              <a:defRPr sz="2000"/>
+            <a:lvl7pPr marL="2057400" indent="0">
+              <a:buNone/>
+              <a:defRPr sz="750"/>
             </a:lvl7pPr>
-            <a:lvl8pPr>
-              <a:defRPr sz="2000"/>
+            <a:lvl8pPr marL="2400300" indent="0">
+              <a:buNone/>
+              <a:defRPr sz="750"/>
             </a:lvl8pPr>
-            <a:lvl9pPr>
-              <a:defRPr sz="2000"/>
+            <a:lvl9pPr marL="2743200" indent="0">
+              <a:buNone/>
+              <a:defRPr sz="750"/>
             </a:lvl9pPr>
           </a:lstStyle>
           <a:p>
             <a:pPr lvl="0"/>
             <a:r>
-              <a:rPr lang="fr-FR" smtClean="0"/>
-              <a:t>Modifiez les styles du texte du masque</a:t>
-            </a:r>
-          </a:p>
-          <a:p>
-            <a:pPr lvl="1"/>
-            <a:r>
-              <a:rPr lang="fr-FR" smtClean="0"/>
-              <a:t>Deuxième niveau</a:t>
-            </a:r>
-          </a:p>
-          <a:p>
-            <a:pPr lvl="2"/>
-            <a:r>
-              <a:rPr lang="fr-FR" smtClean="0"/>
-              <a:t>Troisième niveau</a:t>
-            </a:r>
-          </a:p>
-          <a:p>
-            <a:pPr lvl="3"/>
-            <a:r>
-              <a:rPr lang="fr-FR" smtClean="0"/>
-              <a:t>Quatrième niveau</a:t>
-            </a:r>
-          </a:p>
-          <a:p>
-            <a:pPr lvl="4"/>
-            <a:r>
-              <a:rPr lang="fr-FR" smtClean="0"/>
-              <a:t>Cinquième niveau</a:t>
-            </a:r>
+              <a:rPr lang="fr-CA"/>
+              <a:t>Cliquez pour modifier les styles du texte du masque</a:t>
+            </a:r>
+          </a:p>
+        </p:txBody>
+      </p:sp>
+      <p:sp>
+        <p:nvSpPr>
+          <p:cNvPr id="5" name="Date Placeholder 4"/>
+          <p:cNvSpPr>
+            <a:spLocks noGrp="1"/>
+          </p:cNvSpPr>
+          <p:nvPr>
+            <p:ph type="dt" sz="half" idx="10"/>
+          </p:nvPr>
+        </p:nvSpPr>
+        <p:spPr/>
+        <p:txBody>
+          <a:bodyPr/>
+          <a:lstStyle/>
+          <a:p>
+            <a:fld id="{1EF6F3ED-F4A4-4E74-A7EF-9E1C763E1BEE}" type="datetimeFigureOut">
+              <a:rPr lang="en-CA" smtClean="0"/>
+              <a:t>2023-02-04</a:t>
+            </a:fld>
             <a:endParaRPr lang="en-CA"/>
           </a:p>
         </p:txBody>
       </p:sp>
       <p:sp>
         <p:nvSpPr>
-          <p:cNvPr id="4" name="Espace réservé du texte 3"/>
-          <p:cNvSpPr>
-            <a:spLocks noGrp="1"/>
-          </p:cNvSpPr>
-          <p:nvPr>
-            <p:ph type="body" sz="half" idx="2"/>
-          </p:nvPr>
-        </p:nvSpPr>
+          <p:cNvPr id="6" name="Footer Placeholder 5"/>
+          <p:cNvSpPr>
+            <a:spLocks noGrp="1"/>
+          </p:cNvSpPr>
+          <p:nvPr>
+            <p:ph type="ftr" sz="quarter" idx="11"/>
+          </p:nvPr>
+        </p:nvSpPr>
+        <p:spPr/>
+        <p:txBody>
+          <a:bodyPr/>
+          <a:lstStyle/>
+          <a:p>
+            <a:endParaRPr lang="en-CA"/>
+          </a:p>
+        </p:txBody>
+      </p:sp>
+      <p:sp>
+        <p:nvSpPr>
+          <p:cNvPr id="7" name="Slide Number Placeholder 6"/>
+          <p:cNvSpPr>
+            <a:spLocks noGrp="1"/>
+          </p:cNvSpPr>
+          <p:nvPr>
+            <p:ph type="sldNum" sz="quarter" idx="12"/>
+          </p:nvPr>
+        </p:nvSpPr>
+        <p:spPr/>
+        <p:txBody>
+          <a:bodyPr/>
+          <a:lstStyle/>
+          <a:p>
+            <a:fld id="{4770082A-6F77-48B9-898D-95522E9653E3}" type="slidenum">
+              <a:rPr lang="en-CA" smtClean="0"/>
+              <a:t>‹n°›</a:t>
+            </a:fld>
+            <a:endParaRPr lang="en-CA"/>
+          </a:p>
+        </p:txBody>
+      </p:sp>
+      <p:cxnSp>
+        <p:nvCxnSpPr>
+          <p:cNvPr id="17" name="Straight Connector 16"/>
+          <p:cNvCxnSpPr/>
+          <p:nvPr/>
+        </p:nvCxnSpPr>
         <p:spPr>
           <a:xfrm>
-            <a:off x="457200" y="1435100"/>
-            <a:ext cx="3008313" cy="4691063"/>
+            <a:off x="1441748" y="3205491"/>
+            <a:ext cx="2423276" cy="0"/>
           </a:xfrm>
+          <a:prstGeom prst="line">
+            <a:avLst/>
+          </a:prstGeom>
+          <a:ln w="31750"/>
         </p:spPr>
-        <p:txBody>
-          <a:bodyPr/>
-          <a:lstStyle>
-            <a:lvl1pPr marL="0" indent="0">
-              <a:buNone/>
-              <a:defRPr sz="1400"/>
-            </a:lvl1pPr>
-            <a:lvl2pPr marL="457200" indent="0">
-              <a:buNone/>
-              <a:defRPr sz="1200"/>
-            </a:lvl2pPr>
-            <a:lvl3pPr marL="914400" indent="0">
-              <a:buNone/>
-              <a:defRPr sz="1000"/>
-            </a:lvl3pPr>
-            <a:lvl4pPr marL="1371600" indent="0">
-              <a:buNone/>
-              <a:defRPr sz="900"/>
-            </a:lvl4pPr>
-            <a:lvl5pPr marL="1828800" indent="0">
-              <a:buNone/>
-              <a:defRPr sz="900"/>
-            </a:lvl5pPr>
-            <a:lvl6pPr marL="2286000" indent="0">
-              <a:buNone/>
-              <a:defRPr sz="900"/>
-            </a:lvl6pPr>
-            <a:lvl7pPr marL="2743200" indent="0">
-              <a:buNone/>
-              <a:defRPr sz="900"/>
-            </a:lvl7pPr>
-            <a:lvl8pPr marL="3200400" indent="0">
-              <a:buNone/>
-              <a:defRPr sz="900"/>
-            </a:lvl8pPr>
-            <a:lvl9pPr marL="3657600" indent="0">
-              <a:buNone/>
-              <a:defRPr sz="900"/>
-            </a:lvl9pPr>
-          </a:lstStyle>
-          <a:p>
-            <a:pPr lvl="0"/>
-            <a:r>
-              <a:rPr lang="fr-FR" smtClean="0"/>
-              <a:t>Modifiez les styles du texte du masque</a:t>
-            </a:r>
-          </a:p>
-        </p:txBody>
-      </p:sp>
-      <p:sp>
-        <p:nvSpPr>
-          <p:cNvPr id="5" name="Espace réservé de la date 4"/>
-          <p:cNvSpPr>
-            <a:spLocks noGrp="1"/>
-          </p:cNvSpPr>
-          <p:nvPr>
-            <p:ph type="dt" sz="half" idx="10"/>
-          </p:nvPr>
-        </p:nvSpPr>
-        <p:spPr/>
-        <p:txBody>
-          <a:bodyPr/>
-          <a:lstStyle/>
-          <a:p>
-            <a:fld id="{1EF6F3ED-F4A4-4E74-A7EF-9E1C763E1BEE}" type="datetimeFigureOut">
-              <a:rPr lang="en-CA" smtClean="0"/>
-              <a:t>2018-07-27</a:t>
-            </a:fld>
-            <a:endParaRPr lang="en-CA"/>
-          </a:p>
-        </p:txBody>
-      </p:sp>
-      <p:sp>
-        <p:nvSpPr>
-          <p:cNvPr id="6" name="Espace réservé du pied de page 5"/>
-          <p:cNvSpPr>
-            <a:spLocks noGrp="1"/>
-          </p:cNvSpPr>
-          <p:nvPr>
-            <p:ph type="ftr" sz="quarter" idx="11"/>
-          </p:nvPr>
-        </p:nvSpPr>
-        <p:spPr/>
-        <p:txBody>
-          <a:bodyPr/>
-          <a:lstStyle/>
-          <a:p>
-            <a:endParaRPr lang="en-CA"/>
-          </a:p>
-        </p:txBody>
-      </p:sp>
-      <p:sp>
-        <p:nvSpPr>
-          <p:cNvPr id="7" name="Espace réservé du numéro de diapositive 6"/>
-          <p:cNvSpPr>
-            <a:spLocks noGrp="1"/>
-          </p:cNvSpPr>
-          <p:nvPr>
-            <p:ph type="sldNum" sz="quarter" idx="12"/>
-          </p:nvPr>
-        </p:nvSpPr>
-        <p:spPr/>
-        <p:txBody>
-          <a:bodyPr/>
-          <a:lstStyle/>
-          <a:p>
-            <a:fld id="{4770082A-6F77-48B9-898D-95522E9653E3}" type="slidenum">
-              <a:rPr lang="en-CA" smtClean="0"/>
-              <a:t>‹N°›</a:t>
-            </a:fld>
-            <a:endParaRPr lang="en-CA"/>
-          </a:p>
-        </p:txBody>
-      </p:sp>
+        <p:style>
+          <a:lnRef idx="3">
+            <a:schemeClr val="accent1"/>
+          </a:lnRef>
+          <a:fillRef idx="0">
+            <a:schemeClr val="accent1"/>
+          </a:fillRef>
+          <a:effectRef idx="2">
+            <a:schemeClr val="accent1"/>
+          </a:effectRef>
+          <a:fontRef idx="minor">
+            <a:schemeClr val="tx1"/>
+          </a:fontRef>
+        </p:style>
+      </p:cxnSp>
     </p:spTree>
     <p:extLst>
       <p:ext uri="{BB962C8B-B14F-4D97-AF65-F5344CB8AC3E}">
-        <p14:creationId xmlns:p14="http://schemas.microsoft.com/office/powerpoint/2010/main" val="3209920650"/>
+        <p14:creationId xmlns:p14="http://schemas.microsoft.com/office/powerpoint/2010/main" val="4163265102"/>
       </p:ext>
     </p:extLst>
   </p:cSld>
@@ -2339,9 +2496,143 @@
           <a:chExt cx="0" cy="0"/>
         </a:xfrm>
       </p:grpSpPr>
-      <p:sp>
-        <p:nvSpPr>
-          <p:cNvPr id="2" name="Titre 1"/>
+      <p:grpSp>
+        <p:nvGrpSpPr>
+          <p:cNvPr id="13" name="Group 12"/>
+          <p:cNvGrpSpPr/>
+          <p:nvPr/>
+        </p:nvGrpSpPr>
+        <p:grpSpPr>
+          <a:xfrm>
+            <a:off x="4996501" y="482171"/>
+            <a:ext cx="3511387" cy="5149101"/>
+            <a:chOff x="6852919" y="583365"/>
+            <a:chExt cx="4681849" cy="5181928"/>
+          </a:xfrm>
+        </p:grpSpPr>
+        <p:sp>
+          <p:nvSpPr>
+            <p:cNvPr id="14" name="Rectangle 13"/>
+            <p:cNvSpPr/>
+            <p:nvPr/>
+          </p:nvSpPr>
+          <p:spPr>
+            <a:xfrm>
+              <a:off x="6852919" y="583365"/>
+              <a:ext cx="4681849" cy="5181928"/>
+            </a:xfrm>
+            <a:prstGeom prst="rect">
+              <a:avLst/>
+            </a:prstGeom>
+            <a:gradFill>
+              <a:gsLst>
+                <a:gs pos="0">
+                  <a:srgbClr val="000001"/>
+                </a:gs>
+                <a:gs pos="100000">
+                  <a:srgbClr val="191919"/>
+                </a:gs>
+              </a:gsLst>
+            </a:gradFill>
+            <a:ln w="76200" cmpd="sng">
+              <a:noFill/>
+              <a:miter lim="800000"/>
+            </a:ln>
+            <a:effectLst>
+              <a:outerShdw blurRad="127000" dist="228600" dir="4740000" sx="98000" sy="98000" algn="tl" rotWithShape="0">
+                <a:srgbClr val="000000">
+                  <a:alpha val="34000"/>
+                </a:srgbClr>
+              </a:outerShdw>
+            </a:effectLst>
+            <a:scene3d>
+              <a:camera prst="orthographicFront"/>
+              <a:lightRig rig="threePt" dir="t"/>
+            </a:scene3d>
+            <a:sp3d>
+              <a:bevelT w="152400" h="50800" prst="softRound"/>
+            </a:sp3d>
+          </p:spPr>
+          <p:style>
+            <a:lnRef idx="1">
+              <a:schemeClr val="accent1"/>
+            </a:lnRef>
+            <a:fillRef idx="3">
+              <a:schemeClr val="accent1"/>
+            </a:fillRef>
+            <a:effectRef idx="2">
+              <a:schemeClr val="accent1"/>
+            </a:effectRef>
+            <a:fontRef idx="minor">
+              <a:schemeClr val="lt1"/>
+            </a:fontRef>
+          </p:style>
+        </p:sp>
+        <p:sp>
+          <p:nvSpPr>
+            <p:cNvPr id="15" name="Rectangle 14"/>
+            <p:cNvSpPr/>
+            <p:nvPr/>
+          </p:nvSpPr>
+          <p:spPr>
+            <a:xfrm>
+              <a:off x="7273787" y="915806"/>
+              <a:ext cx="3844017" cy="4507918"/>
+            </a:xfrm>
+            <a:prstGeom prst="rect">
+              <a:avLst/>
+            </a:prstGeom>
+            <a:gradFill>
+              <a:gsLst>
+                <a:gs pos="0">
+                  <a:srgbClr val="DADADA"/>
+                </a:gs>
+                <a:gs pos="100000">
+                  <a:srgbClr val="FFFFFE"/>
+                </a:gs>
+              </a:gsLst>
+              <a:lin ang="16200000" scaled="0"/>
+            </a:gradFill>
+            <a:ln w="50800" cmpd="sng">
+              <a:solidFill>
+                <a:srgbClr val="191919"/>
+              </a:solidFill>
+              <a:miter lim="800000"/>
+            </a:ln>
+            <a:effectLst>
+              <a:innerShdw blurRad="63500" dist="88900" dir="14100000">
+                <a:srgbClr val="000000">
+                  <a:alpha val="30000"/>
+                </a:srgbClr>
+              </a:innerShdw>
+            </a:effectLst>
+            <a:scene3d>
+              <a:camera prst="orthographicFront"/>
+              <a:lightRig rig="threePt" dir="t"/>
+            </a:scene3d>
+            <a:sp3d>
+              <a:bevelT prst="relaxedInset"/>
+            </a:sp3d>
+          </p:spPr>
+          <p:style>
+            <a:lnRef idx="1">
+              <a:schemeClr val="accent1"/>
+            </a:lnRef>
+            <a:fillRef idx="3">
+              <a:schemeClr val="accent1"/>
+            </a:fillRef>
+            <a:effectRef idx="2">
+              <a:schemeClr val="accent1"/>
+            </a:effectRef>
+            <a:fontRef idx="minor">
+              <a:schemeClr val="lt1"/>
+            </a:fontRef>
+          </p:style>
+        </p:sp>
+      </p:grpSp>
+      <p:sp>
+        <p:nvSpPr>
+          <p:cNvPr id="2" name="Title 1"/>
           <p:cNvSpPr>
             <a:spLocks noGrp="1"/>
           </p:cNvSpPr>
@@ -2351,82 +2642,221 @@
         </p:nvSpPr>
         <p:spPr>
           <a:xfrm>
-            <a:off x="1792288" y="4800600"/>
-            <a:ext cx="5486400" cy="566738"/>
+            <a:off x="1444148" y="1129513"/>
+            <a:ext cx="3244935" cy="1830584"/>
           </a:xfrm>
         </p:spPr>
         <p:txBody>
-          <a:bodyPr anchor="b"/>
+          <a:bodyPr anchor="b">
+            <a:normAutofit/>
+          </a:bodyPr>
+          <a:lstStyle>
+            <a:lvl1pPr>
+              <a:defRPr sz="3200"/>
+            </a:lvl1pPr>
+          </a:lstStyle>
+          <a:p>
+            <a:r>
+              <a:rPr lang="fr-CA"/>
+              <a:t>Modifier le style du titre</a:t>
+            </a:r>
+            <a:endParaRPr lang="en-US" dirty="0"/>
+          </a:p>
+        </p:txBody>
+      </p:sp>
+      <p:sp>
+        <p:nvSpPr>
+          <p:cNvPr id="3" name="Picture Placeholder 2"/>
+          <p:cNvSpPr>
+            <a:spLocks noGrp="1" noChangeAspect="1"/>
+          </p:cNvSpPr>
+          <p:nvPr>
+            <p:ph type="pic" idx="1"/>
+          </p:nvPr>
+        </p:nvSpPr>
+        <p:spPr>
+          <a:xfrm>
+            <a:off x="5640128" y="1122543"/>
+            <a:ext cx="2234998" cy="3866327"/>
+          </a:xfrm>
+          <a:solidFill>
+            <a:schemeClr val="bg1">
+              <a:lumMod val="85000"/>
+            </a:schemeClr>
+          </a:solidFill>
+          <a:ln w="9525" cap="sq">
+            <a:noFill/>
+            <a:miter lim="800000"/>
+          </a:ln>
+          <a:effectLst/>
+        </p:spPr>
+        <p:txBody>
+          <a:bodyPr anchor="t"/>
+          <a:lstStyle>
+            <a:lvl1pPr marL="0" indent="0" algn="ctr">
+              <a:buNone/>
+              <a:defRPr sz="2400"/>
+            </a:lvl1pPr>
+            <a:lvl2pPr marL="342900" indent="0">
+              <a:buNone/>
+              <a:defRPr sz="2100"/>
+            </a:lvl2pPr>
+            <a:lvl3pPr marL="685800" indent="0">
+              <a:buNone/>
+              <a:defRPr sz="1800"/>
+            </a:lvl3pPr>
+            <a:lvl4pPr marL="1028700" indent="0">
+              <a:buNone/>
+              <a:defRPr sz="1500"/>
+            </a:lvl4pPr>
+            <a:lvl5pPr marL="1371600" indent="0">
+              <a:buNone/>
+              <a:defRPr sz="1500"/>
+            </a:lvl5pPr>
+            <a:lvl6pPr marL="1714500" indent="0">
+              <a:buNone/>
+              <a:defRPr sz="1500"/>
+            </a:lvl6pPr>
+            <a:lvl7pPr marL="2057400" indent="0">
+              <a:buNone/>
+              <a:defRPr sz="1500"/>
+            </a:lvl7pPr>
+            <a:lvl8pPr marL="2400300" indent="0">
+              <a:buNone/>
+              <a:defRPr sz="1500"/>
+            </a:lvl8pPr>
+            <a:lvl9pPr marL="2743200" indent="0">
+              <a:buNone/>
+              <a:defRPr sz="1500"/>
+            </a:lvl9pPr>
+          </a:lstStyle>
+          <a:p>
+            <a:r>
+              <a:rPr lang="fr-CA"/>
+              <a:t>Cliquez sur l'icône pour ajouter une image</a:t>
+            </a:r>
+            <a:endParaRPr lang="en-US" dirty="0"/>
+          </a:p>
+        </p:txBody>
+      </p:sp>
+      <p:sp>
+        <p:nvSpPr>
+          <p:cNvPr id="4" name="Text Placeholder 3"/>
+          <p:cNvSpPr>
+            <a:spLocks noGrp="1"/>
+          </p:cNvSpPr>
+          <p:nvPr>
+            <p:ph type="body" sz="half" idx="2"/>
+          </p:nvPr>
+        </p:nvSpPr>
+        <p:spPr>
+          <a:xfrm>
+            <a:off x="1443492" y="3145992"/>
+            <a:ext cx="3240286" cy="2003742"/>
+          </a:xfrm>
+        </p:spPr>
+        <p:txBody>
+          <a:bodyPr>
+            <a:normAutofit/>
+          </a:bodyPr>
+          <a:lstStyle>
+            <a:lvl1pPr marL="0" indent="0" algn="l">
+              <a:buNone/>
+              <a:defRPr sz="1800"/>
+            </a:lvl1pPr>
+            <a:lvl2pPr marL="342900" indent="0">
+              <a:buNone/>
+              <a:defRPr sz="1050"/>
+            </a:lvl2pPr>
+            <a:lvl3pPr marL="685800" indent="0">
+              <a:buNone/>
+              <a:defRPr sz="900"/>
+            </a:lvl3pPr>
+            <a:lvl4pPr marL="1028700" indent="0">
+              <a:buNone/>
+              <a:defRPr sz="750"/>
+            </a:lvl4pPr>
+            <a:lvl5pPr marL="1371600" indent="0">
+              <a:buNone/>
+              <a:defRPr sz="750"/>
+            </a:lvl5pPr>
+            <a:lvl6pPr marL="1714500" indent="0">
+              <a:buNone/>
+              <a:defRPr sz="750"/>
+            </a:lvl6pPr>
+            <a:lvl7pPr marL="2057400" indent="0">
+              <a:buNone/>
+              <a:defRPr sz="750"/>
+            </a:lvl7pPr>
+            <a:lvl8pPr marL="2400300" indent="0">
+              <a:buNone/>
+              <a:defRPr sz="750"/>
+            </a:lvl8pPr>
+            <a:lvl9pPr marL="2743200" indent="0">
+              <a:buNone/>
+              <a:defRPr sz="750"/>
+            </a:lvl9pPr>
+          </a:lstStyle>
+          <a:p>
+            <a:pPr lvl="0"/>
+            <a:r>
+              <a:rPr lang="fr-CA"/>
+              <a:t>Cliquez pour modifier les styles du texte du masque</a:t>
+            </a:r>
+          </a:p>
+        </p:txBody>
+      </p:sp>
+      <p:sp>
+        <p:nvSpPr>
+          <p:cNvPr id="5" name="Date Placeholder 4"/>
+          <p:cNvSpPr>
+            <a:spLocks noGrp="1"/>
+          </p:cNvSpPr>
+          <p:nvPr>
+            <p:ph type="dt" sz="half" idx="10"/>
+          </p:nvPr>
+        </p:nvSpPr>
+        <p:spPr>
+          <a:xfrm>
+            <a:off x="1436664" y="5469857"/>
+            <a:ext cx="3252420" cy="320123"/>
+          </a:xfrm>
+        </p:spPr>
+        <p:txBody>
+          <a:bodyPr/>
           <a:lstStyle>
             <a:lvl1pPr algn="l">
-              <a:defRPr sz="2000" b="1"/>
+              <a:defRPr/>
             </a:lvl1pPr>
           </a:lstStyle>
           <a:p>
-            <a:r>
-              <a:rPr lang="fr-FR" smtClean="0"/>
-              <a:t>Modifiez le style du titre</a:t>
-            </a:r>
+            <a:fld id="{1EF6F3ED-F4A4-4E74-A7EF-9E1C763E1BEE}" type="datetimeFigureOut">
+              <a:rPr lang="en-CA" smtClean="0"/>
+              <a:t>2023-02-04</a:t>
+            </a:fld>
             <a:endParaRPr lang="en-CA"/>
           </a:p>
         </p:txBody>
       </p:sp>
       <p:sp>
         <p:nvSpPr>
-          <p:cNvPr id="3" name="Espace réservé pour une image  2"/>
-          <p:cNvSpPr>
-            <a:spLocks noGrp="1"/>
-          </p:cNvSpPr>
-          <p:nvPr>
-            <p:ph type="pic" idx="1"/>
+          <p:cNvPr id="6" name="Footer Placeholder 5"/>
+          <p:cNvSpPr>
+            <a:spLocks noGrp="1"/>
+          </p:cNvSpPr>
+          <p:nvPr>
+            <p:ph type="ftr" sz="quarter" idx="11"/>
           </p:nvPr>
         </p:nvSpPr>
         <p:spPr>
           <a:xfrm>
-            <a:off x="1792288" y="612775"/>
-            <a:ext cx="5486400" cy="4114800"/>
+            <a:off x="1437530" y="318641"/>
+            <a:ext cx="3251553" cy="320931"/>
           </a:xfrm>
         </p:spPr>
         <p:txBody>
           <a:bodyPr/>
-          <a:lstStyle>
-            <a:lvl1pPr marL="0" indent="0">
-              <a:buNone/>
-              <a:defRPr sz="3200"/>
-            </a:lvl1pPr>
-            <a:lvl2pPr marL="457200" indent="0">
-              <a:buNone/>
-              <a:defRPr sz="2800"/>
-            </a:lvl2pPr>
-            <a:lvl3pPr marL="914400" indent="0">
-              <a:buNone/>
-              <a:defRPr sz="2400"/>
-            </a:lvl3pPr>
-            <a:lvl4pPr marL="1371600" indent="0">
-              <a:buNone/>
-              <a:defRPr sz="2000"/>
-            </a:lvl4pPr>
-            <a:lvl5pPr marL="1828800" indent="0">
-              <a:buNone/>
-              <a:defRPr sz="2000"/>
-            </a:lvl5pPr>
-            <a:lvl6pPr marL="2286000" indent="0">
-              <a:buNone/>
-              <a:defRPr sz="2000"/>
-            </a:lvl6pPr>
-            <a:lvl7pPr marL="2743200" indent="0">
-              <a:buNone/>
-              <a:defRPr sz="2000"/>
-            </a:lvl7pPr>
-            <a:lvl8pPr marL="3200400" indent="0">
-              <a:buNone/>
-              <a:defRPr sz="2000"/>
-            </a:lvl8pPr>
-            <a:lvl9pPr marL="3657600" indent="0">
-              <a:buNone/>
-              <a:defRPr sz="2000"/>
-            </a:lvl9pPr>
-          </a:lstStyle>
+          <a:lstStyle/>
           <a:p>
             <a:endParaRPr lang="en-CA"/>
           </a:p>
@@ -2434,138 +2864,62 @@
       </p:sp>
       <p:sp>
         <p:nvSpPr>
-          <p:cNvPr id="4" name="Espace réservé du texte 3"/>
-          <p:cNvSpPr>
-            <a:spLocks noGrp="1"/>
-          </p:cNvSpPr>
-          <p:nvPr>
-            <p:ph type="body" sz="half" idx="2"/>
-          </p:nvPr>
-        </p:nvSpPr>
+          <p:cNvPr id="7" name="Slide Number Placeholder 6"/>
+          <p:cNvSpPr>
+            <a:spLocks noGrp="1"/>
+          </p:cNvSpPr>
+          <p:nvPr>
+            <p:ph type="sldNum" sz="quarter" idx="12"/>
+          </p:nvPr>
+        </p:nvSpPr>
+        <p:spPr/>
+        <p:txBody>
+          <a:bodyPr/>
+          <a:lstStyle/>
+          <a:p>
+            <a:fld id="{4770082A-6F77-48B9-898D-95522E9653E3}" type="slidenum">
+              <a:rPr lang="en-CA" smtClean="0"/>
+              <a:t>‹n°›</a:t>
+            </a:fld>
+            <a:endParaRPr lang="en-CA"/>
+          </a:p>
+        </p:txBody>
+      </p:sp>
+      <p:cxnSp>
+        <p:nvCxnSpPr>
+          <p:cNvPr id="31" name="Straight Connector 30"/>
+          <p:cNvCxnSpPr/>
+          <p:nvPr/>
+        </p:nvCxnSpPr>
         <p:spPr>
           <a:xfrm>
-            <a:off x="1792288" y="5367338"/>
-            <a:ext cx="5486400" cy="804862"/>
+            <a:off x="1441281" y="3143605"/>
+            <a:ext cx="3242014" cy="0"/>
           </a:xfrm>
+          <a:prstGeom prst="line">
+            <a:avLst/>
+          </a:prstGeom>
+          <a:ln w="31750"/>
         </p:spPr>
-        <p:txBody>
-          <a:bodyPr/>
-          <a:lstStyle>
-            <a:lvl1pPr marL="0" indent="0">
-              <a:buNone/>
-              <a:defRPr sz="1400"/>
-            </a:lvl1pPr>
-            <a:lvl2pPr marL="457200" indent="0">
-              <a:buNone/>
-              <a:defRPr sz="1200"/>
-            </a:lvl2pPr>
-            <a:lvl3pPr marL="914400" indent="0">
-              <a:buNone/>
-              <a:defRPr sz="1000"/>
-            </a:lvl3pPr>
-            <a:lvl4pPr marL="1371600" indent="0">
-              <a:buNone/>
-              <a:defRPr sz="900"/>
-            </a:lvl4pPr>
-            <a:lvl5pPr marL="1828800" indent="0">
-              <a:buNone/>
-              <a:defRPr sz="900"/>
-            </a:lvl5pPr>
-            <a:lvl6pPr marL="2286000" indent="0">
-              <a:buNone/>
-              <a:defRPr sz="900"/>
-            </a:lvl6pPr>
-            <a:lvl7pPr marL="2743200" indent="0">
-              <a:buNone/>
-              <a:defRPr sz="900"/>
-            </a:lvl7pPr>
-            <a:lvl8pPr marL="3200400" indent="0">
-              <a:buNone/>
-              <a:defRPr sz="900"/>
-            </a:lvl8pPr>
-            <a:lvl9pPr marL="3657600" indent="0">
-              <a:buNone/>
-              <a:defRPr sz="900"/>
-            </a:lvl9pPr>
-          </a:lstStyle>
-          <a:p>
-            <a:pPr lvl="0"/>
-            <a:r>
-              <a:rPr lang="fr-FR" smtClean="0"/>
-              <a:t>Modifiez les styles du texte du masque</a:t>
-            </a:r>
-          </a:p>
-        </p:txBody>
-      </p:sp>
-      <p:sp>
-        <p:nvSpPr>
-          <p:cNvPr id="5" name="Espace réservé de la date 4"/>
-          <p:cNvSpPr>
-            <a:spLocks noGrp="1"/>
-          </p:cNvSpPr>
-          <p:nvPr>
-            <p:ph type="dt" sz="half" idx="10"/>
-          </p:nvPr>
-        </p:nvSpPr>
-        <p:spPr/>
-        <p:txBody>
-          <a:bodyPr/>
-          <a:lstStyle/>
-          <a:p>
-            <a:fld id="{1EF6F3ED-F4A4-4E74-A7EF-9E1C763E1BEE}" type="datetimeFigureOut">
-              <a:rPr lang="en-CA" smtClean="0"/>
-              <a:t>2018-07-27</a:t>
-            </a:fld>
-            <a:endParaRPr lang="en-CA"/>
-          </a:p>
-        </p:txBody>
-      </p:sp>
-      <p:sp>
-        <p:nvSpPr>
-          <p:cNvPr id="6" name="Espace réservé du pied de page 5"/>
-          <p:cNvSpPr>
-            <a:spLocks noGrp="1"/>
-          </p:cNvSpPr>
-          <p:nvPr>
-            <p:ph type="ftr" sz="quarter" idx="11"/>
-          </p:nvPr>
-        </p:nvSpPr>
-        <p:spPr/>
-        <p:txBody>
-          <a:bodyPr/>
-          <a:lstStyle/>
-          <a:p>
-            <a:endParaRPr lang="en-CA"/>
-          </a:p>
-        </p:txBody>
-      </p:sp>
-      <p:sp>
-        <p:nvSpPr>
-          <p:cNvPr id="7" name="Espace réservé du numéro de diapositive 6"/>
-          <p:cNvSpPr>
-            <a:spLocks noGrp="1"/>
-          </p:cNvSpPr>
-          <p:nvPr>
-            <p:ph type="sldNum" sz="quarter" idx="12"/>
-          </p:nvPr>
-        </p:nvSpPr>
-        <p:spPr/>
-        <p:txBody>
-          <a:bodyPr/>
-          <a:lstStyle/>
-          <a:p>
-            <a:fld id="{4770082A-6F77-48B9-898D-95522E9653E3}" type="slidenum">
-              <a:rPr lang="en-CA" smtClean="0"/>
-              <a:t>‹N°›</a:t>
-            </a:fld>
-            <a:endParaRPr lang="en-CA"/>
-          </a:p>
-        </p:txBody>
-      </p:sp>
+        <p:style>
+          <a:lnRef idx="3">
+            <a:schemeClr val="accent1"/>
+          </a:lnRef>
+          <a:fillRef idx="0">
+            <a:schemeClr val="accent1"/>
+          </a:fillRef>
+          <a:effectRef idx="2">
+            <a:schemeClr val="accent1"/>
+          </a:effectRef>
+          <a:fontRef idx="minor">
+            <a:schemeClr val="tx1"/>
+          </a:fontRef>
+        </p:style>
+      </p:cxnSp>
     </p:spTree>
     <p:extLst>
       <p:ext uri="{BB962C8B-B14F-4D97-AF65-F5344CB8AC3E}">
-        <p14:creationId xmlns:p14="http://schemas.microsoft.com/office/powerpoint/2010/main" val="1190467435"/>
+        <p14:creationId xmlns:p14="http://schemas.microsoft.com/office/powerpoint/2010/main" val="3051953730"/>
       </p:ext>
     </p:extLst>
   </p:cSld>
@@ -2579,8 +2933,8 @@
 <p:sldMaster xmlns:a="http://schemas.openxmlformats.org/drawingml/2006/main" xmlns:r="http://schemas.openxmlformats.org/officeDocument/2006/relationships" xmlns:p="http://schemas.openxmlformats.org/presentationml/2006/main">
   <p:cSld>
     <p:bg>
-      <p:bgRef idx="1001">
-        <a:schemeClr val="bg1"/>
+      <p:bgRef idx="1003">
+        <a:schemeClr val="bg2"/>
       </p:bgRef>
     </p:bg>
     <p:spTree>
@@ -2599,123 +2953,238 @@
       </p:grpSpPr>
       <p:sp>
         <p:nvSpPr>
-          <p:cNvPr id="2" name="Espace réservé du titre 1"/>
-          <p:cNvSpPr>
-            <a:spLocks noGrp="1"/>
-          </p:cNvSpPr>
-          <p:nvPr>
-            <p:ph type="title"/>
-          </p:nvPr>
+          <p:cNvPr id="10" name="Rectangle 9"/>
+          <p:cNvSpPr/>
+          <p:nvPr/>
         </p:nvSpPr>
         <p:spPr>
           <a:xfrm>
-            <a:off x="457200" y="274638"/>
-            <a:ext cx="8229600" cy="1143000"/>
+            <a:off x="0" y="2015734"/>
+            <a:ext cx="9144000" cy="4079520"/>
+          </a:xfrm>
+          <a:prstGeom prst="rect">
+            <a:avLst/>
+          </a:prstGeom>
+          <a:gradFill flip="none" rotWithShape="1">
+            <a:gsLst>
+              <a:gs pos="0">
+                <a:schemeClr val="bg2">
+                  <a:alpha val="0"/>
+                </a:schemeClr>
+              </a:gs>
+              <a:gs pos="100000">
+                <a:schemeClr val="bg2"/>
+              </a:gs>
+            </a:gsLst>
+            <a:lin ang="5400000" scaled="0"/>
+            <a:tileRect/>
+          </a:gradFill>
+          <a:ln>
+            <a:noFill/>
+          </a:ln>
+        </p:spPr>
+        <p:style>
+          <a:lnRef idx="2">
+            <a:schemeClr val="accent1">
+              <a:shade val="50000"/>
+            </a:schemeClr>
+          </a:lnRef>
+          <a:fillRef idx="1">
+            <a:schemeClr val="accent1"/>
+          </a:fillRef>
+          <a:effectRef idx="0">
+            <a:schemeClr val="accent1"/>
+          </a:effectRef>
+          <a:fontRef idx="minor">
+            <a:schemeClr val="lt1"/>
+          </a:fontRef>
+        </p:style>
+      </p:sp>
+      <p:pic>
+        <p:nvPicPr>
+          <p:cNvPr id="12" name="Picture 11"/>
+          <p:cNvPicPr>
+            <a:picLocks noChangeAspect="1"/>
+          </p:cNvPicPr>
+          <p:nvPr/>
+        </p:nvPicPr>
+        <p:blipFill rotWithShape="1">
+          <a:blip r:embed="rId13">
+            <a:extLst>
+              <a:ext uri="{28A0092B-C50C-407E-A947-70E740481C1C}">
+                <a14:useLocalDpi xmlns:a14="http://schemas.microsoft.com/office/drawing/2010/main" val="0"/>
+              </a:ext>
+            </a:extLst>
+          </a:blip>
+          <a:srcRect l="12500" t="1538" r="12500" b="-1538"/>
+          <a:stretch/>
+        </p:blipFill>
+        <p:spPr>
+          <a:xfrm>
+            <a:off x="-1" y="6095253"/>
+            <a:ext cx="9144001" cy="774727"/>
           </a:xfrm>
           <a:prstGeom prst="rect">
             <a:avLst/>
           </a:prstGeom>
         </p:spPr>
-        <p:txBody>
-          <a:bodyPr vert="horz" lIns="91440" tIns="45720" rIns="91440" bIns="45720" rtlCol="0" anchor="ctr">
-            <a:normAutofit/>
-          </a:bodyPr>
-          <a:lstStyle/>
-          <a:p>
-            <a:r>
-              <a:rPr lang="fr-FR" smtClean="0"/>
-              <a:t>Modifiez le style du titre</a:t>
-            </a:r>
-            <a:endParaRPr lang="en-CA"/>
-          </a:p>
-        </p:txBody>
-      </p:sp>
-      <p:sp>
-        <p:nvSpPr>
-          <p:cNvPr id="3" name="Espace réservé du texte 2"/>
-          <p:cNvSpPr>
-            <a:spLocks noGrp="1"/>
-          </p:cNvSpPr>
-          <p:nvPr>
-            <p:ph type="body" idx="1"/>
-          </p:nvPr>
-        </p:nvSpPr>
+      </p:pic>
+      <p:cxnSp>
+        <p:nvCxnSpPr>
+          <p:cNvPr id="13" name="Straight Connector 12"/>
+          <p:cNvCxnSpPr/>
+          <p:nvPr/>
+        </p:nvCxnSpPr>
         <p:spPr>
           <a:xfrm>
-            <a:off x="457200" y="1600200"/>
-            <a:ext cx="8229600" cy="4525963"/>
+            <a:off x="0" y="6101127"/>
+            <a:ext cx="9144000" cy="0"/>
+          </a:xfrm>
+          <a:prstGeom prst="line">
+            <a:avLst/>
+          </a:prstGeom>
+          <a:ln w="12700">
+            <a:solidFill>
+              <a:srgbClr val="000001">
+                <a:alpha val="20000"/>
+              </a:srgbClr>
+            </a:solidFill>
+          </a:ln>
+        </p:spPr>
+        <p:style>
+          <a:lnRef idx="1">
+            <a:schemeClr val="accent1"/>
+          </a:lnRef>
+          <a:fillRef idx="0">
+            <a:schemeClr val="accent1"/>
+          </a:fillRef>
+          <a:effectRef idx="0">
+            <a:schemeClr val="accent1"/>
+          </a:effectRef>
+          <a:fontRef idx="minor">
+            <a:schemeClr val="tx1"/>
+          </a:fontRef>
+        </p:style>
+      </p:cxnSp>
+      <p:sp>
+        <p:nvSpPr>
+          <p:cNvPr id="2" name="Title Placeholder 1"/>
+          <p:cNvSpPr>
+            <a:spLocks noGrp="1"/>
+          </p:cNvSpPr>
+          <p:nvPr>
+            <p:ph type="title"/>
+          </p:nvPr>
+        </p:nvSpPr>
+        <p:spPr>
+          <a:xfrm>
+            <a:off x="1443491" y="804520"/>
+            <a:ext cx="6571343" cy="1049235"/>
           </a:xfrm>
           <a:prstGeom prst="rect">
             <a:avLst/>
           </a:prstGeom>
         </p:spPr>
         <p:txBody>
-          <a:bodyPr vert="horz" lIns="91440" tIns="45720" rIns="91440" bIns="45720" rtlCol="0">
+          <a:bodyPr vert="horz" lIns="91440" tIns="45720" rIns="91440" bIns="45720" rtlCol="0" anchor="t">
             <a:normAutofit/>
           </a:bodyPr>
           <a:lstStyle/>
           <a:p>
-            <a:pPr lvl="0"/>
-            <a:r>
-              <a:rPr lang="fr-FR" smtClean="0"/>
-              <a:t>Modifiez les styles du texte du masque</a:t>
-            </a:r>
-          </a:p>
-          <a:p>
-            <a:pPr lvl="1"/>
-            <a:r>
-              <a:rPr lang="fr-FR" smtClean="0"/>
-              <a:t>Deuxième niveau</a:t>
-            </a:r>
-          </a:p>
-          <a:p>
-            <a:pPr lvl="2"/>
-            <a:r>
-              <a:rPr lang="fr-FR" smtClean="0"/>
-              <a:t>Troisième niveau</a:t>
-            </a:r>
-          </a:p>
-          <a:p>
-            <a:pPr lvl="3"/>
-            <a:r>
-              <a:rPr lang="fr-FR" smtClean="0"/>
-              <a:t>Quatrième niveau</a:t>
-            </a:r>
-          </a:p>
-          <a:p>
-            <a:pPr lvl="4"/>
-            <a:r>
-              <a:rPr lang="fr-FR" smtClean="0"/>
-              <a:t>Cinquième niveau</a:t>
-            </a:r>
-            <a:endParaRPr lang="en-CA"/>
-          </a:p>
-        </p:txBody>
-      </p:sp>
-      <p:sp>
-        <p:nvSpPr>
-          <p:cNvPr id="4" name="Espace réservé de la date 3"/>
-          <p:cNvSpPr>
-            <a:spLocks noGrp="1"/>
-          </p:cNvSpPr>
-          <p:nvPr>
-            <p:ph type="dt" sz="half" idx="2"/>
+            <a:r>
+              <a:rPr lang="fr-CA"/>
+              <a:t>Modifier le style du titre</a:t>
+            </a:r>
+            <a:endParaRPr lang="en-US" dirty="0"/>
+          </a:p>
+        </p:txBody>
+      </p:sp>
+      <p:sp>
+        <p:nvSpPr>
+          <p:cNvPr id="3" name="Text Placeholder 2"/>
+          <p:cNvSpPr>
+            <a:spLocks noGrp="1"/>
+          </p:cNvSpPr>
+          <p:nvPr>
+            <p:ph type="body" idx="1"/>
           </p:nvPr>
         </p:nvSpPr>
         <p:spPr>
           <a:xfrm>
-            <a:off x="457200" y="6356350"/>
-            <a:ext cx="2133600" cy="365125"/>
+            <a:off x="1443491" y="2015733"/>
+            <a:ext cx="6571343" cy="3450613"/>
           </a:xfrm>
           <a:prstGeom prst="rect">
             <a:avLst/>
           </a:prstGeom>
         </p:spPr>
         <p:txBody>
+          <a:bodyPr vert="horz" lIns="91440" tIns="45720" rIns="91440" bIns="45720" rtlCol="0">
+            <a:normAutofit/>
+          </a:bodyPr>
+          <a:lstStyle/>
+          <a:p>
+            <a:pPr lvl="0"/>
+            <a:r>
+              <a:rPr lang="fr-CA"/>
+              <a:t>Cliquez pour modifier les styles du texte du masque</a:t>
+            </a:r>
+          </a:p>
+          <a:p>
+            <a:pPr lvl="1"/>
+            <a:r>
+              <a:rPr lang="fr-CA"/>
+              <a:t>Deuxième niveau</a:t>
+            </a:r>
+          </a:p>
+          <a:p>
+            <a:pPr lvl="2"/>
+            <a:r>
+              <a:rPr lang="fr-CA"/>
+              <a:t>Troisième niveau</a:t>
+            </a:r>
+          </a:p>
+          <a:p>
+            <a:pPr lvl="3"/>
+            <a:r>
+              <a:rPr lang="fr-CA"/>
+              <a:t>Quatrième niveau</a:t>
+            </a:r>
+          </a:p>
+          <a:p>
+            <a:pPr lvl="4"/>
+            <a:r>
+              <a:rPr lang="fr-CA"/>
+              <a:t>Cinquième niveau</a:t>
+            </a:r>
+            <a:endParaRPr lang="en-US" dirty="0"/>
+          </a:p>
+        </p:txBody>
+      </p:sp>
+      <p:sp>
+        <p:nvSpPr>
+          <p:cNvPr id="4" name="Date Placeholder 3"/>
+          <p:cNvSpPr>
+            <a:spLocks noGrp="1"/>
+          </p:cNvSpPr>
+          <p:nvPr>
+            <p:ph type="dt" sz="half" idx="2"/>
+          </p:nvPr>
+        </p:nvSpPr>
+        <p:spPr>
+          <a:xfrm>
+            <a:off x="5646542" y="330370"/>
+            <a:ext cx="2368292" cy="309201"/>
+          </a:xfrm>
+          <a:prstGeom prst="rect">
+            <a:avLst/>
+          </a:prstGeom>
+        </p:spPr>
+        <p:txBody>
           <a:bodyPr vert="horz" lIns="91440" tIns="45720" rIns="91440" bIns="45720" rtlCol="0" anchor="ctr"/>
           <a:lstStyle>
-            <a:lvl1pPr algn="l">
-              <a:defRPr sz="1200">
+            <a:lvl1pPr algn="r">
+              <a:defRPr sz="1000">
                 <a:solidFill>
                   <a:schemeClr val="tx1">
                     <a:tint val="75000"/>
@@ -2727,7 +3196,7 @@
           <a:p>
             <a:fld id="{1EF6F3ED-F4A4-4E74-A7EF-9E1C763E1BEE}" type="datetimeFigureOut">
               <a:rPr lang="en-CA" smtClean="0"/>
-              <a:t>2018-07-27</a:t>
+              <a:t>2023-02-04</a:t>
             </a:fld>
             <a:endParaRPr lang="en-CA"/>
           </a:p>
@@ -2735,7 +3204,7 @@
       </p:sp>
       <p:sp>
         <p:nvSpPr>
-          <p:cNvPr id="5" name="Espace réservé du pied de page 4"/>
+          <p:cNvPr id="5" name="Footer Placeholder 4"/>
           <p:cNvSpPr>
             <a:spLocks noGrp="1"/>
           </p:cNvSpPr>
@@ -2745,8 +3214,8 @@
         </p:nvSpPr>
         <p:spPr>
           <a:xfrm>
-            <a:off x="3124200" y="6356350"/>
-            <a:ext cx="2895600" cy="365125"/>
+            <a:off x="1443491" y="329308"/>
+            <a:ext cx="4034004" cy="309201"/>
           </a:xfrm>
           <a:prstGeom prst="rect">
             <a:avLst/>
@@ -2755,8 +3224,8 @@
         <p:txBody>
           <a:bodyPr vert="horz" lIns="91440" tIns="45720" rIns="91440" bIns="45720" rtlCol="0" anchor="ctr"/>
           <a:lstStyle>
-            <a:lvl1pPr algn="ctr">
-              <a:defRPr sz="1200">
+            <a:lvl1pPr algn="l">
+              <a:defRPr sz="1000">
                 <a:solidFill>
                   <a:schemeClr val="tx1">
                     <a:tint val="75000"/>
@@ -2772,7 +3241,7 @@
       </p:sp>
       <p:sp>
         <p:nvSpPr>
-          <p:cNvPr id="6" name="Espace réservé du numéro de diapositive 5"/>
+          <p:cNvPr id="6" name="Slide Number Placeholder 5"/>
           <p:cNvSpPr>
             <a:spLocks noGrp="1"/>
           </p:cNvSpPr>
@@ -2782,22 +3251,20 @@
         </p:nvSpPr>
         <p:spPr>
           <a:xfrm>
-            <a:off x="6553200" y="6356350"/>
-            <a:ext cx="2133600" cy="365125"/>
+            <a:off x="487725" y="798973"/>
+            <a:ext cx="795746" cy="503578"/>
           </a:xfrm>
           <a:prstGeom prst="rect">
             <a:avLst/>
           </a:prstGeom>
         </p:spPr>
         <p:txBody>
-          <a:bodyPr vert="horz" lIns="91440" tIns="45720" rIns="91440" bIns="45720" rtlCol="0" anchor="ctr"/>
+          <a:bodyPr vert="horz" lIns="91440" tIns="45720" rIns="91440" bIns="45720" rtlCol="0" anchor="t"/>
           <a:lstStyle>
             <a:lvl1pPr algn="r">
-              <a:defRPr sz="1200">
+              <a:defRPr sz="2800">
                 <a:solidFill>
-                  <a:schemeClr val="tx1">
-                    <a:tint val="75000"/>
-                  </a:schemeClr>
+                  <a:schemeClr val="accent1"/>
                 </a:solidFill>
               </a:defRPr>
             </a:lvl1pPr>
@@ -2805,7 +3272,7 @@
           <a:p>
             <a:fld id="{4770082A-6F77-48B9-898D-95522E9653E3}" type="slidenum">
               <a:rPr lang="en-CA" smtClean="0"/>
-              <a:t>‹N°›</a:t>
+              <a:t>‹n°›</a:t>
             </a:fld>
             <a:endParaRPr lang="en-CA"/>
           </a:p>
@@ -2814,35 +3281,39 @@
     </p:spTree>
     <p:extLst>
       <p:ext uri="{BB962C8B-B14F-4D97-AF65-F5344CB8AC3E}">
-        <p14:creationId xmlns:p14="http://schemas.microsoft.com/office/powerpoint/2010/main" val="465800672"/>
+        <p14:creationId xmlns:p14="http://schemas.microsoft.com/office/powerpoint/2010/main" val="1425961074"/>
       </p:ext>
     </p:extLst>
   </p:cSld>
   <p:clrMap bg1="lt1" tx1="dk1" bg2="lt2" tx2="dk2" accent1="accent1" accent2="accent2" accent3="accent3" accent4="accent4" accent5="accent5" accent6="accent6" hlink="hlink" folHlink="folHlink"/>
   <p:sldLayoutIdLst>
-    <p:sldLayoutId id="2147483649" r:id="rId1"/>
-    <p:sldLayoutId id="2147483650" r:id="rId2"/>
-    <p:sldLayoutId id="2147483651" r:id="rId3"/>
-    <p:sldLayoutId id="2147483652" r:id="rId4"/>
-    <p:sldLayoutId id="2147483653" r:id="rId5"/>
-    <p:sldLayoutId id="2147483654" r:id="rId6"/>
-    <p:sldLayoutId id="2147483655" r:id="rId7"/>
-    <p:sldLayoutId id="2147483656" r:id="rId8"/>
-    <p:sldLayoutId id="2147483657" r:id="rId9"/>
-    <p:sldLayoutId id="2147483658" r:id="rId10"/>
-    <p:sldLayoutId id="2147483659" r:id="rId11"/>
+    <p:sldLayoutId id="2147483661" r:id="rId1"/>
+    <p:sldLayoutId id="2147483662" r:id="rId2"/>
+    <p:sldLayoutId id="2147483663" r:id="rId3"/>
+    <p:sldLayoutId id="2147483664" r:id="rId4"/>
+    <p:sldLayoutId id="2147483665" r:id="rId5"/>
+    <p:sldLayoutId id="2147483666" r:id="rId6"/>
+    <p:sldLayoutId id="2147483667" r:id="rId7"/>
+    <p:sldLayoutId id="2147483668" r:id="rId8"/>
+    <p:sldLayoutId id="2147483669" r:id="rId9"/>
+    <p:sldLayoutId id="2147483670" r:id="rId10"/>
+    <p:sldLayoutId id="2147483671" r:id="rId11"/>
   </p:sldLayoutIdLst>
   <p:txStyles>
     <p:titleStyle>
-      <a:lvl1pPr algn="ctr" defTabSz="914400" rtl="0" eaLnBrk="1" latinLnBrk="0" hangingPunct="1">
+      <a:lvl1pPr algn="l" defTabSz="685800" rtl="0" eaLnBrk="1" latinLnBrk="0" hangingPunct="1">
+        <a:lnSpc>
+          <a:spcPct val="90000"/>
+        </a:lnSpc>
         <a:spcBef>
           <a:spcPct val="0"/>
         </a:spcBef>
         <a:buNone/>
-        <a:defRPr sz="4400" kern="1200">
+        <a:defRPr sz="3200" b="0" i="0" kern="1200" cap="all">
           <a:solidFill>
             <a:schemeClr val="tx1"/>
           </a:solidFill>
+          <a:effectLst/>
           <a:latin typeface="+mj-lt"/>
           <a:ea typeface="+mj-ea"/>
           <a:cs typeface="+mj-cs"/>
@@ -2850,136 +3321,208 @@
       </a:lvl1pPr>
     </p:titleStyle>
     <p:bodyStyle>
-      <a:lvl1pPr marL="342900" indent="-342900" algn="l" defTabSz="914400" rtl="0" eaLnBrk="1" latinLnBrk="0" hangingPunct="1">
+      <a:lvl1pPr marL="228600" indent="-228600" algn="l" defTabSz="685800" rtl="0" eaLnBrk="1" latinLnBrk="0" hangingPunct="1">
+        <a:lnSpc>
+          <a:spcPct val="120000"/>
+        </a:lnSpc>
         <a:spcBef>
-          <a:spcPct val="20000"/>
+          <a:spcPts val="1000"/>
         </a:spcBef>
+        <a:buClr>
+          <a:schemeClr val="accent1"/>
+        </a:buClr>
+        <a:buSzPct val="100000"/>
         <a:buFont typeface="Arial" panose="020B0604020202020204" pitchFamily="34" charset="0"/>
         <a:buChar char="•"/>
-        <a:defRPr sz="3200" kern="1200">
+        <a:defRPr sz="2000" kern="1200" cap="none">
           <a:solidFill>
             <a:schemeClr val="tx1"/>
           </a:solidFill>
+          <a:effectLst/>
           <a:latin typeface="+mn-lt"/>
           <a:ea typeface="+mn-ea"/>
           <a:cs typeface="+mn-cs"/>
         </a:defRPr>
       </a:lvl1pPr>
-      <a:lvl2pPr marL="742950" indent="-285750" algn="l" defTabSz="914400" rtl="0" eaLnBrk="1" latinLnBrk="0" hangingPunct="1">
+      <a:lvl2pPr marL="685800" indent="-228600" algn="l" defTabSz="685800" rtl="0" eaLnBrk="1" latinLnBrk="0" hangingPunct="1">
+        <a:lnSpc>
+          <a:spcPct val="120000"/>
+        </a:lnSpc>
         <a:spcBef>
-          <a:spcPct val="20000"/>
+          <a:spcPts val="500"/>
         </a:spcBef>
+        <a:buClr>
+          <a:schemeClr val="accent1"/>
+        </a:buClr>
+        <a:buSzPct val="100000"/>
         <a:buFont typeface="Arial" panose="020B0604020202020204" pitchFamily="34" charset="0"/>
-        <a:buChar char="–"/>
-        <a:defRPr sz="2800" kern="1200">
+        <a:buChar char="•"/>
+        <a:defRPr sz="1600" kern="1200" cap="none" baseline="0">
           <a:solidFill>
             <a:schemeClr val="tx1"/>
           </a:solidFill>
+          <a:effectLst/>
           <a:latin typeface="+mn-lt"/>
           <a:ea typeface="+mn-ea"/>
           <a:cs typeface="+mn-cs"/>
         </a:defRPr>
       </a:lvl2pPr>
-      <a:lvl3pPr marL="1143000" indent="-228600" algn="l" defTabSz="914400" rtl="0" eaLnBrk="1" latinLnBrk="0" hangingPunct="1">
+      <a:lvl3pPr marL="1143000" indent="-228600" algn="l" defTabSz="685800" rtl="0" eaLnBrk="1" latinLnBrk="0" hangingPunct="1">
+        <a:lnSpc>
+          <a:spcPct val="120000"/>
+        </a:lnSpc>
         <a:spcBef>
-          <a:spcPct val="20000"/>
+          <a:spcPts val="500"/>
         </a:spcBef>
+        <a:buClr>
+          <a:schemeClr val="accent1"/>
+        </a:buClr>
+        <a:buSzPct val="100000"/>
         <a:buFont typeface="Arial" panose="020B0604020202020204" pitchFamily="34" charset="0"/>
         <a:buChar char="•"/>
-        <a:defRPr sz="2400" kern="1200">
+        <a:defRPr sz="1600" kern="1200" cap="none">
           <a:solidFill>
             <a:schemeClr val="tx1"/>
           </a:solidFill>
+          <a:effectLst/>
           <a:latin typeface="+mn-lt"/>
           <a:ea typeface="+mn-ea"/>
           <a:cs typeface="+mn-cs"/>
         </a:defRPr>
       </a:lvl3pPr>
-      <a:lvl4pPr marL="1600200" indent="-228600" algn="l" defTabSz="914400" rtl="0" eaLnBrk="1" latinLnBrk="0" hangingPunct="1">
+      <a:lvl4pPr marL="1600200" indent="-228600" algn="l" defTabSz="685800" rtl="0" eaLnBrk="1" latinLnBrk="0" hangingPunct="1">
+        <a:lnSpc>
+          <a:spcPct val="120000"/>
+        </a:lnSpc>
         <a:spcBef>
-          <a:spcPct val="20000"/>
+          <a:spcPts val="500"/>
         </a:spcBef>
+        <a:buClr>
+          <a:schemeClr val="accent1"/>
+        </a:buClr>
+        <a:buSzPct val="100000"/>
         <a:buFont typeface="Arial" panose="020B0604020202020204" pitchFamily="34" charset="0"/>
-        <a:buChar char="–"/>
-        <a:defRPr sz="2000" kern="1200">
+        <a:buChar char="•"/>
+        <a:defRPr sz="1400" kern="1200" cap="none" baseline="0">
           <a:solidFill>
             <a:schemeClr val="tx1"/>
           </a:solidFill>
+          <a:effectLst/>
           <a:latin typeface="+mn-lt"/>
           <a:ea typeface="+mn-ea"/>
           <a:cs typeface="+mn-cs"/>
         </a:defRPr>
       </a:lvl4pPr>
-      <a:lvl5pPr marL="2057400" indent="-228600" algn="l" defTabSz="914400" rtl="0" eaLnBrk="1" latinLnBrk="0" hangingPunct="1">
+      <a:lvl5pPr marL="2057400" indent="-228600" algn="l" defTabSz="685800" rtl="0" eaLnBrk="1" latinLnBrk="0" hangingPunct="1">
+        <a:lnSpc>
+          <a:spcPct val="120000"/>
+        </a:lnSpc>
         <a:spcBef>
-          <a:spcPct val="20000"/>
+          <a:spcPts val="500"/>
         </a:spcBef>
+        <a:buClr>
+          <a:schemeClr val="accent1"/>
+        </a:buClr>
+        <a:buSzPct val="100000"/>
         <a:buFont typeface="Arial" panose="020B0604020202020204" pitchFamily="34" charset="0"/>
-        <a:buChar char="»"/>
-        <a:defRPr sz="2000" kern="1200">
+        <a:buChar char="•"/>
+        <a:defRPr sz="1200" kern="1200" cap="none">
           <a:solidFill>
             <a:schemeClr val="tx1"/>
           </a:solidFill>
+          <a:effectLst/>
           <a:latin typeface="+mn-lt"/>
           <a:ea typeface="+mn-ea"/>
           <a:cs typeface="+mn-cs"/>
         </a:defRPr>
       </a:lvl5pPr>
       <a:lvl6pPr marL="2514600" indent="-228600" algn="l" defTabSz="914400" rtl="0" eaLnBrk="1" latinLnBrk="0" hangingPunct="1">
+        <a:lnSpc>
+          <a:spcPct val="120000"/>
+        </a:lnSpc>
         <a:spcBef>
-          <a:spcPct val="20000"/>
+          <a:spcPts val="500"/>
         </a:spcBef>
+        <a:buClr>
+          <a:schemeClr val="accent1"/>
+        </a:buClr>
+        <a:buSzPct val="100000"/>
         <a:buFont typeface="Arial" panose="020B0604020202020204" pitchFamily="34" charset="0"/>
         <a:buChar char="•"/>
-        <a:defRPr sz="2000" kern="1200">
+        <a:defRPr sz="1200" kern="1200">
           <a:solidFill>
             <a:schemeClr val="tx1"/>
           </a:solidFill>
+          <a:effectLst/>
           <a:latin typeface="+mn-lt"/>
           <a:ea typeface="+mn-ea"/>
           <a:cs typeface="+mn-cs"/>
         </a:defRPr>
       </a:lvl6pPr>
       <a:lvl7pPr marL="2971800" indent="-228600" algn="l" defTabSz="914400" rtl="0" eaLnBrk="1" latinLnBrk="0" hangingPunct="1">
+        <a:lnSpc>
+          <a:spcPct val="120000"/>
+        </a:lnSpc>
         <a:spcBef>
-          <a:spcPct val="20000"/>
+          <a:spcPts val="500"/>
         </a:spcBef>
+        <a:buClr>
+          <a:schemeClr val="accent1"/>
+        </a:buClr>
+        <a:buSzPct val="100000"/>
         <a:buFont typeface="Arial" panose="020B0604020202020204" pitchFamily="34" charset="0"/>
         <a:buChar char="•"/>
-        <a:defRPr sz="2000" kern="1200">
+        <a:defRPr sz="1200" kern="1200">
           <a:solidFill>
             <a:schemeClr val="tx1"/>
           </a:solidFill>
+          <a:effectLst/>
           <a:latin typeface="+mn-lt"/>
           <a:ea typeface="+mn-ea"/>
           <a:cs typeface="+mn-cs"/>
         </a:defRPr>
       </a:lvl7pPr>
       <a:lvl8pPr marL="3429000" indent="-228600" algn="l" defTabSz="914400" rtl="0" eaLnBrk="1" latinLnBrk="0" hangingPunct="1">
+        <a:lnSpc>
+          <a:spcPct val="120000"/>
+        </a:lnSpc>
         <a:spcBef>
-          <a:spcPct val="20000"/>
+          <a:spcPts val="500"/>
         </a:spcBef>
+        <a:buClr>
+          <a:schemeClr val="accent1"/>
+        </a:buClr>
+        <a:buSzPct val="100000"/>
         <a:buFont typeface="Arial" panose="020B0604020202020204" pitchFamily="34" charset="0"/>
         <a:buChar char="•"/>
-        <a:defRPr sz="2000" kern="1200">
+        <a:defRPr sz="1200" kern="1200" baseline="0">
           <a:solidFill>
             <a:schemeClr val="tx1"/>
           </a:solidFill>
+          <a:effectLst/>
           <a:latin typeface="+mn-lt"/>
           <a:ea typeface="+mn-ea"/>
           <a:cs typeface="+mn-cs"/>
         </a:defRPr>
       </a:lvl8pPr>
       <a:lvl9pPr marL="3886200" indent="-228600" algn="l" defTabSz="914400" rtl="0" eaLnBrk="1" latinLnBrk="0" hangingPunct="1">
+        <a:lnSpc>
+          <a:spcPct val="120000"/>
+        </a:lnSpc>
         <a:spcBef>
-          <a:spcPct val="20000"/>
+          <a:spcPts val="500"/>
         </a:spcBef>
+        <a:buClr>
+          <a:schemeClr val="accent1"/>
+        </a:buClr>
+        <a:buSzPct val="100000"/>
         <a:buFont typeface="Arial" panose="020B0604020202020204" pitchFamily="34" charset="0"/>
         <a:buChar char="•"/>
-        <a:defRPr sz="2000" kern="1200">
+        <a:defRPr sz="1200" kern="1200" baseline="0">
           <a:solidFill>
             <a:schemeClr val="tx1"/>
           </a:solidFill>
+          <a:effectLst/>
           <a:latin typeface="+mn-lt"/>
           <a:ea typeface="+mn-ea"/>
           <a:cs typeface="+mn-cs"/>
@@ -2990,8 +3533,8 @@
       <a:defPPr>
         <a:defRPr lang="en-US"/>
       </a:defPPr>
-      <a:lvl1pPr marL="0" algn="l" defTabSz="914400" rtl="0" eaLnBrk="1" latinLnBrk="0" hangingPunct="1">
-        <a:defRPr sz="1800" kern="1200">
+      <a:lvl1pPr marL="0" algn="l" defTabSz="685800" rtl="0" eaLnBrk="1" latinLnBrk="0" hangingPunct="1">
+        <a:defRPr sz="1350" kern="1200">
           <a:solidFill>
             <a:schemeClr val="tx1"/>
           </a:solidFill>
@@ -3000,8 +3543,8 @@
           <a:cs typeface="+mn-cs"/>
         </a:defRPr>
       </a:lvl1pPr>
-      <a:lvl2pPr marL="457200" algn="l" defTabSz="914400" rtl="0" eaLnBrk="1" latinLnBrk="0" hangingPunct="1">
-        <a:defRPr sz="1800" kern="1200">
+      <a:lvl2pPr marL="342900" algn="l" defTabSz="685800" rtl="0" eaLnBrk="1" latinLnBrk="0" hangingPunct="1">
+        <a:defRPr sz="1350" kern="1200">
           <a:solidFill>
             <a:schemeClr val="tx1"/>
           </a:solidFill>
@@ -3010,8 +3553,8 @@
           <a:cs typeface="+mn-cs"/>
         </a:defRPr>
       </a:lvl2pPr>
-      <a:lvl3pPr marL="914400" algn="l" defTabSz="914400" rtl="0" eaLnBrk="1" latinLnBrk="0" hangingPunct="1">
-        <a:defRPr sz="1800" kern="1200">
+      <a:lvl3pPr marL="685800" algn="l" defTabSz="685800" rtl="0" eaLnBrk="1" latinLnBrk="0" hangingPunct="1">
+        <a:defRPr sz="1350" kern="1200">
           <a:solidFill>
             <a:schemeClr val="tx1"/>
           </a:solidFill>
@@ -3020,8 +3563,8 @@
           <a:cs typeface="+mn-cs"/>
         </a:defRPr>
       </a:lvl3pPr>
-      <a:lvl4pPr marL="1371600" algn="l" defTabSz="914400" rtl="0" eaLnBrk="1" latinLnBrk="0" hangingPunct="1">
-        <a:defRPr sz="1800" kern="1200">
+      <a:lvl4pPr marL="1028700" algn="l" defTabSz="685800" rtl="0" eaLnBrk="1" latinLnBrk="0" hangingPunct="1">
+        <a:defRPr sz="1350" kern="1200">
           <a:solidFill>
             <a:schemeClr val="tx1"/>
           </a:solidFill>
@@ -3030,8 +3573,8 @@
           <a:cs typeface="+mn-cs"/>
         </a:defRPr>
       </a:lvl4pPr>
-      <a:lvl5pPr marL="1828800" algn="l" defTabSz="914400" rtl="0" eaLnBrk="1" latinLnBrk="0" hangingPunct="1">
-        <a:defRPr sz="1800" kern="1200">
+      <a:lvl5pPr marL="1371600" algn="l" defTabSz="685800" rtl="0" eaLnBrk="1" latinLnBrk="0" hangingPunct="1">
+        <a:defRPr sz="1350" kern="1200">
           <a:solidFill>
             <a:schemeClr val="tx1"/>
           </a:solidFill>
@@ -3040,8 +3583,8 @@
           <a:cs typeface="+mn-cs"/>
         </a:defRPr>
       </a:lvl5pPr>
-      <a:lvl6pPr marL="2286000" algn="l" defTabSz="914400" rtl="0" eaLnBrk="1" latinLnBrk="0" hangingPunct="1">
-        <a:defRPr sz="1800" kern="1200">
+      <a:lvl6pPr marL="1714500" algn="l" defTabSz="685800" rtl="0" eaLnBrk="1" latinLnBrk="0" hangingPunct="1">
+        <a:defRPr sz="1350" kern="1200">
           <a:solidFill>
             <a:schemeClr val="tx1"/>
           </a:solidFill>
@@ -3050,8 +3593,8 @@
           <a:cs typeface="+mn-cs"/>
         </a:defRPr>
       </a:lvl6pPr>
-      <a:lvl7pPr marL="2743200" algn="l" defTabSz="914400" rtl="0" eaLnBrk="1" latinLnBrk="0" hangingPunct="1">
-        <a:defRPr sz="1800" kern="1200">
+      <a:lvl7pPr marL="2057400" algn="l" defTabSz="685800" rtl="0" eaLnBrk="1" latinLnBrk="0" hangingPunct="1">
+        <a:defRPr sz="1350" kern="1200">
           <a:solidFill>
             <a:schemeClr val="tx1"/>
           </a:solidFill>
@@ -3060,8 +3603,8 @@
           <a:cs typeface="+mn-cs"/>
         </a:defRPr>
       </a:lvl7pPr>
-      <a:lvl8pPr marL="3200400" algn="l" defTabSz="914400" rtl="0" eaLnBrk="1" latinLnBrk="0" hangingPunct="1">
-        <a:defRPr sz="1800" kern="1200">
+      <a:lvl8pPr marL="2400300" algn="l" defTabSz="685800" rtl="0" eaLnBrk="1" latinLnBrk="0" hangingPunct="1">
+        <a:defRPr sz="1350" kern="1200">
           <a:solidFill>
             <a:schemeClr val="tx1"/>
           </a:solidFill>
@@ -3070,8 +3613,8 @@
           <a:cs typeface="+mn-cs"/>
         </a:defRPr>
       </a:lvl8pPr>
-      <a:lvl9pPr marL="3657600" algn="l" defTabSz="914400" rtl="0" eaLnBrk="1" latinLnBrk="0" hangingPunct="1">
-        <a:defRPr sz="1800" kern="1200">
+      <a:lvl9pPr marL="2743200" algn="l" defTabSz="685800" rtl="0" eaLnBrk="1" latinLnBrk="0" hangingPunct="1">
+        <a:defRPr sz="1350" kern="1200">
           <a:solidFill>
             <a:schemeClr val="tx1"/>
           </a:solidFill>
@@ -3118,10 +3661,9 @@
           <a:lstStyle/>
           <a:p>
             <a:r>
-              <a:rPr lang="en-CA" dirty="0" smtClean="0"/>
+              <a:rPr lang="en-CA" dirty="0"/>
               <a:t>Programmer avec Scratch</a:t>
             </a:r>
-            <a:endParaRPr lang="en-CA" dirty="0"/>
           </a:p>
         </p:txBody>
       </p:sp>
@@ -3143,16 +3685,16 @@
         </p:spPr>
         <p:txBody>
           <a:bodyPr>
-            <a:normAutofit lnSpcReduction="10000"/>
+            <a:normAutofit/>
           </a:bodyPr>
           <a:lstStyle/>
           <a:p>
             <a:r>
-              <a:rPr lang="en-CA" dirty="0" smtClean="0"/>
+              <a:rPr lang="en-CA" dirty="0"/>
               <a:t>Par Joel </a:t>
             </a:r>
             <a:r>
-              <a:rPr lang="en-CA" dirty="0" err="1" smtClean="0"/>
+              <a:rPr lang="en-CA" dirty="0" err="1"/>
               <a:t>Sandé</a:t>
             </a:r>
             <a:endParaRPr lang="en-CA" dirty="0"/>
@@ -3169,13 +3711,6 @@
   <p:clrMapOvr>
     <a:masterClrMapping/>
   </p:clrMapOvr>
-  <p:timing>
-    <p:tnLst>
-      <p:par>
-        <p:cTn id="1" dur="indefinite" restart="never" nodeType="tmRoot"/>
-      </p:par>
-    </p:tnLst>
-  </p:timing>
 </p:sld>
 </file>
 
@@ -3212,10 +3747,9 @@
           <a:lstStyle/>
           <a:p>
             <a:r>
-              <a:rPr lang="en-CA" dirty="0" smtClean="0"/>
+              <a:rPr lang="en-CA" dirty="0"/>
               <a:t>Semaine 2</a:t>
             </a:r>
-            <a:endParaRPr lang="en-CA" dirty="0"/>
           </a:p>
         </p:txBody>
       </p:sp>
@@ -3237,231 +3771,217 @@
         </p:spPr>
         <p:txBody>
           <a:bodyPr>
-            <a:normAutofit lnSpcReduction="10000"/>
+            <a:normAutofit/>
           </a:bodyPr>
           <a:lstStyle/>
           <a:p>
             <a:r>
-              <a:rPr lang="en-CA" dirty="0" err="1" smtClean="0"/>
+              <a:rPr lang="en-CA" dirty="0" err="1"/>
               <a:t>Scénario</a:t>
             </a:r>
             <a:r>
-              <a:rPr lang="en-CA" dirty="0" smtClean="0"/>
+              <a:rPr lang="en-CA" dirty="0"/>
               <a:t> (</a:t>
             </a:r>
             <a:r>
-              <a:rPr lang="en-CA" dirty="0" err="1" smtClean="0"/>
+              <a:rPr lang="en-CA" dirty="0" err="1"/>
               <a:t>développer</a:t>
             </a:r>
             <a:r>
-              <a:rPr lang="en-CA" dirty="0" smtClean="0"/>
+              <a:rPr lang="en-CA" dirty="0"/>
               <a:t> </a:t>
             </a:r>
             <a:r>
-              <a:rPr lang="en-CA" dirty="0" err="1" smtClean="0"/>
+              <a:rPr lang="en-CA" dirty="0" err="1"/>
               <a:t>votre</a:t>
             </a:r>
             <a:r>
-              <a:rPr lang="en-CA" dirty="0" smtClean="0"/>
+              <a:rPr lang="en-CA" dirty="0"/>
               <a:t> </a:t>
             </a:r>
             <a:r>
-              <a:rPr lang="en-CA" dirty="0" err="1" smtClean="0"/>
+              <a:rPr lang="en-CA" dirty="0" err="1"/>
               <a:t>sens</a:t>
             </a:r>
             <a:r>
-              <a:rPr lang="en-CA" dirty="0" smtClean="0"/>
+              <a:rPr lang="en-CA" dirty="0"/>
               <a:t> de </a:t>
             </a:r>
             <a:r>
-              <a:rPr lang="en-CA" dirty="0" err="1" smtClean="0"/>
+              <a:rPr lang="en-CA" dirty="0" err="1"/>
               <a:t>l’imagination</a:t>
             </a:r>
             <a:r>
-              <a:rPr lang="en-CA" dirty="0" smtClean="0"/>
-              <a:t>, et de la synchronisation</a:t>
-            </a:r>
-            <a:r>
-              <a:rPr lang="en-CA" dirty="0" smtClean="0"/>
+              <a:rPr lang="en-CA" dirty="0"/>
+              <a:t>, et de la synchronisation).</a:t>
+            </a:r>
+          </a:p>
+          <a:p>
+            <a:r>
+              <a:rPr lang="en-CA" dirty="0"/>
+              <a:t>Atelier (5 </a:t>
+            </a:r>
+            <a:r>
+              <a:rPr lang="en-CA" dirty="0" err="1"/>
+              <a:t>Exercices</a:t>
+            </a:r>
+            <a:r>
+              <a:rPr lang="en-CA" dirty="0"/>
+              <a:t>)</a:t>
+            </a:r>
+          </a:p>
+          <a:p>
+            <a:pPr lvl="1"/>
+            <a:r>
+              <a:rPr lang="en-CA" dirty="0" err="1"/>
+              <a:t>Créer</a:t>
+            </a:r>
+            <a:r>
+              <a:rPr lang="en-CA" dirty="0"/>
+              <a:t> 2 </a:t>
+            </a:r>
+            <a:r>
+              <a:rPr lang="en-CA" dirty="0" err="1"/>
+              <a:t>scénarios</a:t>
+            </a:r>
+            <a:endParaRPr lang="en-CA" dirty="0"/>
+          </a:p>
+          <a:p>
+            <a:pPr lvl="1"/>
+            <a:r>
+              <a:rPr lang="en-CA" dirty="0"/>
+              <a:t>Pong Stater</a:t>
+            </a:r>
+          </a:p>
+          <a:p>
+            <a:pPr lvl="1"/>
+            <a:r>
+              <a:rPr lang="en-CA" dirty="0"/>
+              <a:t>Flappy Bird 1 et 2 (</a:t>
+            </a:r>
+            <a:r>
+              <a:rPr lang="en-CA" dirty="0" err="1"/>
+              <a:t>utiliser</a:t>
+            </a:r>
+            <a:r>
+              <a:rPr lang="en-CA" dirty="0"/>
+              <a:t> </a:t>
+            </a:r>
+            <a:r>
+              <a:rPr lang="en-CA" dirty="0" err="1"/>
+              <a:t>ou</a:t>
+            </a:r>
+            <a:r>
+              <a:rPr lang="en-CA" dirty="0"/>
+              <a:t> importer , </a:t>
+            </a:r>
+            <a:r>
+              <a:rPr lang="en-CA" dirty="0" err="1"/>
+              <a:t>dessiner</a:t>
+            </a:r>
+            <a:r>
+              <a:rPr lang="en-CA" dirty="0"/>
+              <a:t> </a:t>
+            </a:r>
+            <a:r>
+              <a:rPr lang="en-CA" dirty="0" err="1"/>
+              <a:t>vos</a:t>
+            </a:r>
+            <a:r>
+              <a:rPr lang="en-CA" dirty="0"/>
+              <a:t> </a:t>
+            </a:r>
+            <a:r>
+              <a:rPr lang="en-CA" dirty="0" err="1"/>
+              <a:t>lutins</a:t>
+            </a:r>
+            <a:r>
+              <a:rPr lang="en-CA" dirty="0"/>
+              <a:t>)</a:t>
+            </a:r>
+          </a:p>
+          <a:p>
+            <a:pPr lvl="1"/>
+            <a:r>
+              <a:rPr lang="en-CA" dirty="0" err="1"/>
+              <a:t>Peut-etre</a:t>
+            </a:r>
+            <a:r>
+              <a:rPr lang="en-CA" dirty="0"/>
+              <a:t> </a:t>
+            </a:r>
+            <a:r>
+              <a:rPr lang="en-CA" dirty="0" err="1"/>
+              <a:t>entamer</a:t>
+            </a:r>
+            <a:r>
+              <a:rPr lang="en-CA" dirty="0"/>
+              <a:t>  </a:t>
+            </a:r>
+            <a:r>
+              <a:rPr lang="en-CA" dirty="0" err="1"/>
+              <a:t>Formule</a:t>
+            </a:r>
+            <a:r>
+              <a:rPr lang="en-CA" dirty="0"/>
+              <a:t> 1 (</a:t>
+            </a:r>
+            <a:r>
+              <a:rPr lang="en-CA" dirty="0" err="1"/>
+              <a:t>utiliser</a:t>
+            </a:r>
+            <a:r>
+              <a:rPr lang="en-CA" dirty="0"/>
+              <a:t> </a:t>
+            </a:r>
+            <a:r>
+              <a:rPr lang="en-CA" dirty="0" err="1"/>
+              <a:t>ou</a:t>
+            </a:r>
+            <a:r>
+              <a:rPr lang="en-CA" dirty="0"/>
+              <a:t> importer , </a:t>
+            </a:r>
+            <a:r>
+              <a:rPr lang="en-CA" dirty="0" err="1"/>
+              <a:t>dessiner</a:t>
+            </a:r>
+            <a:r>
+              <a:rPr lang="en-CA" dirty="0"/>
+              <a:t> </a:t>
+            </a:r>
+            <a:r>
+              <a:rPr lang="en-CA" dirty="0" err="1"/>
+              <a:t>vos</a:t>
+            </a:r>
+            <a:r>
+              <a:rPr lang="en-CA" dirty="0"/>
+              <a:t> </a:t>
+            </a:r>
+            <a:r>
+              <a:rPr lang="en-CA" dirty="0" err="1"/>
+              <a:t>lutins</a:t>
+            </a:r>
+            <a:r>
+              <a:rPr lang="en-CA" dirty="0"/>
+              <a:t>, augmenter le </a:t>
+            </a:r>
+            <a:r>
+              <a:rPr lang="en-CA" dirty="0" err="1"/>
+              <a:t>niveau</a:t>
+            </a:r>
+            <a:r>
+              <a:rPr lang="en-CA" dirty="0"/>
+              <a:t> de </a:t>
+            </a:r>
+            <a:r>
+              <a:rPr lang="en-CA" dirty="0" err="1"/>
+              <a:t>difficulté</a:t>
+            </a:r>
+            <a:r>
+              <a:rPr lang="en-CA" dirty="0"/>
               <a:t>).</a:t>
             </a:r>
-            <a:endParaRPr lang="en-CA" dirty="0" smtClean="0"/>
-          </a:p>
-          <a:p>
-            <a:r>
-              <a:rPr lang="en-CA" dirty="0" smtClean="0"/>
-              <a:t>Atelier (5 </a:t>
-            </a:r>
-            <a:r>
-              <a:rPr lang="en-CA" dirty="0" err="1" smtClean="0"/>
-              <a:t>Exercices</a:t>
-            </a:r>
-            <a:r>
-              <a:rPr lang="en-CA" dirty="0" smtClean="0"/>
-              <a:t>)</a:t>
-            </a:r>
-          </a:p>
-          <a:p>
-            <a:pPr lvl="1"/>
-            <a:r>
-              <a:rPr lang="en-CA" dirty="0" err="1" smtClean="0"/>
-              <a:t>Créer</a:t>
-            </a:r>
-            <a:r>
-              <a:rPr lang="en-CA" dirty="0" smtClean="0"/>
-              <a:t> 2 </a:t>
-            </a:r>
-            <a:r>
-              <a:rPr lang="en-CA" dirty="0" err="1" smtClean="0"/>
-              <a:t>scénarios</a:t>
-            </a:r>
-            <a:endParaRPr lang="en-CA" dirty="0" smtClean="0"/>
-          </a:p>
-          <a:p>
-            <a:pPr lvl="1"/>
-            <a:r>
-              <a:rPr lang="en-CA" dirty="0" smtClean="0"/>
-              <a:t>Pong Stater</a:t>
-            </a:r>
-          </a:p>
-          <a:p>
-            <a:pPr lvl="1"/>
-            <a:r>
-              <a:rPr lang="en-CA" dirty="0" smtClean="0"/>
-              <a:t>Flappy </a:t>
-            </a:r>
-            <a:r>
-              <a:rPr lang="en-CA" dirty="0" smtClean="0"/>
-              <a:t>Bird 1 et 2 (</a:t>
-            </a:r>
-            <a:r>
-              <a:rPr lang="en-CA" dirty="0" err="1" smtClean="0"/>
-              <a:t>utiliser</a:t>
-            </a:r>
-            <a:r>
-              <a:rPr lang="en-CA" dirty="0" smtClean="0"/>
-              <a:t> </a:t>
-            </a:r>
-            <a:r>
-              <a:rPr lang="en-CA" dirty="0" err="1" smtClean="0"/>
-              <a:t>ou</a:t>
-            </a:r>
-            <a:r>
-              <a:rPr lang="en-CA" dirty="0" smtClean="0"/>
-              <a:t> importer , </a:t>
-            </a:r>
-            <a:r>
-              <a:rPr lang="en-CA" dirty="0" err="1" smtClean="0"/>
-              <a:t>dessiner</a:t>
-            </a:r>
-            <a:r>
-              <a:rPr lang="en-CA" dirty="0" smtClean="0"/>
-              <a:t> </a:t>
-            </a:r>
-            <a:r>
-              <a:rPr lang="en-CA" dirty="0" err="1" smtClean="0"/>
-              <a:t>vos</a:t>
-            </a:r>
-            <a:r>
-              <a:rPr lang="en-CA" dirty="0" smtClean="0"/>
-              <a:t> </a:t>
-            </a:r>
-            <a:r>
-              <a:rPr lang="en-CA" dirty="0" err="1" smtClean="0"/>
-              <a:t>lutins</a:t>
-            </a:r>
-            <a:r>
-              <a:rPr lang="en-CA" dirty="0" smtClean="0"/>
-              <a:t>)</a:t>
-            </a:r>
-          </a:p>
-          <a:p>
-            <a:pPr lvl="1"/>
-            <a:r>
-              <a:rPr lang="en-CA" dirty="0" err="1" smtClean="0"/>
-              <a:t>Peut-etre</a:t>
-            </a:r>
-            <a:r>
-              <a:rPr lang="en-CA" dirty="0" smtClean="0"/>
-              <a:t> </a:t>
-            </a:r>
-            <a:r>
-              <a:rPr lang="en-CA" dirty="0" err="1" smtClean="0"/>
-              <a:t>entamer</a:t>
-            </a:r>
-            <a:r>
-              <a:rPr lang="en-CA" dirty="0" smtClean="0"/>
-              <a:t>  </a:t>
-            </a:r>
-            <a:r>
-              <a:rPr lang="en-CA" dirty="0" err="1" smtClean="0"/>
-              <a:t>Formule</a:t>
-            </a:r>
-            <a:r>
-              <a:rPr lang="en-CA" dirty="0" smtClean="0"/>
-              <a:t> 1 </a:t>
-            </a:r>
-            <a:r>
-              <a:rPr lang="en-CA" dirty="0"/>
-              <a:t>(</a:t>
-            </a:r>
-            <a:r>
-              <a:rPr lang="en-CA" dirty="0" err="1"/>
-              <a:t>utiliser</a:t>
-            </a:r>
-            <a:r>
-              <a:rPr lang="en-CA" dirty="0"/>
-              <a:t> </a:t>
-            </a:r>
-            <a:r>
-              <a:rPr lang="en-CA" dirty="0" err="1"/>
-              <a:t>ou</a:t>
-            </a:r>
-            <a:r>
-              <a:rPr lang="en-CA" dirty="0"/>
-              <a:t> importer , </a:t>
-            </a:r>
-            <a:r>
-              <a:rPr lang="en-CA" dirty="0" err="1"/>
-              <a:t>dessiner</a:t>
-            </a:r>
-            <a:r>
-              <a:rPr lang="en-CA" dirty="0"/>
-              <a:t> </a:t>
-            </a:r>
-            <a:r>
-              <a:rPr lang="en-CA" dirty="0" err="1"/>
-              <a:t>vos</a:t>
-            </a:r>
-            <a:r>
-              <a:rPr lang="en-CA" dirty="0"/>
-              <a:t> </a:t>
-            </a:r>
-            <a:r>
-              <a:rPr lang="en-CA" dirty="0" err="1" smtClean="0"/>
-              <a:t>lutins</a:t>
-            </a:r>
-            <a:r>
-              <a:rPr lang="en-CA" dirty="0" smtClean="0"/>
-              <a:t>, augmenter le </a:t>
-            </a:r>
-            <a:r>
-              <a:rPr lang="en-CA" dirty="0" err="1" smtClean="0"/>
-              <a:t>niveau</a:t>
-            </a:r>
-            <a:r>
-              <a:rPr lang="en-CA" dirty="0" smtClean="0"/>
-              <a:t> de </a:t>
-            </a:r>
-            <a:r>
-              <a:rPr lang="en-CA" dirty="0" err="1" smtClean="0"/>
-              <a:t>difficulté</a:t>
-            </a:r>
-            <a:r>
-              <a:rPr lang="en-CA" dirty="0" smtClean="0"/>
-              <a:t>).</a:t>
-            </a:r>
-            <a:endParaRPr lang="en-CA" dirty="0" smtClean="0"/>
           </a:p>
           <a:p>
             <a:pPr lvl="1"/>
@@ -3479,13 +3999,6 @@
   <p:clrMapOvr>
     <a:masterClrMapping/>
   </p:clrMapOvr>
-  <p:timing>
-    <p:tnLst>
-      <p:par>
-        <p:cTn id="1" dur="indefinite" restart="never" nodeType="tmRoot"/>
-      </p:par>
-    </p:tnLst>
-  </p:timing>
 </p:sld>
 </file>
 
@@ -3527,15 +4040,15 @@
           <a:lstStyle/>
           <a:p>
             <a:r>
-              <a:rPr lang="en-CA" dirty="0" err="1" smtClean="0"/>
+              <a:rPr lang="en-CA" dirty="0" err="1"/>
               <a:t>Déroulement</a:t>
             </a:r>
             <a:r>
-              <a:rPr lang="en-CA" dirty="0" smtClean="0"/>
+              <a:rPr lang="en-CA" dirty="0"/>
               <a:t> de </a:t>
             </a:r>
             <a:r>
-              <a:rPr lang="en-CA" dirty="0" err="1" smtClean="0"/>
+              <a:rPr lang="en-CA" dirty="0" err="1"/>
               <a:t>l’atelier</a:t>
             </a:r>
             <a:endParaRPr lang="en-CA" dirty="0"/>
@@ -3560,12 +4073,12 @@
         </p:spPr>
         <p:txBody>
           <a:bodyPr>
-            <a:normAutofit fontScale="92500" lnSpcReduction="10000"/>
+            <a:normAutofit/>
           </a:bodyPr>
           <a:lstStyle/>
           <a:p>
             <a:r>
-              <a:rPr lang="en-CA" dirty="0" smtClean="0">
+              <a:rPr lang="en-CA" dirty="0">
                 <a:solidFill>
                   <a:srgbClr val="0070C0"/>
                 </a:solidFill>
@@ -3573,37 +4086,37 @@
               <a:t>1) Algorithme : </a:t>
             </a:r>
             <a:r>
-              <a:rPr lang="en-CA" dirty="0" smtClean="0"/>
+              <a:rPr lang="en-CA" dirty="0"/>
               <a:t>On </a:t>
             </a:r>
             <a:r>
-              <a:rPr lang="en-CA" dirty="0" err="1" smtClean="0"/>
+              <a:rPr lang="en-CA" dirty="0" err="1"/>
               <a:t>réfléchit</a:t>
             </a:r>
             <a:r>
-              <a:rPr lang="en-CA" dirty="0" smtClean="0"/>
+              <a:rPr lang="en-CA" dirty="0"/>
               <a:t> ensemble pour </a:t>
             </a:r>
             <a:r>
-              <a:rPr lang="en-CA" dirty="0" err="1" smtClean="0"/>
+              <a:rPr lang="en-CA" dirty="0" err="1"/>
               <a:t>comprendre</a:t>
             </a:r>
             <a:r>
-              <a:rPr lang="en-CA" dirty="0" smtClean="0"/>
+              <a:rPr lang="en-CA" dirty="0"/>
               <a:t> le </a:t>
             </a:r>
             <a:r>
-              <a:rPr lang="en-CA" dirty="0" err="1" smtClean="0"/>
+              <a:rPr lang="en-CA" dirty="0" err="1"/>
               <a:t>défit</a:t>
             </a:r>
             <a:r>
-              <a:rPr lang="en-CA" dirty="0" smtClean="0"/>
+              <a:rPr lang="en-CA" dirty="0"/>
               <a:t>.</a:t>
             </a:r>
           </a:p>
           <a:p>
             <a:r>
-              <a:rPr lang="en-CA" dirty="0" smtClean="0">
+              <a:rPr lang="en-CA" dirty="0">
                 <a:solidFill>
                   <a:srgbClr val="0070C0"/>
                 </a:solidFill>
@@ -3611,7 +4124,7 @@
               <a:t>2) </a:t>
             </a:r>
             <a:r>
-              <a:rPr lang="en-CA" dirty="0" err="1" smtClean="0">
+              <a:rPr lang="en-CA" dirty="0" err="1">
                 <a:solidFill>
                   <a:srgbClr val="0070C0"/>
                 </a:solidFill>
@@ -3619,7 +4132,7 @@
               <a:t>Réflexion</a:t>
             </a:r>
             <a:r>
-              <a:rPr lang="en-CA" dirty="0" smtClean="0">
+              <a:rPr lang="en-CA" dirty="0">
                 <a:solidFill>
                   <a:srgbClr val="0070C0"/>
                 </a:solidFill>
@@ -3627,73 +4140,69 @@
               <a:t> solo : </a:t>
             </a:r>
             <a:r>
-              <a:rPr lang="en-CA" dirty="0" smtClean="0"/>
+              <a:rPr lang="en-CA" dirty="0"/>
               <a:t>Je vous laisse </a:t>
             </a:r>
             <a:r>
               <a:rPr lang="en-CA" dirty="0" err="1"/>
-              <a:t>p</a:t>
-            </a:r>
-            <a:r>
-              <a:rPr lang="en-CA" dirty="0" err="1" smtClean="0"/>
-              <a:t>enser</a:t>
-            </a:r>
-            <a:r>
-              <a:rPr lang="en-CA" dirty="0" smtClean="0"/>
+              <a:t>penser</a:t>
+            </a:r>
+            <a:r>
+              <a:rPr lang="en-CA" dirty="0"/>
               <a:t> 15-20 minutes </a:t>
             </a:r>
             <a:r>
-              <a:rPr lang="en-CA" dirty="0" err="1" smtClean="0"/>
+              <a:rPr lang="en-CA" dirty="0" err="1"/>
               <a:t>en</a:t>
             </a:r>
             <a:r>
-              <a:rPr lang="en-CA" dirty="0" smtClean="0"/>
+              <a:rPr lang="en-CA" dirty="0"/>
               <a:t> </a:t>
             </a:r>
             <a:r>
-              <a:rPr lang="en-CA" dirty="0" err="1" smtClean="0"/>
+              <a:rPr lang="en-CA" dirty="0" err="1"/>
               <a:t>affichant</a:t>
             </a:r>
             <a:r>
-              <a:rPr lang="en-CA" dirty="0" smtClean="0"/>
+              <a:rPr lang="en-CA" dirty="0"/>
               <a:t> mon code à </a:t>
             </a:r>
             <a:r>
-              <a:rPr lang="en-CA" dirty="0" err="1" smtClean="0"/>
+              <a:rPr lang="en-CA" dirty="0" err="1"/>
               <a:t>l’écran</a:t>
             </a:r>
             <a:r>
-              <a:rPr lang="en-CA" dirty="0" smtClean="0"/>
+              <a:rPr lang="en-CA" dirty="0"/>
               <a:t>. Je </a:t>
             </a:r>
             <a:r>
-              <a:rPr lang="en-CA" dirty="0" err="1" smtClean="0"/>
+              <a:rPr lang="en-CA" dirty="0" err="1"/>
               <a:t>passe</a:t>
             </a:r>
             <a:r>
-              <a:rPr lang="en-CA" dirty="0" smtClean="0"/>
+              <a:rPr lang="en-CA" dirty="0"/>
               <a:t> </a:t>
             </a:r>
             <a:r>
-              <a:rPr lang="en-CA" dirty="0" err="1" smtClean="0"/>
+              <a:rPr lang="en-CA" dirty="0" err="1"/>
               <a:t>voir</a:t>
             </a:r>
             <a:r>
-              <a:rPr lang="en-CA" dirty="0" smtClean="0"/>
+              <a:rPr lang="en-CA" dirty="0"/>
               <a:t> </a:t>
             </a:r>
             <a:r>
-              <a:rPr lang="en-CA" dirty="0" err="1" smtClean="0"/>
+              <a:rPr lang="en-CA" dirty="0" err="1"/>
               <a:t>chacun</a:t>
             </a:r>
             <a:r>
-              <a:rPr lang="en-CA" dirty="0" smtClean="0"/>
+              <a:rPr lang="en-CA" dirty="0"/>
               <a:t> entre vous.</a:t>
             </a:r>
           </a:p>
           <a:p>
             <a:r>
-              <a:rPr lang="en-CA" dirty="0" smtClean="0">
+              <a:rPr lang="en-CA" dirty="0">
                 <a:solidFill>
                   <a:srgbClr val="0070C0"/>
                 </a:solidFill>
@@ -3701,7 +4210,7 @@
               <a:t>3) On </a:t>
             </a:r>
             <a:r>
-              <a:rPr lang="en-CA" dirty="0" err="1" smtClean="0">
+              <a:rPr lang="en-CA" dirty="0" err="1">
                 <a:solidFill>
                   <a:srgbClr val="0070C0"/>
                 </a:solidFill>
@@ -3709,7 +4218,7 @@
               <a:t>corrige</a:t>
             </a:r>
             <a:r>
-              <a:rPr lang="en-CA" dirty="0" smtClean="0">
+              <a:rPr lang="en-CA" dirty="0">
                 <a:solidFill>
                   <a:srgbClr val="0070C0"/>
                 </a:solidFill>
@@ -3717,39 +4226,34 @@
               <a:t> ensemble</a:t>
             </a:r>
             <a:r>
-              <a:rPr lang="en-CA" dirty="0" smtClean="0"/>
+              <a:rPr lang="en-CA" dirty="0"/>
               <a:t>.</a:t>
             </a:r>
           </a:p>
           <a:p>
-            <a:endParaRPr lang="en-CA" dirty="0" smtClean="0"/>
-          </a:p>
-          <a:p>
-            <a:r>
-              <a:rPr lang="en-CA" dirty="0"/>
-              <a:t> O</a:t>
-            </a:r>
-            <a:r>
-              <a:rPr lang="en-CA" dirty="0" smtClean="0"/>
-              <a:t>n </a:t>
-            </a:r>
-            <a:r>
-              <a:rPr lang="en-CA" dirty="0" err="1" smtClean="0"/>
+            <a:endParaRPr lang="en-CA" dirty="0"/>
+          </a:p>
+          <a:p>
+            <a:r>
+              <a:rPr lang="en-CA" dirty="0"/>
+              <a:t> On </a:t>
+            </a:r>
+            <a:r>
+              <a:rPr lang="en-CA" dirty="0" err="1"/>
               <a:t>passe</a:t>
             </a:r>
             <a:r>
-              <a:rPr lang="en-CA" dirty="0" smtClean="0"/>
+              <a:rPr lang="en-CA" dirty="0"/>
               <a:t> au </a:t>
             </a:r>
             <a:r>
-              <a:rPr lang="en-CA" dirty="0" err="1" smtClean="0"/>
+              <a:rPr lang="en-CA" dirty="0" err="1"/>
               <a:t>suivant</a:t>
             </a:r>
             <a:r>
-              <a:rPr lang="en-CA" dirty="0" smtClean="0"/>
+              <a:rPr lang="en-CA" dirty="0"/>
               <a:t>.</a:t>
             </a:r>
-            <a:endParaRPr lang="en-CA" dirty="0"/>
           </a:p>
         </p:txBody>
       </p:sp>
@@ -3763,13 +4267,6 @@
   <p:clrMapOvr>
     <a:masterClrMapping/>
   </p:clrMapOvr>
-  <p:timing>
-    <p:tnLst>
-      <p:par>
-        <p:cTn id="1" dur="indefinite" restart="never" nodeType="tmRoot"/>
-      </p:par>
-    </p:tnLst>
-  </p:timing>
 </p:sld>
 </file>
 
@@ -3806,11 +4303,11 @@
           <a:lstStyle/>
           <a:p>
             <a:r>
-              <a:rPr lang="en-CA" dirty="0" smtClean="0"/>
+              <a:rPr lang="en-CA" dirty="0"/>
               <a:t>Creation de 2 </a:t>
             </a:r>
             <a:r>
-              <a:rPr lang="en-CA" dirty="0" err="1" smtClean="0"/>
+              <a:rPr lang="en-CA" dirty="0" err="1"/>
               <a:t>Scénarios</a:t>
             </a:r>
             <a:endParaRPr lang="en-CA" dirty="0"/>
@@ -3838,7 +4335,7 @@
           <a:lstStyle/>
           <a:p>
             <a:r>
-              <a:rPr lang="en-CA" dirty="0" smtClean="0"/>
+              <a:rPr lang="en-CA" dirty="0"/>
               <a:t>Abby et Mori :</a:t>
             </a:r>
           </a:p>
@@ -3847,138 +4344,137 @@
               <a:buNone/>
             </a:pPr>
             <a:r>
-              <a:rPr lang="en-CA" dirty="0" smtClean="0"/>
+              <a:rPr lang="en-CA" dirty="0"/>
               <a:t>Ce </a:t>
             </a:r>
             <a:r>
-              <a:rPr lang="en-CA" dirty="0" err="1" smtClean="0"/>
+              <a:rPr lang="en-CA" dirty="0" err="1"/>
               <a:t>sont</a:t>
             </a:r>
             <a:r>
-              <a:rPr lang="en-CA" dirty="0" smtClean="0"/>
+              <a:rPr lang="en-CA" dirty="0"/>
               <a:t> 2 </a:t>
             </a:r>
             <a:r>
-              <a:rPr lang="en-CA" dirty="0" err="1" smtClean="0"/>
+              <a:rPr lang="en-CA" dirty="0" err="1"/>
               <a:t>amis</a:t>
             </a:r>
             <a:r>
-              <a:rPr lang="en-CA" dirty="0" smtClean="0"/>
+              <a:rPr lang="en-CA" dirty="0"/>
               <a:t> qui </a:t>
             </a:r>
             <a:r>
-              <a:rPr lang="en-CA" dirty="0" err="1" smtClean="0"/>
+              <a:rPr lang="en-CA" dirty="0" err="1"/>
               <a:t>visitent</a:t>
             </a:r>
             <a:r>
-              <a:rPr lang="en-CA" dirty="0" smtClean="0"/>
+              <a:rPr lang="en-CA" dirty="0"/>
               <a:t> les </a:t>
             </a:r>
             <a:r>
-              <a:rPr lang="en-CA" dirty="0" err="1" smtClean="0"/>
+              <a:rPr lang="en-CA" dirty="0" err="1"/>
               <a:t>chambres</a:t>
             </a:r>
             <a:r>
-              <a:rPr lang="en-CA" dirty="0" smtClean="0"/>
+              <a:rPr lang="en-CA" dirty="0"/>
               <a:t> </a:t>
             </a:r>
             <a:r>
-              <a:rPr lang="en-CA" dirty="0" err="1" smtClean="0"/>
+              <a:rPr lang="en-CA" dirty="0" err="1"/>
               <a:t>l’un</a:t>
             </a:r>
             <a:r>
-              <a:rPr lang="en-CA" dirty="0" smtClean="0"/>
+              <a:rPr lang="en-CA" dirty="0"/>
               <a:t> de </a:t>
             </a:r>
             <a:r>
-              <a:rPr lang="en-CA" dirty="0" err="1" smtClean="0"/>
+              <a:rPr lang="en-CA" dirty="0" err="1"/>
               <a:t>l’autre</a:t>
             </a:r>
             <a:r>
-              <a:rPr lang="en-CA" dirty="0" smtClean="0"/>
+              <a:rPr lang="en-CA" dirty="0"/>
               <a:t>. </a:t>
             </a:r>
             <a:r>
-              <a:rPr lang="en-CA" dirty="0" err="1" smtClean="0"/>
+              <a:rPr lang="en-CA" dirty="0" err="1"/>
               <a:t>L’un</a:t>
             </a:r>
             <a:r>
-              <a:rPr lang="en-CA" dirty="0" smtClean="0"/>
+              <a:rPr lang="en-CA" dirty="0"/>
               <a:t> </a:t>
             </a:r>
             <a:r>
-              <a:rPr lang="en-CA" dirty="0" err="1" smtClean="0"/>
+              <a:rPr lang="en-CA" dirty="0" err="1"/>
               <a:t>débute</a:t>
             </a:r>
             <a:r>
-              <a:rPr lang="en-CA" dirty="0" smtClean="0"/>
+              <a:rPr lang="en-CA" dirty="0"/>
               <a:t> la conversation, et </a:t>
             </a:r>
             <a:r>
-              <a:rPr lang="en-CA" dirty="0" err="1" smtClean="0"/>
+              <a:rPr lang="en-CA" dirty="0" err="1"/>
               <a:t>l’autre</a:t>
             </a:r>
             <a:r>
-              <a:rPr lang="en-CA" dirty="0" smtClean="0"/>
+              <a:rPr lang="en-CA" dirty="0"/>
               <a:t> </a:t>
             </a:r>
             <a:r>
-              <a:rPr lang="en-CA" dirty="0" err="1" smtClean="0"/>
+              <a:rPr lang="en-CA" dirty="0" err="1"/>
               <a:t>lui</a:t>
             </a:r>
             <a:r>
-              <a:rPr lang="en-CA" dirty="0" smtClean="0"/>
+              <a:rPr lang="en-CA" dirty="0"/>
               <a:t> </a:t>
             </a:r>
             <a:r>
-              <a:rPr lang="en-CA" dirty="0" err="1" smtClean="0"/>
+              <a:rPr lang="en-CA" dirty="0" err="1"/>
               <a:t>repond</a:t>
             </a:r>
             <a:r>
-              <a:rPr lang="en-CA" dirty="0" smtClean="0"/>
+              <a:rPr lang="en-CA" dirty="0"/>
               <a:t>, </a:t>
             </a:r>
             <a:r>
-              <a:rPr lang="en-CA" dirty="0" err="1" smtClean="0"/>
+              <a:rPr lang="en-CA" dirty="0" err="1"/>
               <a:t>jusqu’à</a:t>
             </a:r>
             <a:r>
-              <a:rPr lang="en-CA" dirty="0" smtClean="0"/>
+              <a:rPr lang="en-CA" dirty="0"/>
               <a:t> </a:t>
             </a:r>
             <a:r>
-              <a:rPr lang="en-CA" dirty="0" err="1" smtClean="0"/>
+              <a:rPr lang="en-CA" dirty="0" err="1"/>
               <a:t>ce</a:t>
             </a:r>
             <a:r>
-              <a:rPr lang="en-CA" dirty="0" smtClean="0"/>
+              <a:rPr lang="en-CA" dirty="0"/>
               <a:t> </a:t>
             </a:r>
             <a:r>
-              <a:rPr lang="en-CA" dirty="0" err="1" smtClean="0"/>
+              <a:rPr lang="en-CA" dirty="0" err="1"/>
               <a:t>qu’ils</a:t>
             </a:r>
             <a:r>
-              <a:rPr lang="en-CA" dirty="0" smtClean="0"/>
+              <a:rPr lang="en-CA" dirty="0"/>
               <a:t> </a:t>
             </a:r>
             <a:r>
-              <a:rPr lang="en-CA" dirty="0" err="1" smtClean="0"/>
+              <a:rPr lang="en-CA" dirty="0" err="1"/>
               <a:t>fassent</a:t>
             </a:r>
             <a:r>
-              <a:rPr lang="en-CA" dirty="0" smtClean="0"/>
+              <a:rPr lang="en-CA" dirty="0"/>
               <a:t> le tour des 2 </a:t>
             </a:r>
             <a:r>
-              <a:rPr lang="en-CA" dirty="0" err="1" smtClean="0"/>
+              <a:rPr lang="en-CA" dirty="0" err="1"/>
               <a:t>chambres</a:t>
             </a:r>
             <a:r>
-              <a:rPr lang="en-CA" dirty="0" smtClean="0"/>
+              <a:rPr lang="en-CA" dirty="0"/>
               <a:t>.</a:t>
             </a:r>
-            <a:endParaRPr lang="en-CA" dirty="0" smtClean="0"/>
           </a:p>
           <a:p>
             <a:endParaRPr lang="en-CA" dirty="0"/>
@@ -4115,19 +4611,19 @@
           <a:lstStyle/>
           <a:p>
             <a:r>
-              <a:rPr lang="en-CA" dirty="0" err="1" smtClean="0"/>
+              <a:rPr lang="en-CA" dirty="0" err="1"/>
               <a:t>Autobiographie</a:t>
             </a:r>
             <a:r>
-              <a:rPr lang="en-CA" dirty="0" smtClean="0"/>
+              <a:rPr lang="en-CA" dirty="0"/>
               <a:t> de </a:t>
             </a:r>
             <a:r>
-              <a:rPr lang="en-CA" dirty="0" err="1" smtClean="0"/>
+              <a:rPr lang="en-CA" dirty="0" err="1"/>
               <a:t>Devis</a:t>
             </a:r>
             <a:r>
-              <a:rPr lang="en-CA" dirty="0" smtClean="0"/>
+              <a:rPr lang="en-CA" dirty="0"/>
               <a:t> :</a:t>
             </a:r>
           </a:p>
@@ -4136,134 +4632,133 @@
               <a:buNone/>
             </a:pPr>
             <a:r>
-              <a:rPr lang="en-CA" dirty="0" err="1" smtClean="0"/>
+              <a:rPr lang="en-CA" dirty="0" err="1"/>
               <a:t>C’est</a:t>
             </a:r>
             <a:r>
-              <a:rPr lang="en-CA" dirty="0" smtClean="0"/>
+              <a:rPr lang="en-CA" dirty="0"/>
               <a:t> un </a:t>
             </a:r>
             <a:r>
-              <a:rPr lang="en-CA" dirty="0" err="1" smtClean="0"/>
+              <a:rPr lang="en-CA" dirty="0" err="1"/>
               <a:t>jeune</a:t>
             </a:r>
             <a:r>
-              <a:rPr lang="en-CA" dirty="0" smtClean="0"/>
+              <a:rPr lang="en-CA" dirty="0"/>
               <a:t> garcon de 10 </a:t>
             </a:r>
             <a:r>
-              <a:rPr lang="en-CA" dirty="0" err="1" smtClean="0"/>
+              <a:rPr lang="en-CA" dirty="0" err="1"/>
               <a:t>ans</a:t>
             </a:r>
             <a:r>
-              <a:rPr lang="en-CA" dirty="0" smtClean="0"/>
+              <a:rPr lang="en-CA" dirty="0"/>
               <a:t> qui nous </a:t>
             </a:r>
             <a:r>
-              <a:rPr lang="en-CA" dirty="0" err="1" smtClean="0"/>
+              <a:rPr lang="en-CA" dirty="0" err="1"/>
               <a:t>présente</a:t>
             </a:r>
             <a:r>
-              <a:rPr lang="en-CA" dirty="0" smtClean="0"/>
+              <a:rPr lang="en-CA" dirty="0"/>
               <a:t> </a:t>
             </a:r>
             <a:r>
-              <a:rPr lang="en-CA" dirty="0" err="1" smtClean="0"/>
+              <a:rPr lang="en-CA" dirty="0" err="1"/>
               <a:t>ses</a:t>
             </a:r>
             <a:r>
-              <a:rPr lang="en-CA" dirty="0" smtClean="0"/>
+              <a:rPr lang="en-CA" dirty="0"/>
               <a:t> </a:t>
             </a:r>
             <a:r>
-              <a:rPr lang="en-CA" dirty="0" err="1" smtClean="0"/>
+              <a:rPr lang="en-CA" dirty="0" err="1"/>
               <a:t>activités</a:t>
             </a:r>
             <a:r>
-              <a:rPr lang="en-CA" dirty="0" smtClean="0"/>
+              <a:rPr lang="en-CA" dirty="0"/>
               <a:t> et nous </a:t>
             </a:r>
             <a:r>
-              <a:rPr lang="en-CA" dirty="0" err="1" smtClean="0"/>
+              <a:rPr lang="en-CA" dirty="0" err="1"/>
               <a:t>fais</a:t>
             </a:r>
             <a:r>
-              <a:rPr lang="en-CA" dirty="0" smtClean="0"/>
+              <a:rPr lang="en-CA" dirty="0"/>
               <a:t> part de </a:t>
             </a:r>
             <a:r>
-              <a:rPr lang="en-CA" dirty="0" err="1" smtClean="0"/>
+              <a:rPr lang="en-CA" dirty="0" err="1"/>
               <a:t>ces</a:t>
             </a:r>
             <a:r>
-              <a:rPr lang="en-CA" dirty="0" smtClean="0"/>
+              <a:rPr lang="en-CA" dirty="0"/>
               <a:t> ambitions </a:t>
             </a:r>
             <a:r>
-              <a:rPr lang="en-CA" dirty="0" err="1" smtClean="0"/>
+              <a:rPr lang="en-CA" dirty="0" err="1"/>
               <a:t>futur</a:t>
             </a:r>
             <a:r>
-              <a:rPr lang="en-CA" dirty="0" smtClean="0"/>
+              <a:rPr lang="en-CA" dirty="0"/>
               <a:t>. Il est </a:t>
             </a:r>
             <a:r>
-              <a:rPr lang="en-CA" dirty="0" err="1" smtClean="0"/>
+              <a:rPr lang="en-CA" dirty="0" err="1"/>
               <a:t>conscient</a:t>
             </a:r>
             <a:r>
-              <a:rPr lang="en-CA" dirty="0" smtClean="0"/>
+              <a:rPr lang="en-CA" dirty="0"/>
               <a:t> que pour y arriver, </a:t>
             </a:r>
             <a:r>
-              <a:rPr lang="en-CA" dirty="0" err="1" smtClean="0"/>
+              <a:rPr lang="en-CA" dirty="0" err="1"/>
               <a:t>il</a:t>
             </a:r>
             <a:r>
-              <a:rPr lang="en-CA" dirty="0" smtClean="0"/>
+              <a:rPr lang="en-CA" dirty="0"/>
               <a:t> </a:t>
             </a:r>
             <a:r>
-              <a:rPr lang="en-CA" dirty="0" err="1" smtClean="0"/>
+              <a:rPr lang="en-CA" dirty="0" err="1"/>
               <a:t>faut</a:t>
             </a:r>
             <a:r>
-              <a:rPr lang="en-CA" dirty="0" smtClean="0"/>
+              <a:rPr lang="en-CA" dirty="0"/>
               <a:t> </a:t>
             </a:r>
             <a:r>
-              <a:rPr lang="en-CA" dirty="0" err="1" smtClean="0"/>
+              <a:rPr lang="en-CA" dirty="0" err="1"/>
               <a:t>qu’il</a:t>
             </a:r>
             <a:r>
-              <a:rPr lang="en-CA" dirty="0" smtClean="0"/>
+              <a:rPr lang="en-CA" dirty="0"/>
               <a:t> </a:t>
             </a:r>
             <a:r>
-              <a:rPr lang="en-CA" dirty="0" err="1" smtClean="0"/>
+              <a:rPr lang="en-CA" dirty="0" err="1"/>
               <a:t>travaille</a:t>
             </a:r>
             <a:r>
-              <a:rPr lang="en-CA" dirty="0" smtClean="0"/>
+              <a:rPr lang="en-CA" dirty="0"/>
               <a:t> fort à </a:t>
             </a:r>
             <a:r>
-              <a:rPr lang="en-CA" dirty="0" err="1" smtClean="0"/>
+              <a:rPr lang="en-CA" dirty="0" err="1"/>
               <a:t>l’école</a:t>
             </a:r>
             <a:r>
-              <a:rPr lang="en-CA" dirty="0" smtClean="0"/>
+              <a:rPr lang="en-CA" dirty="0"/>
               <a:t>, et surtout … aider </a:t>
             </a:r>
             <a:r>
-              <a:rPr lang="en-CA" dirty="0" err="1" smtClean="0"/>
+              <a:rPr lang="en-CA" dirty="0" err="1"/>
               <a:t>maman</a:t>
             </a:r>
             <a:r>
-              <a:rPr lang="en-CA" dirty="0" smtClean="0"/>
+              <a:rPr lang="en-CA" dirty="0"/>
               <a:t> a la cuisine.</a:t>
             </a:r>
-            <a:endParaRPr lang="en-CA" dirty="0"/>
           </a:p>
         </p:txBody>
       </p:sp>
@@ -4365,10 +4860,9 @@
           <a:lstStyle/>
           <a:p>
             <a:r>
-              <a:rPr lang="en-CA" dirty="0" smtClean="0"/>
+              <a:rPr lang="en-CA" dirty="0"/>
               <a:t>Flappy Bird 1 et 2</a:t>
             </a:r>
-            <a:endParaRPr lang="en-CA" dirty="0"/>
           </a:p>
         </p:txBody>
       </p:sp>
@@ -4390,163 +4884,161 @@
         </p:spPr>
         <p:txBody>
           <a:bodyPr>
-            <a:normAutofit fontScale="92500"/>
+            <a:normAutofit/>
           </a:bodyPr>
           <a:lstStyle/>
           <a:p>
             <a:r>
-              <a:rPr lang="en-CA" dirty="0" err="1" smtClean="0"/>
+              <a:rPr lang="en-CA" dirty="0" err="1"/>
               <a:t>C’est</a:t>
             </a:r>
             <a:r>
-              <a:rPr lang="en-CA" dirty="0" smtClean="0"/>
+              <a:rPr lang="en-CA" dirty="0"/>
               <a:t> un </a:t>
             </a:r>
             <a:r>
-              <a:rPr lang="en-CA" dirty="0" err="1" smtClean="0"/>
+              <a:rPr lang="en-CA" dirty="0" err="1"/>
               <a:t>oiseau</a:t>
             </a:r>
             <a:r>
-              <a:rPr lang="en-CA" dirty="0" smtClean="0"/>
+              <a:rPr lang="en-CA" dirty="0"/>
               <a:t> qui </a:t>
             </a:r>
             <a:r>
-              <a:rPr lang="en-CA" dirty="0" err="1" smtClean="0"/>
+              <a:rPr lang="en-CA" dirty="0" err="1"/>
               <a:t>dans</a:t>
             </a:r>
             <a:r>
-              <a:rPr lang="en-CA" dirty="0" smtClean="0"/>
+              <a:rPr lang="en-CA" dirty="0"/>
               <a:t> son </a:t>
             </a:r>
             <a:r>
-              <a:rPr lang="en-CA" dirty="0" err="1" smtClean="0"/>
+              <a:rPr lang="en-CA" dirty="0" err="1"/>
               <a:t>déplacement</a:t>
             </a:r>
             <a:r>
-              <a:rPr lang="en-CA" dirty="0" smtClean="0"/>
+              <a:rPr lang="en-CA" dirty="0"/>
               <a:t>, </a:t>
             </a:r>
             <a:r>
-              <a:rPr lang="en-CA" dirty="0" err="1" smtClean="0"/>
+              <a:rPr lang="en-CA" dirty="0" err="1"/>
               <a:t>tente</a:t>
             </a:r>
             <a:r>
-              <a:rPr lang="en-CA" dirty="0" smtClean="0"/>
+              <a:rPr lang="en-CA" dirty="0"/>
               <a:t> de </a:t>
             </a:r>
             <a:r>
-              <a:rPr lang="en-CA" dirty="0" err="1" smtClean="0"/>
+              <a:rPr lang="en-CA" dirty="0" err="1"/>
               <a:t>mieux</a:t>
             </a:r>
             <a:r>
-              <a:rPr lang="en-CA" dirty="0" smtClean="0"/>
+              <a:rPr lang="en-CA" dirty="0"/>
               <a:t> </a:t>
             </a:r>
             <a:r>
-              <a:rPr lang="en-CA" dirty="0" err="1" smtClean="0"/>
+              <a:rPr lang="en-CA" dirty="0" err="1"/>
               <a:t>qu’il</a:t>
             </a:r>
             <a:r>
-              <a:rPr lang="en-CA" dirty="0" smtClean="0"/>
+              <a:rPr lang="en-CA" dirty="0"/>
               <a:t> </a:t>
             </a:r>
             <a:r>
-              <a:rPr lang="en-CA" dirty="0" err="1" smtClean="0"/>
+              <a:rPr lang="en-CA" dirty="0" err="1"/>
               <a:t>peut</a:t>
             </a:r>
             <a:r>
-              <a:rPr lang="en-CA" dirty="0" smtClean="0"/>
+              <a:rPr lang="en-CA" dirty="0"/>
               <a:t>, à </a:t>
             </a:r>
             <a:r>
-              <a:rPr lang="en-CA" dirty="0" err="1" smtClean="0"/>
+              <a:rPr lang="en-CA" dirty="0" err="1"/>
               <a:t>éviter</a:t>
             </a:r>
             <a:r>
-              <a:rPr lang="en-CA" dirty="0" smtClean="0"/>
+              <a:rPr lang="en-CA" dirty="0"/>
               <a:t> les obstacles sur son </a:t>
             </a:r>
             <a:r>
-              <a:rPr lang="en-CA" dirty="0" err="1" smtClean="0"/>
+              <a:rPr lang="en-CA" dirty="0" err="1"/>
               <a:t>chemin</a:t>
             </a:r>
             <a:r>
-              <a:rPr lang="en-CA" dirty="0" smtClean="0"/>
+              <a:rPr lang="en-CA" dirty="0"/>
               <a:t>, tout </a:t>
             </a:r>
             <a:r>
-              <a:rPr lang="en-CA" dirty="0" err="1" smtClean="0"/>
+              <a:rPr lang="en-CA" dirty="0" err="1"/>
               <a:t>en</a:t>
             </a:r>
             <a:r>
-              <a:rPr lang="en-CA" dirty="0" smtClean="0"/>
+              <a:rPr lang="en-CA" dirty="0"/>
               <a:t> </a:t>
             </a:r>
             <a:r>
-              <a:rPr lang="en-CA" dirty="0" err="1" smtClean="0"/>
+              <a:rPr lang="en-CA" dirty="0" err="1"/>
               <a:t>évitant</a:t>
             </a:r>
             <a:r>
-              <a:rPr lang="en-CA" dirty="0" smtClean="0"/>
+              <a:rPr lang="en-CA" dirty="0"/>
               <a:t> de </a:t>
             </a:r>
             <a:r>
-              <a:rPr lang="en-CA" dirty="0" err="1" smtClean="0"/>
+              <a:rPr lang="en-CA" dirty="0" err="1"/>
               <a:t>tomber</a:t>
             </a:r>
             <a:r>
-              <a:rPr lang="en-CA" dirty="0" smtClean="0"/>
+              <a:rPr lang="en-CA" dirty="0"/>
               <a:t>:</a:t>
             </a:r>
-            <a:endParaRPr lang="en-CA" dirty="0"/>
           </a:p>
           <a:p>
             <a:pPr lvl="1"/>
             <a:r>
-              <a:rPr lang="en-CA" dirty="0" smtClean="0"/>
+              <a:rPr lang="en-CA" dirty="0"/>
               <a:t>Nous </a:t>
             </a:r>
             <a:r>
-              <a:rPr lang="en-CA" dirty="0" err="1" smtClean="0"/>
+              <a:rPr lang="en-CA" dirty="0" err="1"/>
               <a:t>apprendrons</a:t>
             </a:r>
             <a:r>
-              <a:rPr lang="en-CA" dirty="0" smtClean="0"/>
+              <a:rPr lang="en-CA" dirty="0"/>
               <a:t> à </a:t>
             </a:r>
             <a:r>
-              <a:rPr lang="en-CA" dirty="0" err="1" smtClean="0"/>
+              <a:rPr lang="en-CA" dirty="0" err="1"/>
               <a:t>définir</a:t>
             </a:r>
             <a:r>
-              <a:rPr lang="en-CA" dirty="0" smtClean="0"/>
+              <a:rPr lang="en-CA" dirty="0"/>
               <a:t> et synchroniser les </a:t>
             </a:r>
             <a:r>
-              <a:rPr lang="en-CA" dirty="0" err="1" smtClean="0"/>
+              <a:rPr lang="en-CA" dirty="0" err="1"/>
               <a:t>differentes</a:t>
             </a:r>
             <a:r>
-              <a:rPr lang="en-CA" dirty="0" smtClean="0"/>
+              <a:rPr lang="en-CA" dirty="0"/>
               <a:t> actions des </a:t>
             </a:r>
             <a:r>
-              <a:rPr lang="en-CA" dirty="0" err="1" smtClean="0"/>
+              <a:rPr lang="en-CA" dirty="0" err="1"/>
               <a:t>personnages</a:t>
             </a:r>
             <a:r>
-              <a:rPr lang="en-CA" dirty="0" smtClean="0"/>
+              <a:rPr lang="en-CA" dirty="0"/>
               <a:t> du </a:t>
             </a:r>
             <a:r>
-              <a:rPr lang="en-CA" dirty="0" err="1" smtClean="0"/>
+              <a:rPr lang="en-CA" dirty="0" err="1"/>
               <a:t>jeu</a:t>
             </a:r>
             <a:r>
-              <a:rPr lang="en-CA" dirty="0" smtClean="0"/>
+              <a:rPr lang="en-CA" dirty="0"/>
               <a:t>.</a:t>
             </a:r>
-            <a:endParaRPr lang="en-CA" dirty="0"/>
           </a:p>
         </p:txBody>
       </p:sp>
@@ -4690,183 +5182,176 @@
           <a:lstStyle/>
           <a:p>
             <a:r>
-              <a:rPr lang="en-CA" dirty="0" err="1" smtClean="0"/>
+              <a:rPr lang="en-CA" dirty="0" err="1"/>
               <a:t>Formule</a:t>
             </a:r>
             <a:r>
-              <a:rPr lang="en-CA" dirty="0" smtClean="0"/>
+              <a:rPr lang="en-CA" dirty="0"/>
+              <a:t> 1 : </a:t>
+            </a:r>
+            <a:r>
+              <a:rPr lang="en-CA" dirty="0" err="1"/>
+              <a:t>Jeu</a:t>
+            </a:r>
+            <a:r>
+              <a:rPr lang="en-CA" dirty="0"/>
+              <a:t> de course</a:t>
+            </a:r>
+          </a:p>
+        </p:txBody>
+      </p:sp>
+      <p:sp>
+        <p:nvSpPr>
+          <p:cNvPr id="3" name="Espace réservé du contenu 2"/>
+          <p:cNvSpPr>
+            <a:spLocks noGrp="1"/>
+          </p:cNvSpPr>
+          <p:nvPr>
+            <p:ph idx="1"/>
+          </p:nvPr>
+        </p:nvSpPr>
+        <p:spPr/>
+        <p:txBody>
+          <a:bodyPr/>
+          <a:lstStyle/>
+          <a:p>
+            <a:r>
+              <a:rPr lang="en-CA" dirty="0" err="1"/>
+              <a:t>Projet</a:t>
+            </a:r>
+            <a:r>
+              <a:rPr lang="en-CA" dirty="0"/>
+              <a:t> pour </a:t>
+            </a:r>
+            <a:r>
+              <a:rPr lang="en-CA" dirty="0" err="1"/>
+              <a:t>lequel</a:t>
+            </a:r>
+            <a:r>
+              <a:rPr lang="en-CA" dirty="0"/>
+              <a:t> je vous propose de faire </a:t>
+            </a:r>
+            <a:r>
+              <a:rPr lang="en-CA" dirty="0" err="1"/>
+              <a:t>appel</a:t>
+            </a:r>
+            <a:r>
+              <a:rPr lang="en-CA" dirty="0"/>
+              <a:t> à </a:t>
+            </a:r>
+            <a:r>
+              <a:rPr lang="en-CA" dirty="0" err="1"/>
+              <a:t>votre</a:t>
+            </a:r>
+            <a:r>
+              <a:rPr lang="en-CA" dirty="0"/>
               <a:t> </a:t>
             </a:r>
             <a:r>
-              <a:rPr lang="en-CA" dirty="0" smtClean="0"/>
-              <a:t>1 : </a:t>
-            </a:r>
-            <a:r>
-              <a:rPr lang="en-CA" dirty="0" err="1" smtClean="0"/>
-              <a:t>Jeu</a:t>
-            </a:r>
-            <a:r>
-              <a:rPr lang="en-CA" dirty="0" smtClean="0"/>
-              <a:t> de course</a:t>
-            </a:r>
+              <a:rPr lang="en-CA" dirty="0" err="1"/>
+              <a:t>sens</a:t>
+            </a:r>
+            <a:r>
+              <a:rPr lang="en-CA" dirty="0"/>
+              <a:t> de la </a:t>
+            </a:r>
+            <a:r>
+              <a:rPr lang="en-CA" dirty="0" err="1"/>
+              <a:t>créativité</a:t>
+            </a:r>
+            <a:r>
+              <a:rPr lang="en-CA" dirty="0"/>
+              <a:t> </a:t>
+            </a:r>
+            <a:r>
+              <a:rPr lang="en-CA" dirty="0" err="1"/>
+              <a:t>cette</a:t>
+            </a:r>
+            <a:r>
+              <a:rPr lang="en-CA" dirty="0"/>
+              <a:t> </a:t>
+            </a:r>
+            <a:r>
+              <a:rPr lang="en-CA" dirty="0" err="1"/>
+              <a:t>semaine</a:t>
+            </a:r>
+            <a:r>
+              <a:rPr lang="en-CA" dirty="0"/>
+              <a:t>.</a:t>
+            </a:r>
+          </a:p>
+          <a:p>
             <a:endParaRPr lang="en-CA" dirty="0"/>
           </a:p>
-        </p:txBody>
-      </p:sp>
-      <p:sp>
-        <p:nvSpPr>
-          <p:cNvPr id="3" name="Espace réservé du contenu 2"/>
-          <p:cNvSpPr>
-            <a:spLocks noGrp="1"/>
-          </p:cNvSpPr>
-          <p:nvPr>
-            <p:ph idx="1"/>
-          </p:nvPr>
-        </p:nvSpPr>
-        <p:spPr/>
-        <p:txBody>
-          <a:bodyPr/>
-          <a:lstStyle/>
-          <a:p>
-            <a:r>
-              <a:rPr lang="en-CA" dirty="0" err="1" smtClean="0"/>
-              <a:t>Projet</a:t>
-            </a:r>
-            <a:r>
-              <a:rPr lang="en-CA" dirty="0" smtClean="0"/>
-              <a:t> pour </a:t>
-            </a:r>
-            <a:r>
-              <a:rPr lang="en-CA" dirty="0" err="1" smtClean="0"/>
-              <a:t>lequel</a:t>
-            </a:r>
-            <a:r>
-              <a:rPr lang="en-CA" dirty="0" smtClean="0"/>
-              <a:t> je vous propose de faire </a:t>
-            </a:r>
-            <a:r>
-              <a:rPr lang="en-CA" dirty="0" err="1" smtClean="0"/>
-              <a:t>appel</a:t>
-            </a:r>
-            <a:r>
-              <a:rPr lang="en-CA" dirty="0" smtClean="0"/>
-              <a:t> à </a:t>
-            </a:r>
-            <a:r>
-              <a:rPr lang="en-CA" dirty="0" err="1" smtClean="0"/>
-              <a:t>votre</a:t>
-            </a:r>
-            <a:r>
-              <a:rPr lang="en-CA" dirty="0" smtClean="0"/>
+          <a:p>
+            <a:r>
+              <a:rPr lang="en-CA" dirty="0"/>
+              <a:t>Il sera </a:t>
+            </a:r>
+            <a:r>
+              <a:rPr lang="en-CA" dirty="0" err="1"/>
+              <a:t>disponible</a:t>
+            </a:r>
+            <a:r>
+              <a:rPr lang="en-CA" dirty="0"/>
               <a:t> </a:t>
             </a:r>
             <a:r>
-              <a:rPr lang="en-CA" dirty="0" err="1" smtClean="0"/>
-              <a:t>sens</a:t>
-            </a:r>
-            <a:r>
-              <a:rPr lang="en-CA" dirty="0" smtClean="0"/>
-              <a:t> de la </a:t>
-            </a:r>
-            <a:r>
-              <a:rPr lang="en-CA" dirty="0" err="1" smtClean="0"/>
-              <a:t>créativité</a:t>
-            </a:r>
-            <a:r>
-              <a:rPr lang="en-CA" dirty="0" smtClean="0"/>
+              <a:rPr lang="en-CA" dirty="0" err="1"/>
+              <a:t>dans</a:t>
+            </a:r>
+            <a:r>
+              <a:rPr lang="en-CA" dirty="0"/>
               <a:t> </a:t>
             </a:r>
             <a:r>
-              <a:rPr lang="en-CA" dirty="0" err="1" smtClean="0"/>
-              <a:t>cette</a:t>
-            </a:r>
-            <a:r>
-              <a:rPr lang="en-CA" dirty="0" smtClean="0"/>
+              <a:rPr lang="en-CA" dirty="0" err="1"/>
+              <a:t>quelques</a:t>
+            </a:r>
+            <a:r>
+              <a:rPr lang="en-CA" dirty="0"/>
               <a:t> </a:t>
             </a:r>
             <a:r>
-              <a:rPr lang="en-CA" dirty="0" err="1" smtClean="0"/>
-              <a:t>semaine</a:t>
-            </a:r>
-            <a:r>
-              <a:rPr lang="en-CA" dirty="0" smtClean="0"/>
+              <a:rPr lang="en-CA" dirty="0" err="1"/>
+              <a:t>jours</a:t>
+            </a:r>
+            <a:r>
+              <a:rPr lang="en-CA" dirty="0"/>
+              <a:t> le temps pour </a:t>
+            </a:r>
+            <a:r>
+              <a:rPr lang="en-CA" dirty="0" err="1"/>
+              <a:t>moi</a:t>
+            </a:r>
+            <a:r>
+              <a:rPr lang="en-CA" dirty="0"/>
+              <a:t> de vous </a:t>
+            </a:r>
+            <a:r>
+              <a:rPr lang="en-CA" dirty="0" err="1"/>
+              <a:t>laisser</a:t>
+            </a:r>
+            <a:r>
+              <a:rPr lang="en-CA" dirty="0"/>
+              <a:t> y </a:t>
+            </a:r>
+            <a:r>
+              <a:rPr lang="en-CA" dirty="0" err="1"/>
+              <a:t>réfléchir</a:t>
+            </a:r>
+            <a:r>
+              <a:rPr lang="en-CA" dirty="0"/>
+              <a:t> un </a:t>
+            </a:r>
+            <a:r>
+              <a:rPr lang="en-CA" dirty="0" err="1"/>
+              <a:t>peu</a:t>
+            </a:r>
+            <a:r>
+              <a:rPr lang="en-CA" dirty="0"/>
               <a:t>.</a:t>
             </a:r>
-            <a:endParaRPr lang="en-CA" dirty="0" smtClean="0"/>
-          </a:p>
-          <a:p>
-            <a:endParaRPr lang="en-CA" dirty="0"/>
-          </a:p>
-          <a:p>
-            <a:r>
-              <a:rPr lang="en-CA" dirty="0" smtClean="0"/>
-              <a:t>Il sera </a:t>
-            </a:r>
-            <a:r>
-              <a:rPr lang="en-CA" dirty="0" err="1" smtClean="0"/>
-              <a:t>disponible</a:t>
-            </a:r>
-            <a:r>
-              <a:rPr lang="en-CA" dirty="0" smtClean="0"/>
-              <a:t> </a:t>
-            </a:r>
-            <a:r>
-              <a:rPr lang="en-CA" dirty="0" err="1" smtClean="0"/>
-              <a:t>dans</a:t>
-            </a:r>
-            <a:r>
-              <a:rPr lang="en-CA" dirty="0" smtClean="0"/>
-              <a:t> </a:t>
-            </a:r>
-            <a:r>
-              <a:rPr lang="en-CA" dirty="0" err="1" smtClean="0"/>
-              <a:t>quelques</a:t>
-            </a:r>
-            <a:r>
-              <a:rPr lang="en-CA" dirty="0" smtClean="0"/>
-              <a:t> </a:t>
-            </a:r>
-            <a:r>
-              <a:rPr lang="en-CA" dirty="0" err="1" smtClean="0"/>
-              <a:t>jours</a:t>
-            </a:r>
-            <a:r>
-              <a:rPr lang="en-CA" dirty="0" smtClean="0"/>
-              <a:t> le temps pour </a:t>
-            </a:r>
-            <a:r>
-              <a:rPr lang="en-CA" dirty="0" err="1" smtClean="0"/>
-              <a:t>moi</a:t>
-            </a:r>
-            <a:r>
-              <a:rPr lang="en-CA" dirty="0" smtClean="0"/>
-              <a:t> de vous </a:t>
-            </a:r>
-            <a:r>
-              <a:rPr lang="en-CA" dirty="0" err="1" smtClean="0"/>
-              <a:t>laisser</a:t>
-            </a:r>
-            <a:r>
-              <a:rPr lang="en-CA" dirty="0" smtClean="0"/>
-              <a:t> y </a:t>
-            </a:r>
-            <a:r>
-              <a:rPr lang="en-CA" dirty="0" err="1" smtClean="0"/>
-              <a:t>réfléchir</a:t>
-            </a:r>
-            <a:r>
-              <a:rPr lang="en-CA" dirty="0" smtClean="0"/>
-              <a:t> un </a:t>
-            </a:r>
-            <a:r>
-              <a:rPr lang="en-CA" dirty="0" err="1" smtClean="0"/>
-              <a:t>peu</a:t>
-            </a:r>
-            <a:r>
-              <a:rPr lang="en-CA" dirty="0" smtClean="0"/>
-              <a:t>.</a:t>
-            </a:r>
-            <a:endParaRPr lang="en-CA" dirty="0"/>
           </a:p>
         </p:txBody>
       </p:sp>
@@ -4924,22 +5409,22 @@
               <a:buNone/>
             </a:pPr>
             <a:r>
-              <a:rPr lang="en-CA" dirty="0" smtClean="0"/>
+              <a:rPr lang="en-CA" dirty="0"/>
               <a:t>Pour la </a:t>
             </a:r>
             <a:r>
-              <a:rPr lang="en-CA" dirty="0" err="1" smtClean="0"/>
+              <a:rPr lang="en-CA" dirty="0" err="1"/>
               <a:t>semaine</a:t>
             </a:r>
             <a:r>
-              <a:rPr lang="en-CA" dirty="0" smtClean="0"/>
+              <a:rPr lang="en-CA" dirty="0"/>
               <a:t> </a:t>
             </a:r>
             <a:r>
-              <a:rPr lang="en-CA" dirty="0" err="1" smtClean="0"/>
+              <a:rPr lang="en-CA" dirty="0" err="1"/>
               <a:t>prochaine</a:t>
             </a:r>
-            <a:endParaRPr lang="en-CA" dirty="0" smtClean="0"/>
+            <a:endParaRPr lang="en-CA" dirty="0"/>
           </a:p>
           <a:p>
             <a:pPr algn="ctr"/>
@@ -4950,51 +5435,51 @@
               <a:buNone/>
             </a:pPr>
             <a:r>
-              <a:rPr lang="en-CA" dirty="0" smtClean="0"/>
+              <a:rPr lang="en-CA" dirty="0"/>
               <a:t>Nous </a:t>
             </a:r>
             <a:r>
-              <a:rPr lang="en-CA" dirty="0" err="1" smtClean="0"/>
+              <a:rPr lang="en-CA" dirty="0" err="1"/>
               <a:t>corrigerons</a:t>
             </a:r>
             <a:r>
-              <a:rPr lang="en-CA" dirty="0" smtClean="0"/>
+              <a:rPr lang="en-CA" dirty="0"/>
               <a:t> ensemble </a:t>
             </a:r>
             <a:r>
-              <a:rPr lang="en-CA" dirty="0" err="1" smtClean="0"/>
+              <a:rPr lang="en-CA" dirty="0" err="1"/>
               <a:t>ce</a:t>
             </a:r>
             <a:r>
-              <a:rPr lang="en-CA" dirty="0" smtClean="0"/>
+              <a:rPr lang="en-CA" dirty="0"/>
               <a:t> que vous </a:t>
             </a:r>
             <a:r>
-              <a:rPr lang="en-CA" dirty="0" err="1" smtClean="0"/>
+              <a:rPr lang="en-CA" dirty="0" err="1"/>
               <a:t>avez</a:t>
             </a:r>
             <a:r>
-              <a:rPr lang="en-CA" dirty="0" smtClean="0"/>
+              <a:rPr lang="en-CA" dirty="0"/>
               <a:t> </a:t>
             </a:r>
             <a:r>
-              <a:rPr lang="en-CA" dirty="0" err="1" smtClean="0"/>
+              <a:rPr lang="en-CA" dirty="0" err="1"/>
               <a:t>faits</a:t>
             </a:r>
             <a:r>
-              <a:rPr lang="en-CA" dirty="0" smtClean="0"/>
+              <a:rPr lang="en-CA" dirty="0"/>
               <a:t>, et </a:t>
             </a:r>
             <a:r>
-              <a:rPr lang="en-CA" dirty="0" err="1" smtClean="0"/>
+              <a:rPr lang="en-CA" dirty="0" err="1"/>
               <a:t>commencerons</a:t>
             </a:r>
             <a:r>
-              <a:rPr lang="en-CA" dirty="0" smtClean="0"/>
+              <a:rPr lang="en-CA" dirty="0"/>
               <a:t> </a:t>
             </a:r>
             <a:r>
-              <a:rPr lang="en-CA" dirty="0" smtClean="0">
+              <a:rPr lang="en-CA" dirty="0">
                 <a:solidFill>
                   <a:srgbClr val="0070C0"/>
                 </a:solidFill>
@@ -5002,7 +5487,7 @@
               <a:t>le </a:t>
             </a:r>
             <a:r>
-              <a:rPr lang="en-CA" dirty="0" err="1" smtClean="0">
+              <a:rPr lang="en-CA" dirty="0" err="1">
                 <a:solidFill>
                   <a:srgbClr val="0070C0"/>
                 </a:solidFill>
@@ -5010,7 +5495,7 @@
               <a:t>jeu</a:t>
             </a:r>
             <a:r>
-              <a:rPr lang="en-CA" dirty="0" smtClean="0">
+              <a:rPr lang="en-CA" dirty="0">
                 <a:solidFill>
                   <a:srgbClr val="0070C0"/>
                 </a:solidFill>
@@ -5018,26 +5503,25 @@
               <a:t> Pacman</a:t>
             </a:r>
             <a:r>
-              <a:rPr lang="en-CA" dirty="0" smtClean="0"/>
+              <a:rPr lang="en-CA" dirty="0"/>
               <a:t> que nous </a:t>
             </a:r>
             <a:r>
-              <a:rPr lang="en-CA" dirty="0" err="1" smtClean="0"/>
+              <a:rPr lang="en-CA" dirty="0" err="1"/>
               <a:t>terminerons</a:t>
             </a:r>
             <a:r>
-              <a:rPr lang="en-CA" dirty="0" smtClean="0"/>
+              <a:rPr lang="en-CA" dirty="0"/>
               <a:t> la </a:t>
             </a:r>
             <a:r>
-              <a:rPr lang="en-CA" dirty="0" err="1" smtClean="0"/>
+              <a:rPr lang="en-CA" dirty="0" err="1"/>
               <a:t>semaine</a:t>
             </a:r>
             <a:r>
-              <a:rPr lang="en-CA" dirty="0" smtClean="0"/>
+              <a:rPr lang="en-CA" dirty="0"/>
               <a:t> 4.</a:t>
             </a:r>
-            <a:endParaRPr lang="en-CA" dirty="0"/>
           </a:p>
         </p:txBody>
       </p:sp>
@@ -5055,9 +5539,9 @@
 </file>
 
 <file path=ppt/theme/theme1.xml><?xml version="1.0" encoding="utf-8"?>
-<a:theme xmlns:a="http://schemas.openxmlformats.org/drawingml/2006/main" name="Thème Office">
+<a:theme xmlns:a="http://schemas.openxmlformats.org/drawingml/2006/main" name="Galerie">
   <a:themeElements>
-    <a:clrScheme name="Office">
+    <a:clrScheme name="Galerie">
       <a:dk1>
         <a:sysClr val="windowText" lastClr="000000"/>
       </a:dk1>
@@ -5065,44 +5549,44 @@
         <a:sysClr val="window" lastClr="FFFFFF"/>
       </a:lt1>
       <a:dk2>
-        <a:srgbClr val="1F497D"/>
+        <a:srgbClr val="454545"/>
       </a:dk2>
       <a:lt2>
-        <a:srgbClr val="EEECE1"/>
+        <a:srgbClr val="DFDBD5"/>
       </a:lt2>
       <a:accent1>
-        <a:srgbClr val="4F81BD"/>
+        <a:srgbClr val="B71E42"/>
       </a:accent1>
       <a:accent2>
-        <a:srgbClr val="C0504D"/>
+        <a:srgbClr val="DE478E"/>
       </a:accent2>
       <a:accent3>
-        <a:srgbClr val="9BBB59"/>
+        <a:srgbClr val="BC72F0"/>
       </a:accent3>
       <a:accent4>
-        <a:srgbClr val="8064A2"/>
+        <a:srgbClr val="795FAF"/>
       </a:accent4>
       <a:accent5>
-        <a:srgbClr val="4BACC6"/>
+        <a:srgbClr val="586EA6"/>
       </a:accent5>
       <a:accent6>
-        <a:srgbClr val="F79646"/>
+        <a:srgbClr val="6892A0"/>
       </a:accent6>
       <a:hlink>
-        <a:srgbClr val="0000FF"/>
+        <a:srgbClr val="FA2B5C"/>
       </a:hlink>
       <a:folHlink>
-        <a:srgbClr val="800080"/>
+        <a:srgbClr val="BC658E"/>
       </a:folHlink>
     </a:clrScheme>
-    <a:fontScheme name="Office">
+    <a:fontScheme name="Galerie">
       <a:majorFont>
-        <a:latin typeface="Calibri"/>
+        <a:latin typeface="Gill Sans MT" panose="020B0502020104020203"/>
         <a:ea typeface=""/>
         <a:cs typeface=""/>
-        <a:font script="Jpan" typeface="ＭＳ Ｐゴシック"/>
+        <a:font script="Jpan" typeface="游ゴシック Light"/>
         <a:font script="Hang" typeface="맑은 고딕"/>
-        <a:font script="Hans" typeface="宋体"/>
+        <a:font script="Hans" typeface="等线 Light"/>
         <a:font script="Hant" typeface="新細明體"/>
         <a:font script="Arab" typeface="Times New Roman"/>
         <a:font script="Hebr" typeface="Times New Roman"/>
@@ -5132,12 +5616,12 @@
         <a:font script="Geor" typeface="Sylfaen"/>
       </a:majorFont>
       <a:minorFont>
-        <a:latin typeface="Calibri"/>
+        <a:latin typeface="Gill Sans MT" panose="020B0502020104020203"/>
         <a:ea typeface=""/>
         <a:cs typeface=""/>
-        <a:font script="Jpan" typeface="ＭＳ Ｐゴシック"/>
+        <a:font script="Jpan" typeface="游ゴシック"/>
         <a:font script="Hang" typeface="맑은 고딕"/>
-        <a:font script="Hans" typeface="宋体"/>
+        <a:font script="Hans" typeface="等线"/>
         <a:font script="Hant" typeface="新細明體"/>
         <a:font script="Arab" typeface="Arial"/>
         <a:font script="Hebr" typeface="Arial"/>
@@ -5167,7 +5651,7 @@
         <a:font script="Geor" typeface="Sylfaen"/>
       </a:minorFont>
     </a:fontScheme>
-    <a:fmtScheme name="Office">
+    <a:fmtScheme name="Galerie">
       <a:fillStyleLst>
         <a:solidFill>
           <a:schemeClr val="phClr"/>
@@ -5176,66 +5660,64 @@
           <a:gsLst>
             <a:gs pos="0">
               <a:schemeClr val="phClr">
-                <a:tint val="50000"/>
-                <a:satMod val="300000"/>
-              </a:schemeClr>
-            </a:gs>
-            <a:gs pos="35000">
-              <a:schemeClr val="phClr">
-                <a:tint val="37000"/>
-                <a:satMod val="300000"/>
+                <a:tint val="54000"/>
+                <a:alpha val="100000"/>
+                <a:satMod val="105000"/>
+                <a:lumMod val="110000"/>
               </a:schemeClr>
             </a:gs>
             <a:gs pos="100000">
               <a:schemeClr val="phClr">
-                <a:tint val="15000"/>
-                <a:satMod val="350000"/>
+                <a:tint val="78000"/>
+                <a:alpha val="92000"/>
+                <a:satMod val="109000"/>
+                <a:lumMod val="100000"/>
               </a:schemeClr>
             </a:gs>
           </a:gsLst>
-          <a:lin ang="16200000" scaled="1"/>
+          <a:lin ang="5400000" scaled="0"/>
         </a:gradFill>
         <a:gradFill rotWithShape="1">
           <a:gsLst>
             <a:gs pos="0">
               <a:schemeClr val="phClr">
-                <a:shade val="51000"/>
-                <a:satMod val="130000"/>
+                <a:tint val="98000"/>
+                <a:satMod val="110000"/>
+                <a:lumMod val="104000"/>
               </a:schemeClr>
             </a:gs>
-            <a:gs pos="80000">
+            <a:gs pos="69000">
               <a:schemeClr val="phClr">
-                <a:shade val="93000"/>
+                <a:shade val="88000"/>
                 <a:satMod val="130000"/>
+                <a:lumMod val="92000"/>
               </a:schemeClr>
             </a:gs>
             <a:gs pos="100000">
               <a:schemeClr val="phClr">
-                <a:shade val="94000"/>
-                <a:satMod val="135000"/>
+                <a:shade val="78000"/>
+                <a:satMod val="130000"/>
+                <a:lumMod val="92000"/>
               </a:schemeClr>
             </a:gs>
           </a:gsLst>
-          <a:lin ang="16200000" scaled="0"/>
+          <a:lin ang="5400000" scaled="0"/>
         </a:gradFill>
       </a:fillStyleLst>
       <a:lnStyleLst>
         <a:ln w="9525" cap="flat" cmpd="sng" algn="ctr">
           <a:solidFill>
-            <a:schemeClr val="phClr">
-              <a:shade val="95000"/>
-              <a:satMod val="105000"/>
-            </a:schemeClr>
+            <a:schemeClr val="phClr"/>
           </a:solidFill>
           <a:prstDash val="solid"/>
         </a:ln>
-        <a:ln w="25400" cap="flat" cmpd="sng" algn="ctr">
+        <a:ln w="15875" cap="flat" cmpd="sng" algn="ctr">
           <a:solidFill>
             <a:schemeClr val="phClr"/>
           </a:solidFill>
           <a:prstDash val="solid"/>
         </a:ln>
-        <a:ln w="38100" cap="flat" cmpd="sng" algn="ctr">
+        <a:ln w="22225" cap="flat" cmpd="sng" algn="ctr">
           <a:solidFill>
             <a:schemeClr val="phClr"/>
           </a:solidFill>
@@ -5244,28 +5726,16 @@
       </a:lnStyleLst>
       <a:effectStyleLst>
         <a:effectStyle>
-          <a:effectLst>
-            <a:outerShdw blurRad="40000" dist="20000" dir="5400000" rotWithShape="0">
-              <a:srgbClr val="000000">
-                <a:alpha val="38000"/>
-              </a:srgbClr>
-            </a:outerShdw>
-          </a:effectLst>
+          <a:effectLst/>
+        </a:effectStyle>
+        <a:effectStyle>
+          <a:effectLst/>
         </a:effectStyle>
         <a:effectStyle>
           <a:effectLst>
-            <a:outerShdw blurRad="40000" dist="23000" dir="5400000" rotWithShape="0">
+            <a:outerShdw blurRad="50800" dist="50800" dir="5400000" sx="96000" sy="96000" rotWithShape="0">
               <a:srgbClr val="000000">
-                <a:alpha val="35000"/>
-              </a:srgbClr>
-            </a:outerShdw>
-          </a:effectLst>
-        </a:effectStyle>
-        <a:effectStyle>
-          <a:effectLst>
-            <a:outerShdw blurRad="40000" dist="23000" dir="5400000" rotWithShape="0">
-              <a:srgbClr val="000000">
-                <a:alpha val="35000"/>
+                <a:alpha val="48000"/>
               </a:srgbClr>
             </a:outerShdw>
           </a:effectLst>
@@ -5273,12 +5743,12 @@
             <a:camera prst="orthographicFront">
               <a:rot lat="0" lon="0" rev="0"/>
             </a:camera>
-            <a:lightRig rig="threePt" dir="t">
-              <a:rot lat="0" lon="0" rev="1200000"/>
+            <a:lightRig rig="balanced" dir="t">
+              <a:rot lat="0" lon="0" rev="1080000"/>
             </a:lightRig>
           </a:scene3d>
           <a:sp3d>
-            <a:bevelT w="63500" h="25400"/>
+            <a:bevelT w="38100" h="12700" prst="softRound"/>
           </a:sp3d>
         </a:effectStyle>
       </a:effectStyleLst>
@@ -5286,49 +5756,26 @@
         <a:solidFill>
           <a:schemeClr val="phClr"/>
         </a:solidFill>
+        <a:solidFill>
+          <a:schemeClr val="phClr"/>
+        </a:solidFill>
         <a:gradFill rotWithShape="1">
           <a:gsLst>
             <a:gs pos="0">
               <a:schemeClr val="phClr">
-                <a:tint val="40000"/>
-                <a:satMod val="350000"/>
-              </a:schemeClr>
-            </a:gs>
-            <a:gs pos="40000">
-              <a:schemeClr val="phClr">
-                <a:tint val="45000"/>
-                <a:shade val="99000"/>
-                <a:satMod val="350000"/>
+                <a:tint val="94000"/>
+                <a:satMod val="80000"/>
+                <a:lumMod val="106000"/>
               </a:schemeClr>
             </a:gs>
             <a:gs pos="100000">
               <a:schemeClr val="phClr">
-                <a:shade val="20000"/>
-                <a:satMod val="255000"/>
+                <a:shade val="80000"/>
               </a:schemeClr>
             </a:gs>
           </a:gsLst>
           <a:path path="circle">
-            <a:fillToRect l="50000" t="-80000" r="50000" b="180000"/>
-          </a:path>
-        </a:gradFill>
-        <a:gradFill rotWithShape="1">
-          <a:gsLst>
-            <a:gs pos="0">
-              <a:schemeClr val="phClr">
-                <a:tint val="80000"/>
-                <a:satMod val="300000"/>
-              </a:schemeClr>
-            </a:gs>
-            <a:gs pos="100000">
-              <a:schemeClr val="phClr">
-                <a:shade val="30000"/>
-                <a:satMod val="200000"/>
-              </a:schemeClr>
-            </a:gs>
-          </a:gsLst>
-          <a:path path="circle">
-            <a:fillToRect l="50000" t="50000" r="50000" b="50000"/>
+            <a:fillToRect l="43000" r="43000" b="100000"/>
           </a:path>
         </a:gradFill>
       </a:bgFillStyleLst>
@@ -5336,5 +5783,10 @@
   </a:themeElements>
   <a:objectDefaults/>
   <a:extraClrSchemeLst/>
+  <a:extLst>
+    <a:ext uri="{05A4C25C-085E-4340-85A3-A5531E510DB2}">
+      <thm15:themeFamily xmlns:thm15="http://schemas.microsoft.com/office/thememl/2012/main" name="Gallery" id="{BBFCD31E-59A1-489D-B089-A3EAD7CAE12E}" vid="{F5E91637-A7B6-4E27-B710-77DA7014EE1E}"/>
+    </a:ext>
+  </a:extLst>
 </a:theme>
 </file>